--- a/201905/5-25分享.pptx
+++ b/201905/5-25分享.pptx
@@ -7,7 +7,8 @@
   <p:sldIdLst>
     <p:sldId id="256" r:id="rId2"/>
     <p:sldId id="257" r:id="rId3"/>
-    <p:sldId id="258" r:id="rId4"/>
+    <p:sldId id="259" r:id="rId4"/>
+    <p:sldId id="258" r:id="rId5"/>
   </p:sldIdLst>
   <p:sldSz cx="12192000" cy="6858000"/>
   <p:notesSz cx="6858000" cy="9144000"/>
@@ -106,6 +107,11 @@
       </a:defRPr>
     </a:lvl9pPr>
   </p:defaultTextStyle>
+  <p:extLst>
+    <p:ext uri="{EFAFB233-063F-42B5-8137-9DF3F51BA10A}">
+      <p15:sldGuideLst xmlns:p15="http://schemas.microsoft.com/office/powerpoint/2012/main"/>
+    </p:ext>
+  </p:extLst>
 </p:presentation>
 </file>
 
@@ -256,7 +262,7 @@
           <a:p>
             <a:fld id="{D5BA07B5-18E0-40AA-8D5D-F3414D5F25C6}" type="datetimeFigureOut">
               <a:rPr lang="zh-CN" altLang="en-US" smtClean="0"/>
-              <a:t>2019/5/22</a:t>
+              <a:t>2019/5/23</a:t>
             </a:fld>
             <a:endParaRPr lang="zh-CN" altLang="en-US"/>
           </a:p>
@@ -454,7 +460,7 @@
           <a:p>
             <a:fld id="{D5BA07B5-18E0-40AA-8D5D-F3414D5F25C6}" type="datetimeFigureOut">
               <a:rPr lang="zh-CN" altLang="en-US" smtClean="0"/>
-              <a:t>2019/5/22</a:t>
+              <a:t>2019/5/23</a:t>
             </a:fld>
             <a:endParaRPr lang="zh-CN" altLang="en-US"/>
           </a:p>
@@ -662,7 +668,7 @@
           <a:p>
             <a:fld id="{D5BA07B5-18E0-40AA-8D5D-F3414D5F25C6}" type="datetimeFigureOut">
               <a:rPr lang="zh-CN" altLang="en-US" smtClean="0"/>
-              <a:t>2019/5/22</a:t>
+              <a:t>2019/5/23</a:t>
             </a:fld>
             <a:endParaRPr lang="zh-CN" altLang="en-US"/>
           </a:p>
@@ -860,7 +866,7 @@
           <a:p>
             <a:fld id="{D5BA07B5-18E0-40AA-8D5D-F3414D5F25C6}" type="datetimeFigureOut">
               <a:rPr lang="zh-CN" altLang="en-US" smtClean="0"/>
-              <a:t>2019/5/22</a:t>
+              <a:t>2019/5/23</a:t>
             </a:fld>
             <a:endParaRPr lang="zh-CN" altLang="en-US"/>
           </a:p>
@@ -1135,7 +1141,7 @@
           <a:p>
             <a:fld id="{D5BA07B5-18E0-40AA-8D5D-F3414D5F25C6}" type="datetimeFigureOut">
               <a:rPr lang="zh-CN" altLang="en-US" smtClean="0"/>
-              <a:t>2019/5/22</a:t>
+              <a:t>2019/5/23</a:t>
             </a:fld>
             <a:endParaRPr lang="zh-CN" altLang="en-US"/>
           </a:p>
@@ -1400,7 +1406,7 @@
           <a:p>
             <a:fld id="{D5BA07B5-18E0-40AA-8D5D-F3414D5F25C6}" type="datetimeFigureOut">
               <a:rPr lang="zh-CN" altLang="en-US" smtClean="0"/>
-              <a:t>2019/5/22</a:t>
+              <a:t>2019/5/23</a:t>
             </a:fld>
             <a:endParaRPr lang="zh-CN" altLang="en-US"/>
           </a:p>
@@ -1812,7 +1818,7 @@
           <a:p>
             <a:fld id="{D5BA07B5-18E0-40AA-8D5D-F3414D5F25C6}" type="datetimeFigureOut">
               <a:rPr lang="zh-CN" altLang="en-US" smtClean="0"/>
-              <a:t>2019/5/22</a:t>
+              <a:t>2019/5/23</a:t>
             </a:fld>
             <a:endParaRPr lang="zh-CN" altLang="en-US"/>
           </a:p>
@@ -1953,7 +1959,7 @@
           <a:p>
             <a:fld id="{D5BA07B5-18E0-40AA-8D5D-F3414D5F25C6}" type="datetimeFigureOut">
               <a:rPr lang="zh-CN" altLang="en-US" smtClean="0"/>
-              <a:t>2019/5/22</a:t>
+              <a:t>2019/5/23</a:t>
             </a:fld>
             <a:endParaRPr lang="zh-CN" altLang="en-US"/>
           </a:p>
@@ -2066,7 +2072,7 @@
           <a:p>
             <a:fld id="{D5BA07B5-18E0-40AA-8D5D-F3414D5F25C6}" type="datetimeFigureOut">
               <a:rPr lang="zh-CN" altLang="en-US" smtClean="0"/>
-              <a:t>2019/5/22</a:t>
+              <a:t>2019/5/23</a:t>
             </a:fld>
             <a:endParaRPr lang="zh-CN" altLang="en-US"/>
           </a:p>
@@ -2377,7 +2383,7 @@
           <a:p>
             <a:fld id="{D5BA07B5-18E0-40AA-8D5D-F3414D5F25C6}" type="datetimeFigureOut">
               <a:rPr lang="zh-CN" altLang="en-US" smtClean="0"/>
-              <a:t>2019/5/22</a:t>
+              <a:t>2019/5/23</a:t>
             </a:fld>
             <a:endParaRPr lang="zh-CN" altLang="en-US"/>
           </a:p>
@@ -2665,7 +2671,7 @@
           <a:p>
             <a:fld id="{D5BA07B5-18E0-40AA-8D5D-F3414D5F25C6}" type="datetimeFigureOut">
               <a:rPr lang="zh-CN" altLang="en-US" smtClean="0"/>
-              <a:t>2019/5/22</a:t>
+              <a:t>2019/5/23</a:t>
             </a:fld>
             <a:endParaRPr lang="zh-CN" altLang="en-US"/>
           </a:p>
@@ -2906,7 +2912,7 @@
           <a:p>
             <a:fld id="{D5BA07B5-18E0-40AA-8D5D-F3414D5F25C6}" type="datetimeFigureOut">
               <a:rPr lang="zh-CN" altLang="en-US" smtClean="0"/>
-              <a:t>2019/5/22</a:t>
+              <a:t>2019/5/23</a:t>
             </a:fld>
             <a:endParaRPr lang="zh-CN" altLang="en-US"/>
           </a:p>
@@ -3339,39 +3345,66 @@
             <p:ph type="ctrTitle"/>
           </p:nvPr>
         </p:nvSpPr>
-        <p:spPr/>
+        <p:spPr>
+          <a:xfrm>
+            <a:off x="1524000" y="620201"/>
+            <a:ext cx="9144000" cy="4007457"/>
+          </a:xfrm>
+        </p:spPr>
         <p:txBody>
           <a:bodyPr>
-            <a:normAutofit/>
+            <a:normAutofit fontScale="90000"/>
           </a:bodyPr>
           <a:lstStyle/>
           <a:p>
             <a:r>
-              <a:rPr lang="en-US" altLang="zh-CN" sz="2700" dirty="0"/>
+              <a:rPr lang="en-US" altLang="zh-CN" sz="4000" dirty="0"/>
               <a:t>HOPE for Computing Education: Towards the  </a:t>
             </a:r>
             <a:br>
-              <a:rPr lang="en-US" altLang="zh-CN" sz="2700" dirty="0"/>
+              <a:rPr lang="en-US" altLang="zh-CN" sz="4000" dirty="0"/>
             </a:br>
             <a:r>
-              <a:rPr lang="en-US" altLang="zh-CN" sz="2700" dirty="0" err="1"/>
+              <a:rPr lang="en-US" altLang="zh-CN" sz="4000" dirty="0" err="1"/>
               <a:t>Infrastructuring</a:t>
             </a:r>
             <a:r>
-              <a:rPr lang="en-US" altLang="zh-CN" sz="2700" dirty="0"/>
+              <a:rPr lang="en-US" altLang="zh-CN" sz="4000" dirty="0"/>
               <a:t> of Support for University-School  </a:t>
             </a:r>
             <a:br>
-              <a:rPr lang="en-US" altLang="zh-CN" sz="2700" dirty="0"/>
+              <a:rPr lang="en-US" altLang="zh-CN" sz="4000" dirty="0"/>
             </a:br>
             <a:r>
-              <a:rPr lang="en-US" altLang="zh-CN" sz="2700" dirty="0"/>
+              <a:rPr lang="en-US" altLang="zh-CN" sz="4000" dirty="0"/>
               <a:t>Partnerships</a:t>
             </a:r>
+            <a:br>
+              <a:rPr lang="en-US" altLang="zh-CN" sz="4000" dirty="0"/>
+            </a:br>
             <a:br>
               <a:rPr lang="en-US" altLang="zh-CN" dirty="0"/>
             </a:br>
-            <a:endParaRPr lang="zh-CN" altLang="en-US" dirty="0"/>
+            <a:r>
+              <a:rPr lang="zh-CN" altLang="en-US" sz="4900" dirty="0"/>
+              <a:t>用于计算机教学的</a:t>
+            </a:r>
+            <a:r>
+              <a:rPr lang="en-US" altLang="zh-CN" sz="4900" dirty="0"/>
+              <a:t>HOPE</a:t>
+            </a:r>
+            <a:r>
+              <a:rPr lang="zh-CN" altLang="en-US" sz="4900" dirty="0"/>
+              <a:t>系统</a:t>
+            </a:r>
+            <a:r>
+              <a:rPr lang="en-US" altLang="zh-CN" sz="4900" dirty="0"/>
+              <a:t>:</a:t>
+            </a:r>
+            <a:r>
+              <a:rPr lang="zh-CN" altLang="en-US" sz="4900" dirty="0"/>
+              <a:t>增强大学与普通学校合作关系的基础</a:t>
+            </a:r>
           </a:p>
         </p:txBody>
       </p:sp>
@@ -3391,7 +3424,12 @@
             <p:ph type="subTitle" idx="1"/>
           </p:nvPr>
         </p:nvSpPr>
-        <p:spPr/>
+        <p:spPr>
+          <a:xfrm>
+            <a:off x="1524000" y="5023644"/>
+            <a:ext cx="9144000" cy="1747837"/>
+          </a:xfrm>
+        </p:spPr>
         <p:txBody>
           <a:bodyPr/>
           <a:lstStyle/>
@@ -3465,7 +3503,11 @@
           <a:bodyPr/>
           <a:lstStyle/>
           <a:p>
-            <a:endParaRPr lang="zh-CN" altLang="en-US"/>
+            <a:r>
+              <a:rPr lang="en-US" altLang="zh-CN" dirty="0"/>
+              <a:t>HOPE</a:t>
+            </a:r>
+            <a:endParaRPr lang="zh-CN" altLang="en-US" dirty="0"/>
           </a:p>
         </p:txBody>
       </p:sp>
@@ -3487,10 +3529,18 @@
         </p:nvSpPr>
         <p:spPr/>
         <p:txBody>
-          <a:bodyPr/>
-          <a:lstStyle/>
-          <a:p>
-            <a:endParaRPr lang="zh-CN" altLang="en-US"/>
+          <a:bodyPr>
+            <a:normAutofit/>
+          </a:bodyPr>
+          <a:lstStyle/>
+          <a:p>
+            <a:pPr marL="0" indent="0">
+              <a:buNone/>
+            </a:pPr>
+            <a:r>
+              <a:rPr lang="en-US" altLang="zh-CN" sz="4000" dirty="0"/>
+              <a:t>High Opportunity  Progression Ecosystems</a:t>
+            </a:r>
           </a:p>
         </p:txBody>
       </p:sp>
@@ -3508,6 +3558,86 @@
 </file>
 
 <file path=ppt/slides/slide3.xml><?xml version="1.0" encoding="utf-8"?>
+<p:sld xmlns:a="http://schemas.openxmlformats.org/drawingml/2006/main" xmlns:r="http://schemas.openxmlformats.org/officeDocument/2006/relationships" xmlns:p="http://schemas.openxmlformats.org/presentationml/2006/main">
+  <p:cSld>
+    <p:spTree>
+      <p:nvGrpSpPr>
+        <p:cNvPr id="1" name=""/>
+        <p:cNvGrpSpPr/>
+        <p:nvPr/>
+      </p:nvGrpSpPr>
+      <p:grpSpPr>
+        <a:xfrm>
+          <a:off x="0" y="0"/>
+          <a:ext cx="0" cy="0"/>
+          <a:chOff x="0" y="0"/>
+          <a:chExt cx="0" cy="0"/>
+        </a:xfrm>
+      </p:grpSpPr>
+      <p:sp>
+        <p:nvSpPr>
+          <p:cNvPr id="2" name="标题 1">
+            <a:extLst>
+              <a:ext uri="{FF2B5EF4-FFF2-40B4-BE49-F238E27FC236}">
+                <a16:creationId xmlns:a16="http://schemas.microsoft.com/office/drawing/2014/main" id="{C3C56912-F9BC-4EB5-BD5E-B7FC4C4BEA8B}"/>
+              </a:ext>
+            </a:extLst>
+          </p:cNvPr>
+          <p:cNvSpPr>
+            <a:spLocks noGrp="1"/>
+          </p:cNvSpPr>
+          <p:nvPr>
+            <p:ph type="title"/>
+          </p:nvPr>
+        </p:nvSpPr>
+        <p:spPr/>
+        <p:txBody>
+          <a:bodyPr/>
+          <a:lstStyle/>
+          <a:p>
+            <a:endParaRPr lang="zh-CN" altLang="en-US"/>
+          </a:p>
+        </p:txBody>
+      </p:sp>
+      <p:sp>
+        <p:nvSpPr>
+          <p:cNvPr id="3" name="内容占位符 2">
+            <a:extLst>
+              <a:ext uri="{FF2B5EF4-FFF2-40B4-BE49-F238E27FC236}">
+                <a16:creationId xmlns:a16="http://schemas.microsoft.com/office/drawing/2014/main" id="{246B660E-65FB-4507-9C3D-0DF3D4693A0C}"/>
+              </a:ext>
+            </a:extLst>
+          </p:cNvPr>
+          <p:cNvSpPr>
+            <a:spLocks noGrp="1"/>
+          </p:cNvSpPr>
+          <p:nvPr>
+            <p:ph idx="1"/>
+          </p:nvPr>
+        </p:nvSpPr>
+        <p:spPr/>
+        <p:txBody>
+          <a:bodyPr/>
+          <a:lstStyle/>
+          <a:p>
+            <a:endParaRPr lang="zh-CN" altLang="en-US"/>
+          </a:p>
+        </p:txBody>
+      </p:sp>
+    </p:spTree>
+    <p:extLst>
+      <p:ext uri="{BB962C8B-B14F-4D97-AF65-F5344CB8AC3E}">
+        <p14:creationId xmlns:p14="http://schemas.microsoft.com/office/powerpoint/2010/main" val="386315041"/>
+      </p:ext>
+    </p:extLst>
+  </p:cSld>
+  <p:clrMapOvr>
+    <a:masterClrMapping/>
+  </p:clrMapOvr>
+</p:sld>
+</file>
+
+<file path=ppt/slides/slide4.xml><?xml version="1.0" encoding="utf-8"?>
 <p:sld xmlns:a="http://schemas.openxmlformats.org/drawingml/2006/main" xmlns:r="http://schemas.openxmlformats.org/officeDocument/2006/relationships" xmlns:p="http://schemas.openxmlformats.org/presentationml/2006/main">
   <p:cSld>
     <p:spTree>

--- a/201905/5-25分享.pptx
+++ b/201905/5-25分享.pptx
@@ -8,7 +8,15 @@
     <p:sldId id="256" r:id="rId2"/>
     <p:sldId id="257" r:id="rId3"/>
     <p:sldId id="259" r:id="rId4"/>
-    <p:sldId id="258" r:id="rId5"/>
+    <p:sldId id="260" r:id="rId5"/>
+    <p:sldId id="262" r:id="rId6"/>
+    <p:sldId id="261" r:id="rId7"/>
+    <p:sldId id="265" r:id="rId8"/>
+    <p:sldId id="264" r:id="rId9"/>
+    <p:sldId id="263" r:id="rId10"/>
+    <p:sldId id="266" r:id="rId11"/>
+    <p:sldId id="267" r:id="rId12"/>
+    <p:sldId id="258" r:id="rId13"/>
   </p:sldIdLst>
   <p:sldSz cx="12192000" cy="6858000"/>
   <p:notesSz cx="6858000" cy="9144000"/>
@@ -3370,14 +3378,14 @@
             </a:r>
             <a:r>
               <a:rPr lang="en-US" altLang="zh-CN" sz="4000" dirty="0"/>
-              <a:t> of Support for University-School  </a:t>
+              <a:t> of Support for</a:t>
             </a:r>
             <a:br>
               <a:rPr lang="en-US" altLang="zh-CN" sz="4000" dirty="0"/>
             </a:br>
             <a:r>
               <a:rPr lang="en-US" altLang="zh-CN" sz="4000" dirty="0"/>
-              <a:t>Partnerships</a:t>
+              <a:t> University-School Partnerships</a:t>
             </a:r>
             <a:br>
               <a:rPr lang="en-US" altLang="zh-CN" sz="4000" dirty="0"/>
@@ -3403,7 +3411,7 @@
             </a:r>
             <a:r>
               <a:rPr lang="zh-CN" altLang="en-US" sz="4900" dirty="0"/>
-              <a:t>增强大学与普通学校合作关系的基础</a:t>
+              <a:t>增强大学与中学之间合作关系的基础</a:t>
             </a:r>
           </a:p>
         </p:txBody>
@@ -3456,6 +3464,431 @@
     <p:extLst>
       <p:ext uri="{BB962C8B-B14F-4D97-AF65-F5344CB8AC3E}">
         <p14:creationId xmlns:p14="http://schemas.microsoft.com/office/powerpoint/2010/main" val="1522855544"/>
+      </p:ext>
+    </p:extLst>
+  </p:cSld>
+  <p:clrMapOvr>
+    <a:masterClrMapping/>
+  </p:clrMapOvr>
+</p:sld>
+</file>
+
+<file path=ppt/slides/slide10.xml><?xml version="1.0" encoding="utf-8"?>
+<p:sld xmlns:a="http://schemas.openxmlformats.org/drawingml/2006/main" xmlns:r="http://schemas.openxmlformats.org/officeDocument/2006/relationships" xmlns:p="http://schemas.openxmlformats.org/presentationml/2006/main">
+  <p:cSld>
+    <p:spTree>
+      <p:nvGrpSpPr>
+        <p:cNvPr id="1" name=""/>
+        <p:cNvGrpSpPr/>
+        <p:nvPr/>
+      </p:nvGrpSpPr>
+      <p:grpSpPr>
+        <a:xfrm>
+          <a:off x="0" y="0"/>
+          <a:ext cx="0" cy="0"/>
+          <a:chOff x="0" y="0"/>
+          <a:chExt cx="0" cy="0"/>
+        </a:xfrm>
+      </p:grpSpPr>
+      <p:sp>
+        <p:nvSpPr>
+          <p:cNvPr id="2" name="标题 1">
+            <a:extLst>
+              <a:ext uri="{FF2B5EF4-FFF2-40B4-BE49-F238E27FC236}">
+                <a16:creationId xmlns:a16="http://schemas.microsoft.com/office/drawing/2014/main" id="{18F8C4E1-6014-4CE4-87DB-F7B0DA4363ED}"/>
+              </a:ext>
+            </a:extLst>
+          </p:cNvPr>
+          <p:cNvSpPr>
+            <a:spLocks noGrp="1"/>
+          </p:cNvSpPr>
+          <p:nvPr>
+            <p:ph type="title"/>
+          </p:nvPr>
+        </p:nvSpPr>
+        <p:spPr/>
+        <p:txBody>
+          <a:bodyPr/>
+          <a:lstStyle/>
+          <a:p>
+            <a:r>
+              <a:rPr lang="zh-CN" altLang="en-US" dirty="0"/>
+              <a:t>结果</a:t>
+            </a:r>
+          </a:p>
+        </p:txBody>
+      </p:sp>
+      <p:sp>
+        <p:nvSpPr>
+          <p:cNvPr id="3" name="内容占位符 2">
+            <a:extLst>
+              <a:ext uri="{FF2B5EF4-FFF2-40B4-BE49-F238E27FC236}">
+                <a16:creationId xmlns:a16="http://schemas.microsoft.com/office/drawing/2014/main" id="{2FBD90DD-A8A0-497A-9459-C0E08BED799A}"/>
+              </a:ext>
+            </a:extLst>
+          </p:cNvPr>
+          <p:cNvSpPr>
+            <a:spLocks noGrp="1"/>
+          </p:cNvSpPr>
+          <p:nvPr>
+            <p:ph idx="1"/>
+          </p:nvPr>
+        </p:nvSpPr>
+        <p:spPr/>
+        <p:txBody>
+          <a:bodyPr/>
+          <a:lstStyle/>
+          <a:p>
+            <a:pPr marL="0" indent="0">
+              <a:buNone/>
+            </a:pPr>
+            <a:r>
+              <a:rPr lang="zh-CN" altLang="en-US" dirty="0"/>
+              <a:t>作者通过进行上述的实验</a:t>
+            </a:r>
+            <a:r>
+              <a:rPr lang="en-US" altLang="zh-CN" dirty="0"/>
+              <a:t>, </a:t>
+            </a:r>
+            <a:r>
+              <a:rPr lang="zh-CN" altLang="en-US" dirty="0"/>
+              <a:t>在建立高校与中学合作关系的许多方面进行了总结</a:t>
+            </a:r>
+            <a:r>
+              <a:rPr lang="en-US" altLang="zh-CN" dirty="0"/>
+              <a:t>, </a:t>
+            </a:r>
+            <a:r>
+              <a:rPr lang="zh-CN" altLang="en-US" dirty="0"/>
+              <a:t>建立了一系列的方法</a:t>
+            </a:r>
+            <a:r>
+              <a:rPr lang="en-US" altLang="zh-CN" dirty="0"/>
+              <a:t>, </a:t>
+            </a:r>
+            <a:r>
+              <a:rPr lang="zh-CN" altLang="en-US" dirty="0"/>
+              <a:t>提出了很多的注意事项</a:t>
+            </a:r>
+            <a:endParaRPr lang="en-US" altLang="zh-CN" dirty="0"/>
+          </a:p>
+          <a:p>
+            <a:pPr marL="0" indent="0">
+              <a:buNone/>
+            </a:pPr>
+            <a:endParaRPr lang="zh-CN" altLang="en-US" dirty="0"/>
+          </a:p>
+        </p:txBody>
+      </p:sp>
+      <p:pic>
+        <p:nvPicPr>
+          <p:cNvPr id="5" name="图片 4" descr="图片包含 屏幕截图&#10;&#10;描述已自动生成">
+            <a:extLst>
+              <a:ext uri="{FF2B5EF4-FFF2-40B4-BE49-F238E27FC236}">
+                <a16:creationId xmlns:a16="http://schemas.microsoft.com/office/drawing/2014/main" id="{42E1E17B-5C82-4D4D-AFE2-1F8361AE9C94}"/>
+              </a:ext>
+            </a:extLst>
+          </p:cNvPr>
+          <p:cNvPicPr>
+            <a:picLocks noChangeAspect="1"/>
+          </p:cNvPicPr>
+          <p:nvPr/>
+        </p:nvPicPr>
+        <p:blipFill>
+          <a:blip r:embed="rId2">
+            <a:extLst>
+              <a:ext uri="{28A0092B-C50C-407E-A947-70E740481C1C}">
+                <a14:useLocalDpi xmlns:a14="http://schemas.microsoft.com/office/drawing/2010/main" val="0"/>
+              </a:ext>
+            </a:extLst>
+          </a:blip>
+          <a:stretch>
+            <a:fillRect/>
+          </a:stretch>
+        </p:blipFill>
+        <p:spPr>
+          <a:xfrm>
+            <a:off x="494522" y="2624064"/>
+            <a:ext cx="11202955" cy="4233936"/>
+          </a:xfrm>
+          <a:prstGeom prst="rect">
+            <a:avLst/>
+          </a:prstGeom>
+        </p:spPr>
+      </p:pic>
+    </p:spTree>
+    <p:extLst>
+      <p:ext uri="{BB962C8B-B14F-4D97-AF65-F5344CB8AC3E}">
+        <p14:creationId xmlns:p14="http://schemas.microsoft.com/office/powerpoint/2010/main" val="893801197"/>
+      </p:ext>
+    </p:extLst>
+  </p:cSld>
+  <p:clrMapOvr>
+    <a:masterClrMapping/>
+  </p:clrMapOvr>
+</p:sld>
+</file>
+
+<file path=ppt/slides/slide11.xml><?xml version="1.0" encoding="utf-8"?>
+<p:sld xmlns:a="http://schemas.openxmlformats.org/drawingml/2006/main" xmlns:r="http://schemas.openxmlformats.org/officeDocument/2006/relationships" xmlns:p="http://schemas.openxmlformats.org/presentationml/2006/main">
+  <p:cSld>
+    <p:spTree>
+      <p:nvGrpSpPr>
+        <p:cNvPr id="1" name=""/>
+        <p:cNvGrpSpPr/>
+        <p:nvPr/>
+      </p:nvGrpSpPr>
+      <p:grpSpPr>
+        <a:xfrm>
+          <a:off x="0" y="0"/>
+          <a:ext cx="0" cy="0"/>
+          <a:chOff x="0" y="0"/>
+          <a:chExt cx="0" cy="0"/>
+        </a:xfrm>
+      </p:grpSpPr>
+      <p:sp>
+        <p:nvSpPr>
+          <p:cNvPr id="2" name="标题 1">
+            <a:extLst>
+              <a:ext uri="{FF2B5EF4-FFF2-40B4-BE49-F238E27FC236}">
+                <a16:creationId xmlns:a16="http://schemas.microsoft.com/office/drawing/2014/main" id="{6640CE20-7238-40A6-83D7-CD10B88877BB}"/>
+              </a:ext>
+            </a:extLst>
+          </p:cNvPr>
+          <p:cNvSpPr>
+            <a:spLocks noGrp="1"/>
+          </p:cNvSpPr>
+          <p:nvPr>
+            <p:ph type="title"/>
+          </p:nvPr>
+        </p:nvSpPr>
+        <p:spPr/>
+        <p:txBody>
+          <a:bodyPr/>
+          <a:lstStyle/>
+          <a:p>
+            <a:r>
+              <a:rPr lang="zh-CN" altLang="en-US" dirty="0"/>
+              <a:t>展望</a:t>
+            </a:r>
+          </a:p>
+        </p:txBody>
+      </p:sp>
+      <p:sp>
+        <p:nvSpPr>
+          <p:cNvPr id="3" name="内容占位符 2">
+            <a:extLst>
+              <a:ext uri="{FF2B5EF4-FFF2-40B4-BE49-F238E27FC236}">
+                <a16:creationId xmlns:a16="http://schemas.microsoft.com/office/drawing/2014/main" id="{13F18E84-EF2A-4926-9F59-98989D15ADA2}"/>
+              </a:ext>
+            </a:extLst>
+          </p:cNvPr>
+          <p:cNvSpPr>
+            <a:spLocks noGrp="1"/>
+          </p:cNvSpPr>
+          <p:nvPr>
+            <p:ph idx="1"/>
+          </p:nvPr>
+        </p:nvSpPr>
+        <p:spPr/>
+        <p:txBody>
+          <a:bodyPr/>
+          <a:lstStyle/>
+          <a:p>
+            <a:pPr marL="0" indent="0">
+              <a:buNone/>
+            </a:pPr>
+            <a:r>
+              <a:rPr lang="zh-CN" altLang="en-US" dirty="0"/>
+              <a:t>作者认为他们所建立的模型不仅仅适用于</a:t>
+            </a:r>
+            <a:r>
+              <a:rPr lang="en-US" altLang="zh-CN" dirty="0"/>
+              <a:t>STEM</a:t>
+            </a:r>
+            <a:r>
+              <a:rPr lang="zh-CN" altLang="en-US" dirty="0"/>
+              <a:t>学科的教学</a:t>
+            </a:r>
+            <a:r>
+              <a:rPr lang="en-US" altLang="zh-CN" dirty="0"/>
+              <a:t>, </a:t>
+            </a:r>
+            <a:r>
+              <a:rPr lang="zh-CN" altLang="en-US" dirty="0"/>
+              <a:t>其他任何学科都可以在稍作修改之后使用</a:t>
+            </a:r>
+            <a:r>
+              <a:rPr lang="en-US" altLang="zh-CN" dirty="0"/>
+              <a:t>.</a:t>
+            </a:r>
+            <a:endParaRPr lang="zh-CN" altLang="en-US" dirty="0"/>
+          </a:p>
+        </p:txBody>
+      </p:sp>
+    </p:spTree>
+    <p:extLst>
+      <p:ext uri="{BB962C8B-B14F-4D97-AF65-F5344CB8AC3E}">
+        <p14:creationId xmlns:p14="http://schemas.microsoft.com/office/powerpoint/2010/main" val="1239055254"/>
+      </p:ext>
+    </p:extLst>
+  </p:cSld>
+  <p:clrMapOvr>
+    <a:masterClrMapping/>
+  </p:clrMapOvr>
+</p:sld>
+</file>
+
+<file path=ppt/slides/slide12.xml><?xml version="1.0" encoding="utf-8"?>
+<p:sld xmlns:a="http://schemas.openxmlformats.org/drawingml/2006/main" xmlns:r="http://schemas.openxmlformats.org/officeDocument/2006/relationships" xmlns:p="http://schemas.openxmlformats.org/presentationml/2006/main">
+  <p:cSld>
+    <p:spTree>
+      <p:nvGrpSpPr>
+        <p:cNvPr id="1" name=""/>
+        <p:cNvGrpSpPr/>
+        <p:nvPr/>
+      </p:nvGrpSpPr>
+      <p:grpSpPr>
+        <a:xfrm>
+          <a:off x="0" y="0"/>
+          <a:ext cx="0" cy="0"/>
+          <a:chOff x="0" y="0"/>
+          <a:chExt cx="0" cy="0"/>
+        </a:xfrm>
+      </p:grpSpPr>
+      <p:sp>
+        <p:nvSpPr>
+          <p:cNvPr id="2" name="标题 1">
+            <a:extLst>
+              <a:ext uri="{FF2B5EF4-FFF2-40B4-BE49-F238E27FC236}">
+                <a16:creationId xmlns:a16="http://schemas.microsoft.com/office/drawing/2014/main" id="{DFAAD04B-B052-4EBD-B557-543434BA2747}"/>
+              </a:ext>
+            </a:extLst>
+          </p:cNvPr>
+          <p:cNvSpPr>
+            <a:spLocks noGrp="1"/>
+          </p:cNvSpPr>
+          <p:nvPr>
+            <p:ph type="ctrTitle"/>
+          </p:nvPr>
+        </p:nvSpPr>
+        <p:spPr>
+          <a:xfrm>
+            <a:off x="1524000" y="500932"/>
+            <a:ext cx="9144000" cy="3387256"/>
+          </a:xfrm>
+        </p:spPr>
+        <p:txBody>
+          <a:bodyPr>
+            <a:normAutofit fontScale="90000"/>
+          </a:bodyPr>
+          <a:lstStyle/>
+          <a:p>
+            <a:r>
+              <a:rPr lang="en-US" altLang="zh-CN" sz="4000" dirty="0"/>
+              <a:t>Engaging High School Students in Cameroon with Exam Practice Quizzes via SMS and WhatsApp</a:t>
+            </a:r>
+            <a:br>
+              <a:rPr lang="en-US" altLang="zh-CN" sz="4000" dirty="0"/>
+            </a:br>
+            <a:br>
+              <a:rPr lang="en-US" altLang="zh-CN" sz="4000" dirty="0"/>
+            </a:br>
+            <a:r>
+              <a:rPr lang="zh-CN" altLang="en-US" sz="4000" dirty="0"/>
+              <a:t>通过短信和</a:t>
+            </a:r>
+            <a:r>
+              <a:rPr lang="en-US" altLang="zh-CN" sz="4000" dirty="0"/>
+              <a:t>WhatsApp(IM</a:t>
+            </a:r>
+            <a:r>
+              <a:rPr lang="zh-CN" altLang="en-US" sz="4000" dirty="0"/>
+              <a:t>应用</a:t>
+            </a:r>
+            <a:r>
+              <a:rPr lang="en-US" altLang="zh-CN" sz="4000" dirty="0"/>
+              <a:t>)</a:t>
+            </a:r>
+            <a:r>
+              <a:rPr lang="zh-CN" altLang="en-US" sz="4000" dirty="0"/>
+              <a:t>让</a:t>
+            </a:r>
+            <a:r>
+              <a:rPr lang="en-US" altLang="zh-CN" sz="4000" dirty="0"/>
+              <a:t>Cameroon</a:t>
+            </a:r>
+            <a:r>
+              <a:rPr lang="zh-CN" altLang="en-US" sz="4000" dirty="0"/>
+              <a:t>的大学生参与到考试实行质量指标中</a:t>
+            </a:r>
+            <a:endParaRPr lang="zh-CN" altLang="en-US" dirty="0"/>
+          </a:p>
+        </p:txBody>
+      </p:sp>
+      <p:sp>
+        <p:nvSpPr>
+          <p:cNvPr id="3" name="副标题 2">
+            <a:extLst>
+              <a:ext uri="{FF2B5EF4-FFF2-40B4-BE49-F238E27FC236}">
+                <a16:creationId xmlns:a16="http://schemas.microsoft.com/office/drawing/2014/main" id="{27A082AB-C689-4351-8700-F992C62B5E7B}"/>
+              </a:ext>
+            </a:extLst>
+          </p:cNvPr>
+          <p:cNvSpPr>
+            <a:spLocks noGrp="1"/>
+          </p:cNvSpPr>
+          <p:nvPr>
+            <p:ph type="subTitle" idx="1"/>
+          </p:nvPr>
+        </p:nvSpPr>
+        <p:spPr>
+          <a:xfrm>
+            <a:off x="1524000" y="5146579"/>
+            <a:ext cx="9144000" cy="1655762"/>
+          </a:xfrm>
+        </p:spPr>
+        <p:txBody>
+          <a:bodyPr/>
+          <a:lstStyle/>
+          <a:p>
+            <a:r>
+              <a:rPr lang="en-US" altLang="zh-CN" dirty="0"/>
+              <a:t>CHI 2019</a:t>
+            </a:r>
+          </a:p>
+          <a:p>
+            <a:r>
+              <a:rPr lang="en-US" altLang="zh-CN" dirty="0"/>
+              <a:t>Anthony Poon  , Sarah Giroux, Parfait </a:t>
+            </a:r>
+            <a:r>
+              <a:rPr lang="en-US" altLang="zh-CN" dirty="0" err="1"/>
+              <a:t>Eloundou-Enyegue</a:t>
+            </a:r>
+            <a:endParaRPr lang="en-US" altLang="zh-CN" dirty="0"/>
+          </a:p>
+          <a:p>
+            <a:r>
+              <a:rPr lang="en-US" altLang="zh-CN" dirty="0"/>
+              <a:t> François </a:t>
+            </a:r>
+            <a:r>
+              <a:rPr lang="en-US" altLang="zh-CN" dirty="0" err="1"/>
+              <a:t>Guimbretière</a:t>
+            </a:r>
+            <a:r>
+              <a:rPr lang="en-US" altLang="zh-CN" dirty="0"/>
+              <a:t>, Nicola Dell</a:t>
+            </a:r>
+            <a:endParaRPr lang="zh-CN" altLang="en-US" dirty="0"/>
+          </a:p>
+        </p:txBody>
+      </p:sp>
+    </p:spTree>
+    <p:extLst>
+      <p:ext uri="{BB962C8B-B14F-4D97-AF65-F5344CB8AC3E}">
+        <p14:creationId xmlns:p14="http://schemas.microsoft.com/office/powerpoint/2010/main" val="1353471084"/>
       </p:ext>
     </p:extLst>
   </p:cSld>
@@ -3504,10 +3937,9 @@
           <a:lstStyle/>
           <a:p>
             <a:r>
-              <a:rPr lang="en-US" altLang="zh-CN" dirty="0"/>
-              <a:t>HOPE</a:t>
-            </a:r>
-            <a:endParaRPr lang="zh-CN" altLang="en-US" dirty="0"/>
+              <a:rPr lang="zh-CN" altLang="en-US" dirty="0"/>
+              <a:t>关键词</a:t>
+            </a:r>
           </a:p>
         </p:txBody>
       </p:sp>
@@ -3538,9 +3970,30 @@
               <a:buNone/>
             </a:pPr>
             <a:r>
-              <a:rPr lang="en-US" altLang="zh-CN" sz="4000" dirty="0"/>
-              <a:t>High Opportunity  Progression Ecosystems</a:t>
-            </a:r>
+              <a:rPr lang="en-US" altLang="zh-CN" sz="3200" dirty="0"/>
+              <a:t>High Opportunity  Progression Ecosystems(HOPE)</a:t>
+            </a:r>
+          </a:p>
+          <a:p>
+            <a:pPr marL="0" indent="0">
+              <a:buNone/>
+            </a:pPr>
+            <a:endParaRPr lang="en-US" altLang="zh-CN" sz="3600" dirty="0"/>
+          </a:p>
+          <a:p>
+            <a:pPr marL="0" indent="0">
+              <a:buNone/>
+            </a:pPr>
+            <a:r>
+              <a:rPr lang="en-US" altLang="zh-CN" sz="3200" dirty="0"/>
+              <a:t>science, technology,  engineering and mathematics(STEM)</a:t>
+            </a:r>
+          </a:p>
+          <a:p>
+            <a:pPr marL="0" indent="0">
+              <a:buNone/>
+            </a:pPr>
+            <a:endParaRPr lang="en-US" altLang="zh-CN" sz="3600" dirty="0"/>
           </a:p>
         </p:txBody>
       </p:sp>
@@ -3595,7 +4048,10 @@
           <a:bodyPr/>
           <a:lstStyle/>
           <a:p>
-            <a:endParaRPr lang="zh-CN" altLang="en-US"/>
+            <a:r>
+              <a:rPr lang="zh-CN" altLang="en-US" dirty="0"/>
+              <a:t>待解决的问题</a:t>
+            </a:r>
           </a:p>
         </p:txBody>
       </p:sp>
@@ -3620,7 +4076,53 @@
           <a:bodyPr/>
           <a:lstStyle/>
           <a:p>
-            <a:endParaRPr lang="zh-CN" altLang="en-US"/>
+            <a:pPr marL="0" indent="0">
+              <a:buNone/>
+            </a:pPr>
+            <a:r>
+              <a:rPr lang="zh-CN" altLang="en-US" dirty="0"/>
+              <a:t>英国国内</a:t>
+            </a:r>
+            <a:r>
+              <a:rPr lang="en-US" altLang="zh-CN" dirty="0"/>
+              <a:t>,</a:t>
+            </a:r>
+            <a:r>
+              <a:rPr lang="zh-CN" altLang="en-US" dirty="0"/>
+              <a:t>计算机教学方面</a:t>
+            </a:r>
+            <a:r>
+              <a:rPr lang="en-US" altLang="zh-CN" dirty="0"/>
+              <a:t>, </a:t>
+            </a:r>
+            <a:r>
+              <a:rPr lang="zh-CN" altLang="en-US" dirty="0"/>
+              <a:t>高校对普通学校的援助的非常的零散和脆弱</a:t>
+            </a:r>
+            <a:r>
+              <a:rPr lang="en-US" altLang="zh-CN" dirty="0"/>
+              <a:t>(patchy and fragile), </a:t>
+            </a:r>
+            <a:r>
+              <a:rPr lang="zh-CN" altLang="en-US" dirty="0"/>
+              <a:t>缺乏有效的指导</a:t>
+            </a:r>
+            <a:r>
+              <a:rPr lang="en-US" altLang="zh-CN" dirty="0"/>
+              <a:t>.</a:t>
+            </a:r>
+          </a:p>
+          <a:p>
+            <a:pPr marL="0" indent="0">
+              <a:buNone/>
+            </a:pPr>
+            <a:endParaRPr lang="en-US" altLang="zh-CN" dirty="0"/>
+          </a:p>
+          <a:p>
+            <a:pPr marL="0" indent="0">
+              <a:buNone/>
+            </a:pPr>
+            <a:endParaRPr lang="en-US" altLang="zh-CN" dirty="0"/>
           </a:p>
         </p:txBody>
       </p:sp>
@@ -3659,88 +4161,182 @@
           <p:cNvPr id="2" name="标题 1">
             <a:extLst>
               <a:ext uri="{FF2B5EF4-FFF2-40B4-BE49-F238E27FC236}">
-                <a16:creationId xmlns:a16="http://schemas.microsoft.com/office/drawing/2014/main" id="{DFAAD04B-B052-4EBD-B557-543434BA2747}"/>
-              </a:ext>
-            </a:extLst>
-          </p:cNvPr>
-          <p:cNvSpPr>
-            <a:spLocks noGrp="1"/>
-          </p:cNvSpPr>
-          <p:nvPr>
-            <p:ph type="ctrTitle"/>
-          </p:nvPr>
-        </p:nvSpPr>
-        <p:spPr/>
-        <p:txBody>
-          <a:bodyPr>
-            <a:normAutofit/>
-          </a:bodyPr>
-          <a:lstStyle/>
-          <a:p>
-            <a:r>
-              <a:rPr lang="en-US" altLang="zh-CN" sz="2700" dirty="0"/>
-              <a:t>HOPE for Computing Education: Towards the  </a:t>
-            </a:r>
-            <a:br>
-              <a:rPr lang="en-US" altLang="zh-CN" sz="2700" dirty="0"/>
-            </a:br>
-            <a:r>
-              <a:rPr lang="en-US" altLang="zh-CN" sz="2700" dirty="0" err="1"/>
-              <a:t>Infrastructuring</a:t>
-            </a:r>
-            <a:r>
-              <a:rPr lang="en-US" altLang="zh-CN" sz="2700" dirty="0"/>
-              <a:t> of Support for University-School  </a:t>
-            </a:r>
-            <a:br>
-              <a:rPr lang="en-US" altLang="zh-CN" sz="2700" dirty="0"/>
-            </a:br>
-            <a:r>
-              <a:rPr lang="en-US" altLang="zh-CN" sz="2700" dirty="0"/>
-              <a:t>Partnerships</a:t>
-            </a:r>
-            <a:br>
+                <a16:creationId xmlns:a16="http://schemas.microsoft.com/office/drawing/2014/main" id="{F4A6CA68-E640-4C07-A122-AF7E0695D1B9}"/>
+              </a:ext>
+            </a:extLst>
+          </p:cNvPr>
+          <p:cNvSpPr>
+            <a:spLocks noGrp="1"/>
+          </p:cNvSpPr>
+          <p:nvPr>
+            <p:ph type="title"/>
+          </p:nvPr>
+        </p:nvSpPr>
+        <p:spPr/>
+        <p:txBody>
+          <a:bodyPr/>
+          <a:lstStyle/>
+          <a:p>
+            <a:r>
+              <a:rPr lang="zh-CN" altLang="en-US" dirty="0"/>
+              <a:t>解决方法</a:t>
+            </a:r>
+          </a:p>
+        </p:txBody>
+      </p:sp>
+      <p:sp>
+        <p:nvSpPr>
+          <p:cNvPr id="3" name="内容占位符 2">
+            <a:extLst>
+              <a:ext uri="{FF2B5EF4-FFF2-40B4-BE49-F238E27FC236}">
+                <a16:creationId xmlns:a16="http://schemas.microsoft.com/office/drawing/2014/main" id="{F16ED557-F691-4414-A4C0-8830525EB328}"/>
+              </a:ext>
+            </a:extLst>
+          </p:cNvPr>
+          <p:cNvSpPr>
+            <a:spLocks noGrp="1"/>
+          </p:cNvSpPr>
+          <p:nvPr>
+            <p:ph idx="1"/>
+          </p:nvPr>
+        </p:nvSpPr>
+        <p:spPr/>
+        <p:txBody>
+          <a:bodyPr/>
+          <a:lstStyle/>
+          <a:p>
+            <a:pPr marL="0" indent="0">
+              <a:buNone/>
+            </a:pPr>
+            <a:r>
+              <a:rPr lang="zh-CN" altLang="en-US" dirty="0"/>
+              <a:t>本文试图探索如何能够让高校和普通学校更好的合作教学</a:t>
+            </a:r>
+            <a:r>
               <a:rPr lang="en-US" altLang="zh-CN" dirty="0"/>
-            </a:br>
-            <a:endParaRPr lang="zh-CN" altLang="en-US" dirty="0"/>
-          </a:p>
-        </p:txBody>
-      </p:sp>
-      <p:sp>
-        <p:nvSpPr>
-          <p:cNvPr id="3" name="副标题 2">
-            <a:extLst>
-              <a:ext uri="{FF2B5EF4-FFF2-40B4-BE49-F238E27FC236}">
-                <a16:creationId xmlns:a16="http://schemas.microsoft.com/office/drawing/2014/main" id="{27A082AB-C689-4351-8700-F992C62B5E7B}"/>
-              </a:ext>
-            </a:extLst>
-          </p:cNvPr>
-          <p:cNvSpPr>
-            <a:spLocks noGrp="1"/>
-          </p:cNvSpPr>
-          <p:nvPr>
-            <p:ph type="subTitle" idx="1"/>
-          </p:nvPr>
-        </p:nvSpPr>
-        <p:spPr/>
-        <p:txBody>
-          <a:bodyPr/>
-          <a:lstStyle/>
-          <a:p>
+              <a:t>. </a:t>
+            </a:r>
+            <a:r>
+              <a:rPr lang="zh-CN" altLang="en-US" dirty="0"/>
+              <a:t>作者从一次拓展教育活动得到启发</a:t>
+            </a:r>
             <a:r>
               <a:rPr lang="en-US" altLang="zh-CN" dirty="0"/>
-              <a:t>CHI 2019</a:t>
-            </a:r>
-          </a:p>
-          <a:p>
+              <a:t>, </a:t>
+            </a:r>
+            <a:r>
+              <a:rPr lang="zh-CN" altLang="en-US" dirty="0"/>
+              <a:t>采用行为研究的方式</a:t>
+            </a:r>
             <a:r>
               <a:rPr lang="en-US" altLang="zh-CN" dirty="0"/>
-              <a:t>Megan Venn-Wycherley , Ahmed </a:t>
-            </a:r>
-            <a:r>
-              <a:rPr lang="en-US" altLang="zh-CN" dirty="0" err="1"/>
-              <a:t>Kharrufa</a:t>
-            </a:r>
+              <a:t>, </a:t>
+            </a:r>
+            <a:r>
+              <a:rPr lang="zh-CN" altLang="en-US" dirty="0"/>
+              <a:t>通过对大学生</a:t>
+            </a:r>
+            <a:r>
+              <a:rPr lang="en-US" altLang="zh-CN" dirty="0"/>
+              <a:t>, </a:t>
+            </a:r>
+            <a:r>
+              <a:rPr lang="zh-CN" altLang="en-US" dirty="0"/>
+              <a:t>老师</a:t>
+            </a:r>
+            <a:r>
+              <a:rPr lang="en-US" altLang="zh-CN" dirty="0"/>
+              <a:t>, </a:t>
+            </a:r>
+            <a:r>
+              <a:rPr lang="zh-CN" altLang="en-US" dirty="0"/>
+              <a:t>中介机构在授课活动中的体验</a:t>
+            </a:r>
+            <a:r>
+              <a:rPr lang="en-US" altLang="zh-CN" dirty="0"/>
+              <a:t>(experiences)</a:t>
+            </a:r>
+            <a:r>
+              <a:rPr lang="zh-CN" altLang="en-US" dirty="0"/>
+              <a:t>的研究</a:t>
+            </a:r>
+            <a:r>
+              <a:rPr lang="en-US" altLang="zh-CN" dirty="0"/>
+              <a:t>, </a:t>
+            </a:r>
+            <a:r>
+              <a:rPr lang="zh-CN" altLang="en-US" dirty="0"/>
+              <a:t>发现了一些用于设计</a:t>
+            </a:r>
+            <a:r>
+              <a:rPr lang="en-US" altLang="zh-CN" dirty="0"/>
+              <a:t>HOPE</a:t>
+            </a:r>
+            <a:r>
+              <a:rPr lang="zh-CN" altLang="en-US" dirty="0"/>
+              <a:t>系统来增强计算机教学的关键点</a:t>
+            </a:r>
+            <a:r>
+              <a:rPr lang="en-US" altLang="zh-CN" dirty="0"/>
+              <a:t>.</a:t>
+            </a:r>
+          </a:p>
+          <a:p>
+            <a:pPr marL="0" indent="0">
+              <a:buNone/>
+            </a:pPr>
+            <a:r>
+              <a:rPr lang="zh-CN" altLang="en-US" dirty="0"/>
+              <a:t>例如</a:t>
+            </a:r>
+            <a:r>
+              <a:rPr lang="en-US" altLang="zh-CN" dirty="0"/>
+              <a:t>, </a:t>
+            </a:r>
+            <a:r>
+              <a:rPr lang="zh-CN" altLang="en-US" dirty="0"/>
+              <a:t>本科生的特性</a:t>
+            </a:r>
+            <a:r>
+              <a:rPr lang="en-US" altLang="zh-CN" dirty="0"/>
+              <a:t>(student identity), </a:t>
+            </a:r>
+            <a:r>
+              <a:rPr lang="zh-CN" altLang="en-US" dirty="0"/>
+              <a:t>负载模型</a:t>
+            </a:r>
+            <a:r>
+              <a:rPr lang="en-US" altLang="zh-CN" dirty="0"/>
+              <a:t>, </a:t>
+            </a:r>
+            <a:r>
+              <a:rPr lang="zh-CN" altLang="en-US" dirty="0"/>
+              <a:t>过程可视化等</a:t>
+            </a:r>
+            <a:endParaRPr lang="en-US" altLang="zh-CN" dirty="0"/>
+          </a:p>
+          <a:p>
+            <a:pPr marL="0" indent="0">
+              <a:buNone/>
+            </a:pPr>
+            <a:r>
+              <a:rPr lang="zh-CN" altLang="en-US" dirty="0"/>
+              <a:t>同时</a:t>
+            </a:r>
+            <a:r>
+              <a:rPr lang="en-US" altLang="zh-CN" dirty="0"/>
+              <a:t>, </a:t>
+            </a:r>
+            <a:r>
+              <a:rPr lang="zh-CN" altLang="en-US" dirty="0"/>
+              <a:t>作者也对技术在解决上述问题中所起到的作用进行了探讨</a:t>
+            </a:r>
+            <a:endParaRPr lang="en-US" altLang="zh-CN" dirty="0"/>
+          </a:p>
+          <a:p>
+            <a:pPr marL="0" indent="0">
+              <a:buNone/>
+            </a:pPr>
             <a:endParaRPr lang="zh-CN" altLang="en-US" dirty="0"/>
           </a:p>
         </p:txBody>
@@ -3748,7 +4344,684 @@
     </p:spTree>
     <p:extLst>
       <p:ext uri="{BB962C8B-B14F-4D97-AF65-F5344CB8AC3E}">
-        <p14:creationId xmlns:p14="http://schemas.microsoft.com/office/powerpoint/2010/main" val="1353471084"/>
+        <p14:creationId xmlns:p14="http://schemas.microsoft.com/office/powerpoint/2010/main" val="3794758739"/>
+      </p:ext>
+    </p:extLst>
+  </p:cSld>
+  <p:clrMapOvr>
+    <a:masterClrMapping/>
+  </p:clrMapOvr>
+</p:sld>
+</file>
+
+<file path=ppt/slides/slide5.xml><?xml version="1.0" encoding="utf-8"?>
+<p:sld xmlns:a="http://schemas.openxmlformats.org/drawingml/2006/main" xmlns:r="http://schemas.openxmlformats.org/officeDocument/2006/relationships" xmlns:p="http://schemas.openxmlformats.org/presentationml/2006/main">
+  <p:cSld>
+    <p:spTree>
+      <p:nvGrpSpPr>
+        <p:cNvPr id="1" name=""/>
+        <p:cNvGrpSpPr/>
+        <p:nvPr/>
+      </p:nvGrpSpPr>
+      <p:grpSpPr>
+        <a:xfrm>
+          <a:off x="0" y="0"/>
+          <a:ext cx="0" cy="0"/>
+          <a:chOff x="0" y="0"/>
+          <a:chExt cx="0" cy="0"/>
+        </a:xfrm>
+      </p:grpSpPr>
+      <p:sp>
+        <p:nvSpPr>
+          <p:cNvPr id="2" name="标题 1">
+            <a:extLst>
+              <a:ext uri="{FF2B5EF4-FFF2-40B4-BE49-F238E27FC236}">
+                <a16:creationId xmlns:a16="http://schemas.microsoft.com/office/drawing/2014/main" id="{2CF74A11-246C-4E03-9513-5F2FCE5CEA27}"/>
+              </a:ext>
+            </a:extLst>
+          </p:cNvPr>
+          <p:cNvSpPr>
+            <a:spLocks noGrp="1"/>
+          </p:cNvSpPr>
+          <p:nvPr>
+            <p:ph type="title"/>
+          </p:nvPr>
+        </p:nvSpPr>
+        <p:spPr/>
+        <p:txBody>
+          <a:bodyPr/>
+          <a:lstStyle/>
+          <a:p>
+            <a:r>
+              <a:rPr lang="zh-CN" altLang="en-US" dirty="0"/>
+              <a:t>解决方法</a:t>
+            </a:r>
+          </a:p>
+        </p:txBody>
+      </p:sp>
+      <p:sp>
+        <p:nvSpPr>
+          <p:cNvPr id="3" name="内容占位符 2">
+            <a:extLst>
+              <a:ext uri="{FF2B5EF4-FFF2-40B4-BE49-F238E27FC236}">
+                <a16:creationId xmlns:a16="http://schemas.microsoft.com/office/drawing/2014/main" id="{DFE6323D-BEC2-4B6A-A37C-0D5E2FCD735B}"/>
+              </a:ext>
+            </a:extLst>
+          </p:cNvPr>
+          <p:cNvSpPr>
+            <a:spLocks noGrp="1"/>
+          </p:cNvSpPr>
+          <p:nvPr>
+            <p:ph idx="1"/>
+          </p:nvPr>
+        </p:nvSpPr>
+        <p:spPr/>
+        <p:txBody>
+          <a:bodyPr/>
+          <a:lstStyle/>
+          <a:p>
+            <a:pPr marL="0" indent="0">
+              <a:buNone/>
+            </a:pPr>
+            <a:r>
+              <a:rPr lang="en-US" altLang="zh-CN" dirty="0"/>
+              <a:t>This paper investigates methods for developing and sustaining educational partnerships between universities, undergraduate students and local secondary schools through the scope of an existing engagement</a:t>
+            </a:r>
+          </a:p>
+          <a:p>
+            <a:pPr marL="0" indent="0">
+              <a:buNone/>
+            </a:pPr>
+            <a:r>
+              <a:rPr lang="zh-CN" altLang="en-US" dirty="0"/>
+              <a:t>这篇文章致力于在一个现有的合作范围内</a:t>
+            </a:r>
+            <a:r>
+              <a:rPr lang="en-US" altLang="zh-CN" dirty="0"/>
+              <a:t>, </a:t>
+            </a:r>
+            <a:r>
+              <a:rPr lang="zh-CN" altLang="en-US" dirty="0"/>
+              <a:t>寻找增进并维持大学</a:t>
+            </a:r>
+            <a:r>
+              <a:rPr lang="en-US" altLang="zh-CN" dirty="0"/>
+              <a:t>, </a:t>
+            </a:r>
+            <a:r>
+              <a:rPr lang="zh-CN" altLang="en-US" dirty="0"/>
+              <a:t>大学生和本地的中学之间的合作关系的方法</a:t>
+            </a:r>
+            <a:r>
+              <a:rPr lang="en-US" altLang="zh-CN" dirty="0"/>
+              <a:t>.</a:t>
+            </a:r>
+          </a:p>
+          <a:p>
+            <a:pPr marL="0" indent="0">
+              <a:buNone/>
+            </a:pPr>
+            <a:endParaRPr lang="en-US" altLang="zh-CN" dirty="0"/>
+          </a:p>
+          <a:p>
+            <a:pPr marL="0" indent="0">
+              <a:buNone/>
+            </a:pPr>
+            <a:r>
+              <a:rPr lang="zh-CN" altLang="en-US" dirty="0"/>
+              <a:t>实际上是他们在现有的合作基础上</a:t>
+            </a:r>
+            <a:r>
+              <a:rPr lang="en-US" altLang="zh-CN" dirty="0"/>
+              <a:t>, </a:t>
+            </a:r>
+            <a:r>
+              <a:rPr lang="zh-CN" altLang="en-US" dirty="0"/>
+              <a:t>设计了一个多方参与的实验来进行探索</a:t>
+            </a:r>
+            <a:r>
+              <a:rPr lang="en-US" altLang="zh-CN" dirty="0"/>
+              <a:t>.</a:t>
+            </a:r>
+            <a:endParaRPr lang="zh-CN" altLang="en-US" dirty="0"/>
+          </a:p>
+        </p:txBody>
+      </p:sp>
+    </p:spTree>
+    <p:extLst>
+      <p:ext uri="{BB962C8B-B14F-4D97-AF65-F5344CB8AC3E}">
+        <p14:creationId xmlns:p14="http://schemas.microsoft.com/office/powerpoint/2010/main" val="1062590544"/>
+      </p:ext>
+    </p:extLst>
+  </p:cSld>
+  <p:clrMapOvr>
+    <a:masterClrMapping/>
+  </p:clrMapOvr>
+</p:sld>
+</file>
+
+<file path=ppt/slides/slide6.xml><?xml version="1.0" encoding="utf-8"?>
+<p:sld xmlns:a="http://schemas.openxmlformats.org/drawingml/2006/main" xmlns:r="http://schemas.openxmlformats.org/officeDocument/2006/relationships" xmlns:p="http://schemas.openxmlformats.org/presentationml/2006/main">
+  <p:cSld>
+    <p:spTree>
+      <p:nvGrpSpPr>
+        <p:cNvPr id="1" name=""/>
+        <p:cNvGrpSpPr/>
+        <p:nvPr/>
+      </p:nvGrpSpPr>
+      <p:grpSpPr>
+        <a:xfrm>
+          <a:off x="0" y="0"/>
+          <a:ext cx="0" cy="0"/>
+          <a:chOff x="0" y="0"/>
+          <a:chExt cx="0" cy="0"/>
+        </a:xfrm>
+      </p:grpSpPr>
+      <p:sp>
+        <p:nvSpPr>
+          <p:cNvPr id="2" name="标题 1">
+            <a:extLst>
+              <a:ext uri="{FF2B5EF4-FFF2-40B4-BE49-F238E27FC236}">
+                <a16:creationId xmlns:a16="http://schemas.microsoft.com/office/drawing/2014/main" id="{7B8F223F-B950-472B-A5E7-AA71413D7CCD}"/>
+              </a:ext>
+            </a:extLst>
+          </p:cNvPr>
+          <p:cNvSpPr>
+            <a:spLocks noGrp="1"/>
+          </p:cNvSpPr>
+          <p:nvPr>
+            <p:ph type="title"/>
+          </p:nvPr>
+        </p:nvSpPr>
+        <p:spPr/>
+        <p:txBody>
+          <a:bodyPr/>
+          <a:lstStyle/>
+          <a:p>
+            <a:r>
+              <a:rPr lang="zh-CN" altLang="en-US" dirty="0"/>
+              <a:t>解决方法</a:t>
+            </a:r>
+          </a:p>
+        </p:txBody>
+      </p:sp>
+      <p:sp>
+        <p:nvSpPr>
+          <p:cNvPr id="3" name="内容占位符 2">
+            <a:extLst>
+              <a:ext uri="{FF2B5EF4-FFF2-40B4-BE49-F238E27FC236}">
+                <a16:creationId xmlns:a16="http://schemas.microsoft.com/office/drawing/2014/main" id="{F04C5F5E-3A1B-4780-AB9E-4E3A78FC1102}"/>
+              </a:ext>
+            </a:extLst>
+          </p:cNvPr>
+          <p:cNvSpPr>
+            <a:spLocks noGrp="1"/>
+          </p:cNvSpPr>
+          <p:nvPr>
+            <p:ph idx="1"/>
+          </p:nvPr>
+        </p:nvSpPr>
+        <p:spPr/>
+        <p:txBody>
+          <a:bodyPr/>
+          <a:lstStyle/>
+          <a:p>
+            <a:pPr marL="0" indent="0">
+              <a:buNone/>
+            </a:pPr>
+            <a:r>
+              <a:rPr lang="en-US" altLang="zh-CN" dirty="0"/>
+              <a:t>university undergraduates (UGs) are ideally positioned to contribute towards these partnerships, with specialist knowledge and their need to develop professional skills</a:t>
+            </a:r>
+          </a:p>
+          <a:p>
+            <a:pPr marL="0" indent="0">
+              <a:buNone/>
+            </a:pPr>
+            <a:r>
+              <a:rPr lang="zh-CN" altLang="en-US" dirty="0"/>
+              <a:t>在推进高校和义务教育机构的合作关系方面</a:t>
+            </a:r>
+            <a:r>
+              <a:rPr lang="en-US" altLang="zh-CN" dirty="0"/>
+              <a:t>, </a:t>
+            </a:r>
+            <a:r>
+              <a:rPr lang="zh-CN" altLang="en-US" dirty="0"/>
+              <a:t>大学本科生是非常合适的人选</a:t>
+            </a:r>
+            <a:r>
+              <a:rPr lang="en-US" altLang="zh-CN" dirty="0"/>
+              <a:t>, </a:t>
+            </a:r>
+            <a:r>
+              <a:rPr lang="zh-CN" altLang="en-US" dirty="0"/>
+              <a:t>因为他们不仅有着专业知识</a:t>
+            </a:r>
+            <a:r>
+              <a:rPr lang="en-US" altLang="zh-CN" dirty="0"/>
+              <a:t>, </a:t>
+            </a:r>
+            <a:r>
+              <a:rPr lang="zh-CN" altLang="en-US" dirty="0"/>
+              <a:t>而且他们需要锻炼自己的专业能力</a:t>
+            </a:r>
+            <a:r>
+              <a:rPr lang="en-US" altLang="zh-CN" dirty="0"/>
+              <a:t>.</a:t>
+            </a:r>
+          </a:p>
+          <a:p>
+            <a:pPr marL="0" indent="0">
+              <a:buNone/>
+            </a:pPr>
+            <a:endParaRPr lang="en-US" altLang="zh-CN" dirty="0"/>
+          </a:p>
+          <a:p>
+            <a:pPr marL="0" indent="0">
+              <a:buNone/>
+            </a:pPr>
+            <a:r>
+              <a:rPr lang="zh-CN" altLang="en-US" dirty="0"/>
+              <a:t>因此</a:t>
+            </a:r>
+            <a:r>
+              <a:rPr lang="en-US" altLang="zh-CN" dirty="0"/>
+              <a:t>, </a:t>
+            </a:r>
+            <a:r>
+              <a:rPr lang="zh-CN" altLang="en-US" dirty="0"/>
+              <a:t>大学生在义务教育机构授课</a:t>
+            </a:r>
+            <a:r>
+              <a:rPr lang="en-US" altLang="zh-CN" dirty="0"/>
+              <a:t>, </a:t>
+            </a:r>
+            <a:r>
+              <a:rPr lang="zh-CN" altLang="en-US" dirty="0"/>
+              <a:t>老师和其他中介机构辅助他们</a:t>
+            </a:r>
+            <a:r>
+              <a:rPr lang="en-US" altLang="zh-CN" dirty="0"/>
+              <a:t>, </a:t>
+            </a:r>
+            <a:r>
+              <a:rPr lang="zh-CN" altLang="en-US" dirty="0"/>
+              <a:t>是实验的大体进行方式</a:t>
+            </a:r>
+            <a:r>
+              <a:rPr lang="en-US" altLang="zh-CN" dirty="0"/>
+              <a:t>.</a:t>
+            </a:r>
+          </a:p>
+          <a:p>
+            <a:pPr marL="0" indent="0">
+              <a:buNone/>
+            </a:pPr>
+            <a:endParaRPr lang="zh-CN" altLang="en-US" dirty="0"/>
+          </a:p>
+        </p:txBody>
+      </p:sp>
+    </p:spTree>
+    <p:extLst>
+      <p:ext uri="{BB962C8B-B14F-4D97-AF65-F5344CB8AC3E}">
+        <p14:creationId xmlns:p14="http://schemas.microsoft.com/office/powerpoint/2010/main" val="2558886869"/>
+      </p:ext>
+    </p:extLst>
+  </p:cSld>
+  <p:clrMapOvr>
+    <a:masterClrMapping/>
+  </p:clrMapOvr>
+</p:sld>
+</file>
+
+<file path=ppt/slides/slide7.xml><?xml version="1.0" encoding="utf-8"?>
+<p:sld xmlns:a="http://schemas.openxmlformats.org/drawingml/2006/main" xmlns:r="http://schemas.openxmlformats.org/officeDocument/2006/relationships" xmlns:p="http://schemas.openxmlformats.org/presentationml/2006/main">
+  <p:cSld>
+    <p:spTree>
+      <p:nvGrpSpPr>
+        <p:cNvPr id="1" name=""/>
+        <p:cNvGrpSpPr/>
+        <p:nvPr/>
+      </p:nvGrpSpPr>
+      <p:grpSpPr>
+        <a:xfrm>
+          <a:off x="0" y="0"/>
+          <a:ext cx="0" cy="0"/>
+          <a:chOff x="0" y="0"/>
+          <a:chExt cx="0" cy="0"/>
+        </a:xfrm>
+      </p:grpSpPr>
+      <p:sp>
+        <p:nvSpPr>
+          <p:cNvPr id="2" name="标题 1">
+            <a:extLst>
+              <a:ext uri="{FF2B5EF4-FFF2-40B4-BE49-F238E27FC236}">
+                <a16:creationId xmlns:a16="http://schemas.microsoft.com/office/drawing/2014/main" id="{73F62D03-A960-41AE-BAD9-ED2F3ACA44F1}"/>
+              </a:ext>
+            </a:extLst>
+          </p:cNvPr>
+          <p:cNvSpPr>
+            <a:spLocks noGrp="1"/>
+          </p:cNvSpPr>
+          <p:nvPr>
+            <p:ph type="title"/>
+          </p:nvPr>
+        </p:nvSpPr>
+        <p:spPr/>
+        <p:txBody>
+          <a:bodyPr/>
+          <a:lstStyle/>
+          <a:p>
+            <a:r>
+              <a:rPr lang="zh-CN" altLang="en-US" dirty="0"/>
+              <a:t>实验参与者</a:t>
+            </a:r>
+          </a:p>
+        </p:txBody>
+      </p:sp>
+      <p:sp>
+        <p:nvSpPr>
+          <p:cNvPr id="3" name="内容占位符 2">
+            <a:extLst>
+              <a:ext uri="{FF2B5EF4-FFF2-40B4-BE49-F238E27FC236}">
+                <a16:creationId xmlns:a16="http://schemas.microsoft.com/office/drawing/2014/main" id="{1E887BAA-E3E8-4CF3-8EE5-0587E281346F}"/>
+              </a:ext>
+            </a:extLst>
+          </p:cNvPr>
+          <p:cNvSpPr>
+            <a:spLocks noGrp="1"/>
+          </p:cNvSpPr>
+          <p:nvPr>
+            <p:ph idx="1"/>
+          </p:nvPr>
+        </p:nvSpPr>
+        <p:spPr/>
+        <p:txBody>
+          <a:bodyPr/>
+          <a:lstStyle/>
+          <a:p>
+            <a:r>
+              <a:rPr lang="en-US" altLang="zh-CN" dirty="0"/>
+              <a:t>9</a:t>
+            </a:r>
+            <a:r>
+              <a:rPr lang="zh-CN" altLang="en-US" dirty="0"/>
+              <a:t>名大学生</a:t>
+            </a:r>
+            <a:endParaRPr lang="en-US" altLang="zh-CN" dirty="0"/>
+          </a:p>
+          <a:p>
+            <a:r>
+              <a:rPr lang="en-US" altLang="zh-CN" dirty="0"/>
+              <a:t>1</a:t>
+            </a:r>
+            <a:r>
+              <a:rPr lang="zh-CN" altLang="en-US" dirty="0"/>
+              <a:t>名</a:t>
+            </a:r>
+            <a:r>
+              <a:rPr lang="en-US" altLang="zh-CN" dirty="0"/>
+              <a:t>Newcastle university</a:t>
+            </a:r>
+            <a:r>
+              <a:rPr lang="zh-CN" altLang="en-US" dirty="0"/>
+              <a:t>的研究者</a:t>
+            </a:r>
+            <a:endParaRPr lang="en-US" altLang="zh-CN" dirty="0"/>
+          </a:p>
+          <a:p>
+            <a:r>
+              <a:rPr lang="en-US" altLang="zh-CN" dirty="0"/>
+              <a:t>9</a:t>
+            </a:r>
+            <a:r>
+              <a:rPr lang="zh-CN" altLang="en-US" dirty="0"/>
+              <a:t>所本地中学</a:t>
+            </a:r>
+            <a:endParaRPr lang="en-US" altLang="zh-CN" dirty="0"/>
+          </a:p>
+          <a:p>
+            <a:r>
+              <a:rPr lang="en-US" altLang="zh-CN" dirty="0"/>
+              <a:t>1</a:t>
+            </a:r>
+            <a:r>
+              <a:rPr lang="zh-CN" altLang="en-US" dirty="0"/>
+              <a:t>个课余编程俱乐部</a:t>
+            </a:r>
+            <a:endParaRPr lang="en-US" altLang="zh-CN" dirty="0"/>
+          </a:p>
+          <a:p>
+            <a:endParaRPr lang="zh-CN" altLang="en-US" dirty="0"/>
+          </a:p>
+        </p:txBody>
+      </p:sp>
+    </p:spTree>
+    <p:extLst>
+      <p:ext uri="{BB962C8B-B14F-4D97-AF65-F5344CB8AC3E}">
+        <p14:creationId xmlns:p14="http://schemas.microsoft.com/office/powerpoint/2010/main" val="4149749665"/>
+      </p:ext>
+    </p:extLst>
+  </p:cSld>
+  <p:clrMapOvr>
+    <a:masterClrMapping/>
+  </p:clrMapOvr>
+</p:sld>
+</file>
+
+<file path=ppt/slides/slide8.xml><?xml version="1.0" encoding="utf-8"?>
+<p:sld xmlns:a="http://schemas.openxmlformats.org/drawingml/2006/main" xmlns:r="http://schemas.openxmlformats.org/officeDocument/2006/relationships" xmlns:p="http://schemas.openxmlformats.org/presentationml/2006/main">
+  <p:cSld>
+    <p:spTree>
+      <p:nvGrpSpPr>
+        <p:cNvPr id="1" name=""/>
+        <p:cNvGrpSpPr/>
+        <p:nvPr/>
+      </p:nvGrpSpPr>
+      <p:grpSpPr>
+        <a:xfrm>
+          <a:off x="0" y="0"/>
+          <a:ext cx="0" cy="0"/>
+          <a:chOff x="0" y="0"/>
+          <a:chExt cx="0" cy="0"/>
+        </a:xfrm>
+      </p:grpSpPr>
+      <p:sp>
+        <p:nvSpPr>
+          <p:cNvPr id="2" name="标题 1">
+            <a:extLst>
+              <a:ext uri="{FF2B5EF4-FFF2-40B4-BE49-F238E27FC236}">
+                <a16:creationId xmlns:a16="http://schemas.microsoft.com/office/drawing/2014/main" id="{4AB6536D-05F4-4F0E-B418-047013B84985}"/>
+              </a:ext>
+            </a:extLst>
+          </p:cNvPr>
+          <p:cNvSpPr>
+            <a:spLocks noGrp="1"/>
+          </p:cNvSpPr>
+          <p:nvPr>
+            <p:ph type="title"/>
+          </p:nvPr>
+        </p:nvSpPr>
+        <p:spPr/>
+        <p:txBody>
+          <a:bodyPr/>
+          <a:lstStyle/>
+          <a:p>
+            <a:r>
+              <a:rPr lang="zh-CN" altLang="en-US" dirty="0"/>
+              <a:t>实验流程</a:t>
+            </a:r>
+          </a:p>
+        </p:txBody>
+      </p:sp>
+      <p:pic>
+        <p:nvPicPr>
+          <p:cNvPr id="5" name="内容占位符 4" descr="图片包含 屏幕截图&#10;&#10;描述已自动生成">
+            <a:extLst>
+              <a:ext uri="{FF2B5EF4-FFF2-40B4-BE49-F238E27FC236}">
+                <a16:creationId xmlns:a16="http://schemas.microsoft.com/office/drawing/2014/main" id="{E0405BC4-04EC-489F-9156-59CEEB48857E}"/>
+              </a:ext>
+            </a:extLst>
+          </p:cNvPr>
+          <p:cNvPicPr>
+            <a:picLocks noGrp="1" noChangeAspect="1"/>
+          </p:cNvPicPr>
+          <p:nvPr>
+            <p:ph idx="1"/>
+          </p:nvPr>
+        </p:nvPicPr>
+        <p:blipFill>
+          <a:blip r:embed="rId2">
+            <a:extLst>
+              <a:ext uri="{28A0092B-C50C-407E-A947-70E740481C1C}">
+                <a14:useLocalDpi xmlns:a14="http://schemas.microsoft.com/office/drawing/2010/main" val="0"/>
+              </a:ext>
+            </a:extLst>
+          </a:blip>
+          <a:stretch>
+            <a:fillRect/>
+          </a:stretch>
+        </p:blipFill>
+        <p:spPr>
+          <a:xfrm>
+            <a:off x="276356" y="1690688"/>
+            <a:ext cx="11639288" cy="4364733"/>
+          </a:xfrm>
+        </p:spPr>
+      </p:pic>
+    </p:spTree>
+    <p:extLst>
+      <p:ext uri="{BB962C8B-B14F-4D97-AF65-F5344CB8AC3E}">
+        <p14:creationId xmlns:p14="http://schemas.microsoft.com/office/powerpoint/2010/main" val="3869686391"/>
+      </p:ext>
+    </p:extLst>
+  </p:cSld>
+  <p:clrMapOvr>
+    <a:masterClrMapping/>
+  </p:clrMapOvr>
+</p:sld>
+</file>
+
+<file path=ppt/slides/slide9.xml><?xml version="1.0" encoding="utf-8"?>
+<p:sld xmlns:a="http://schemas.openxmlformats.org/drawingml/2006/main" xmlns:r="http://schemas.openxmlformats.org/officeDocument/2006/relationships" xmlns:p="http://schemas.openxmlformats.org/presentationml/2006/main">
+  <p:cSld>
+    <p:spTree>
+      <p:nvGrpSpPr>
+        <p:cNvPr id="1" name=""/>
+        <p:cNvGrpSpPr/>
+        <p:nvPr/>
+      </p:nvGrpSpPr>
+      <p:grpSpPr>
+        <a:xfrm>
+          <a:off x="0" y="0"/>
+          <a:ext cx="0" cy="0"/>
+          <a:chOff x="0" y="0"/>
+          <a:chExt cx="0" cy="0"/>
+        </a:xfrm>
+      </p:grpSpPr>
+      <p:sp>
+        <p:nvSpPr>
+          <p:cNvPr id="2" name="标题 1">
+            <a:extLst>
+              <a:ext uri="{FF2B5EF4-FFF2-40B4-BE49-F238E27FC236}">
+                <a16:creationId xmlns:a16="http://schemas.microsoft.com/office/drawing/2014/main" id="{436BC1DF-A400-4425-9BEC-5C4296BF0A6D}"/>
+              </a:ext>
+            </a:extLst>
+          </p:cNvPr>
+          <p:cNvSpPr>
+            <a:spLocks noGrp="1"/>
+          </p:cNvSpPr>
+          <p:nvPr>
+            <p:ph type="title"/>
+          </p:nvPr>
+        </p:nvSpPr>
+        <p:spPr/>
+        <p:txBody>
+          <a:bodyPr/>
+          <a:lstStyle/>
+          <a:p>
+            <a:r>
+              <a:rPr lang="zh-CN" altLang="en-US" dirty="0"/>
+              <a:t>实验的目标</a:t>
+            </a:r>
+          </a:p>
+        </p:txBody>
+      </p:sp>
+      <p:sp>
+        <p:nvSpPr>
+          <p:cNvPr id="3" name="内容占位符 2">
+            <a:extLst>
+              <a:ext uri="{FF2B5EF4-FFF2-40B4-BE49-F238E27FC236}">
+                <a16:creationId xmlns:a16="http://schemas.microsoft.com/office/drawing/2014/main" id="{5B35F67F-9936-4FCA-8689-94CD5E0016BB}"/>
+              </a:ext>
+            </a:extLst>
+          </p:cNvPr>
+          <p:cNvSpPr>
+            <a:spLocks noGrp="1"/>
+          </p:cNvSpPr>
+          <p:nvPr>
+            <p:ph idx="1"/>
+          </p:nvPr>
+        </p:nvSpPr>
+        <p:spPr/>
+        <p:txBody>
+          <a:bodyPr/>
+          <a:lstStyle/>
+          <a:p>
+            <a:pPr marL="514350" indent="-514350">
+              <a:buFont typeface="+mj-lt"/>
+              <a:buAutoNum type="arabicPeriod"/>
+            </a:pPr>
+            <a:r>
+              <a:rPr lang="zh-CN" altLang="en-US" dirty="0"/>
+              <a:t>在计算机教学的辅助下</a:t>
+            </a:r>
+            <a:r>
+              <a:rPr lang="en-US" altLang="zh-CN" dirty="0"/>
+              <a:t>, </a:t>
+            </a:r>
+            <a:r>
+              <a:rPr lang="zh-CN" altLang="en-US" dirty="0"/>
+              <a:t>找出高校和中学合作教学所遇到的障碍</a:t>
+            </a:r>
+            <a:r>
+              <a:rPr lang="en-US" altLang="zh-CN" dirty="0"/>
+              <a:t>, </a:t>
+            </a:r>
+            <a:r>
+              <a:rPr lang="zh-CN" altLang="en-US" dirty="0"/>
+              <a:t>动机和机遇</a:t>
+            </a:r>
+            <a:endParaRPr lang="en-US" altLang="zh-CN" dirty="0"/>
+          </a:p>
+          <a:p>
+            <a:pPr marL="514350" indent="-514350">
+              <a:buFont typeface="+mj-lt"/>
+              <a:buAutoNum type="arabicPeriod"/>
+            </a:pPr>
+            <a:r>
+              <a:rPr lang="zh-CN" altLang="en-US" dirty="0"/>
+              <a:t>一个建立和维持高校与中学合作关系的模型</a:t>
+            </a:r>
+            <a:endParaRPr lang="en-US" altLang="zh-CN" dirty="0"/>
+          </a:p>
+          <a:p>
+            <a:pPr marL="514350" indent="-514350">
+              <a:buFont typeface="+mj-lt"/>
+              <a:buAutoNum type="arabicPeriod"/>
+            </a:pPr>
+            <a:r>
+              <a:rPr lang="zh-CN" altLang="en-US" dirty="0"/>
+              <a:t>关于如何利用技术来推动建立上述合作关系的一些指引</a:t>
+            </a:r>
+          </a:p>
+        </p:txBody>
+      </p:sp>
+    </p:spTree>
+    <p:extLst>
+      <p:ext uri="{BB962C8B-B14F-4D97-AF65-F5344CB8AC3E}">
+        <p14:creationId xmlns:p14="http://schemas.microsoft.com/office/powerpoint/2010/main" val="4210523476"/>
       </p:ext>
     </p:extLst>
   </p:cSld>

--- a/201905/5-25分享.pptx
+++ b/201905/5-25分享.pptx
@@ -2,7 +2,7 @@
 <file path=ppt/presentation.xml><?xml version="1.0" encoding="utf-8"?>
 <p:presentation xmlns:a="http://schemas.openxmlformats.org/drawingml/2006/main" xmlns:r="http://schemas.openxmlformats.org/officeDocument/2006/relationships" xmlns:p="http://schemas.openxmlformats.org/presentationml/2006/main" saveSubsetFonts="1">
   <p:sldMasterIdLst>
-    <p:sldMasterId id="2147483648" r:id="rId1"/>
+    <p:sldMasterId id="2147483660" r:id="rId1"/>
   </p:sldMasterIdLst>
   <p:sldIdLst>
     <p:sldId id="256" r:id="rId2"/>
@@ -22,9 +22,9 @@
   <p:notesSz cx="6858000" cy="9144000"/>
   <p:defaultTextStyle>
     <a:defPPr>
-      <a:defRPr lang="zh-CN"/>
+      <a:defRPr lang="en-US"/>
     </a:defPPr>
-    <a:lvl1pPr marL="0" algn="l" defTabSz="914400" rtl="0" eaLnBrk="1" latinLnBrk="0" hangingPunct="1">
+    <a:lvl1pPr marL="0" algn="l" defTabSz="457200" rtl="0" eaLnBrk="1" latinLnBrk="0" hangingPunct="1">
       <a:defRPr sz="1800" kern="1200">
         <a:solidFill>
           <a:schemeClr val="tx1"/>
@@ -34,7 +34,7 @@
         <a:cs typeface="+mn-cs"/>
       </a:defRPr>
     </a:lvl1pPr>
-    <a:lvl2pPr marL="457200" algn="l" defTabSz="914400" rtl="0" eaLnBrk="1" latinLnBrk="0" hangingPunct="1">
+    <a:lvl2pPr marL="457200" algn="l" defTabSz="457200" rtl="0" eaLnBrk="1" latinLnBrk="0" hangingPunct="1">
       <a:defRPr sz="1800" kern="1200">
         <a:solidFill>
           <a:schemeClr val="tx1"/>
@@ -44,7 +44,7 @@
         <a:cs typeface="+mn-cs"/>
       </a:defRPr>
     </a:lvl2pPr>
-    <a:lvl3pPr marL="914400" algn="l" defTabSz="914400" rtl="0" eaLnBrk="1" latinLnBrk="0" hangingPunct="1">
+    <a:lvl3pPr marL="914400" algn="l" defTabSz="457200" rtl="0" eaLnBrk="1" latinLnBrk="0" hangingPunct="1">
       <a:defRPr sz="1800" kern="1200">
         <a:solidFill>
           <a:schemeClr val="tx1"/>
@@ -54,7 +54,7 @@
         <a:cs typeface="+mn-cs"/>
       </a:defRPr>
     </a:lvl3pPr>
-    <a:lvl4pPr marL="1371600" algn="l" defTabSz="914400" rtl="0" eaLnBrk="1" latinLnBrk="0" hangingPunct="1">
+    <a:lvl4pPr marL="1371600" algn="l" defTabSz="457200" rtl="0" eaLnBrk="1" latinLnBrk="0" hangingPunct="1">
       <a:defRPr sz="1800" kern="1200">
         <a:solidFill>
           <a:schemeClr val="tx1"/>
@@ -64,7 +64,7 @@
         <a:cs typeface="+mn-cs"/>
       </a:defRPr>
     </a:lvl4pPr>
-    <a:lvl5pPr marL="1828800" algn="l" defTabSz="914400" rtl="0" eaLnBrk="1" latinLnBrk="0" hangingPunct="1">
+    <a:lvl5pPr marL="1828800" algn="l" defTabSz="457200" rtl="0" eaLnBrk="1" latinLnBrk="0" hangingPunct="1">
       <a:defRPr sz="1800" kern="1200">
         <a:solidFill>
           <a:schemeClr val="tx1"/>
@@ -74,7 +74,7 @@
         <a:cs typeface="+mn-cs"/>
       </a:defRPr>
     </a:lvl5pPr>
-    <a:lvl6pPr marL="2286000" algn="l" defTabSz="914400" rtl="0" eaLnBrk="1" latinLnBrk="0" hangingPunct="1">
+    <a:lvl6pPr marL="2286000" algn="l" defTabSz="457200" rtl="0" eaLnBrk="1" latinLnBrk="0" hangingPunct="1">
       <a:defRPr sz="1800" kern="1200">
         <a:solidFill>
           <a:schemeClr val="tx1"/>
@@ -84,7 +84,7 @@
         <a:cs typeface="+mn-cs"/>
       </a:defRPr>
     </a:lvl6pPr>
-    <a:lvl7pPr marL="2743200" algn="l" defTabSz="914400" rtl="0" eaLnBrk="1" latinLnBrk="0" hangingPunct="1">
+    <a:lvl7pPr marL="2743200" algn="l" defTabSz="457200" rtl="0" eaLnBrk="1" latinLnBrk="0" hangingPunct="1">
       <a:defRPr sz="1800" kern="1200">
         <a:solidFill>
           <a:schemeClr val="tx1"/>
@@ -94,7 +94,7 @@
         <a:cs typeface="+mn-cs"/>
       </a:defRPr>
     </a:lvl7pPr>
-    <a:lvl8pPr marL="3200400" algn="l" defTabSz="914400" rtl="0" eaLnBrk="1" latinLnBrk="0" hangingPunct="1">
+    <a:lvl8pPr marL="3200400" algn="l" defTabSz="457200" rtl="0" eaLnBrk="1" latinLnBrk="0" hangingPunct="1">
       <a:defRPr sz="1800" kern="1200">
         <a:solidFill>
           <a:schemeClr val="tx1"/>
@@ -104,7 +104,7 @@
         <a:cs typeface="+mn-cs"/>
       </a:defRPr>
     </a:lvl8pPr>
-    <a:lvl9pPr marL="3657600" algn="l" defTabSz="914400" rtl="0" eaLnBrk="1" latinLnBrk="0" hangingPunct="1">
+    <a:lvl9pPr marL="3657600" algn="l" defTabSz="457200" rtl="0" eaLnBrk="1" latinLnBrk="0" hangingPunct="1">
       <a:defRPr sz="1800" kern="1200">
         <a:solidFill>
           <a:schemeClr val="tx1"/>
@@ -124,7 +124,7 @@
 </file>
 
 <file path=ppt/slideLayouts/slideLayout1.xml><?xml version="1.0" encoding="utf-8"?>
-<p:sldLayout xmlns:a="http://schemas.openxmlformats.org/drawingml/2006/main" xmlns:r="http://schemas.openxmlformats.org/officeDocument/2006/relationships" xmlns:p="http://schemas.openxmlformats.org/presentationml/2006/main" type="title" preserve="1">
+<p:sldLayout xmlns:a="http://schemas.openxmlformats.org/drawingml/2006/main" xmlns:r="http://schemas.openxmlformats.org/officeDocument/2006/relationships" xmlns:p="http://schemas.openxmlformats.org/presentationml/2006/main" showMasterSp="0" type="title" preserve="1">
   <p:cSld name="标题幻灯片">
     <p:spTree>
       <p:nvGrpSpPr>
@@ -140,15 +140,322 @@
           <a:chExt cx="0" cy="0"/>
         </a:xfrm>
       </p:grpSpPr>
-      <p:sp>
-        <p:nvSpPr>
-          <p:cNvPr id="2" name="标题 1">
-            <a:extLst>
-              <a:ext uri="{FF2B5EF4-FFF2-40B4-BE49-F238E27FC236}">
-                <a16:creationId xmlns:a16="http://schemas.microsoft.com/office/drawing/2014/main" id="{A7C4D26C-4C47-4600-99E5-11D32CE5D9B2}"/>
-              </a:ext>
-            </a:extLst>
-          </p:cNvPr>
+      <p:grpSp>
+        <p:nvGrpSpPr>
+          <p:cNvPr id="19" name="Group 18"/>
+          <p:cNvGrpSpPr/>
+          <p:nvPr/>
+        </p:nvGrpSpPr>
+        <p:grpSpPr>
+          <a:xfrm>
+            <a:off x="546100" y="-4763"/>
+            <a:ext cx="5014912" cy="6862763"/>
+            <a:chOff x="2928938" y="-4763"/>
+            <a:chExt cx="5014912" cy="6862763"/>
+          </a:xfrm>
+        </p:grpSpPr>
+        <p:sp>
+          <p:nvSpPr>
+            <p:cNvPr id="22" name="Freeform 6"/>
+            <p:cNvSpPr/>
+            <p:nvPr/>
+          </p:nvSpPr>
+          <p:spPr bwMode="auto">
+            <a:xfrm>
+              <a:off x="3367088" y="-4763"/>
+              <a:ext cx="1063625" cy="2782888"/>
+            </a:xfrm>
+            <a:custGeom>
+              <a:avLst/>
+              <a:gdLst/>
+              <a:ahLst/>
+              <a:cxnLst/>
+              <a:rect l="0" t="0" r="r" b="b"/>
+              <a:pathLst>
+                <a:path w="670" h="1753">
+                  <a:moveTo>
+                    <a:pt x="0" y="1696"/>
+                  </a:moveTo>
+                  <a:lnTo>
+                    <a:pt x="225" y="1753"/>
+                  </a:lnTo>
+                  <a:lnTo>
+                    <a:pt x="670" y="0"/>
+                  </a:lnTo>
+                  <a:lnTo>
+                    <a:pt x="430" y="0"/>
+                  </a:lnTo>
+                  <a:lnTo>
+                    <a:pt x="0" y="1696"/>
+                  </a:lnTo>
+                  <a:close/>
+                </a:path>
+              </a:pathLst>
+            </a:custGeom>
+            <a:solidFill>
+              <a:schemeClr val="accent1"/>
+            </a:solidFill>
+            <a:ln>
+              <a:noFill/>
+            </a:ln>
+          </p:spPr>
+        </p:sp>
+        <p:sp>
+          <p:nvSpPr>
+            <p:cNvPr id="23" name="Freeform 7"/>
+            <p:cNvSpPr/>
+            <p:nvPr/>
+          </p:nvSpPr>
+          <p:spPr bwMode="auto">
+            <a:xfrm>
+              <a:off x="2928938" y="-4763"/>
+              <a:ext cx="1035050" cy="2673350"/>
+            </a:xfrm>
+            <a:custGeom>
+              <a:avLst/>
+              <a:gdLst/>
+              <a:ahLst/>
+              <a:cxnLst/>
+              <a:rect l="0" t="0" r="r" b="b"/>
+              <a:pathLst>
+                <a:path w="652" h="1684">
+                  <a:moveTo>
+                    <a:pt x="225" y="1684"/>
+                  </a:moveTo>
+                  <a:lnTo>
+                    <a:pt x="652" y="0"/>
+                  </a:lnTo>
+                  <a:lnTo>
+                    <a:pt x="411" y="0"/>
+                  </a:lnTo>
+                  <a:lnTo>
+                    <a:pt x="0" y="1627"/>
+                  </a:lnTo>
+                  <a:lnTo>
+                    <a:pt x="219" y="1681"/>
+                  </a:lnTo>
+                  <a:lnTo>
+                    <a:pt x="225" y="1684"/>
+                  </a:lnTo>
+                  <a:close/>
+                </a:path>
+              </a:pathLst>
+            </a:custGeom>
+            <a:solidFill>
+              <a:schemeClr val="tx1">
+                <a:lumMod val="65000"/>
+                <a:lumOff val="35000"/>
+              </a:schemeClr>
+            </a:solidFill>
+            <a:ln>
+              <a:noFill/>
+            </a:ln>
+          </p:spPr>
+        </p:sp>
+        <p:sp>
+          <p:nvSpPr>
+            <p:cNvPr id="24" name="Freeform 9"/>
+            <p:cNvSpPr/>
+            <p:nvPr/>
+          </p:nvSpPr>
+          <p:spPr bwMode="auto">
+            <a:xfrm>
+              <a:off x="2928938" y="2582862"/>
+              <a:ext cx="2693987" cy="4275138"/>
+            </a:xfrm>
+            <a:custGeom>
+              <a:avLst/>
+              <a:gdLst/>
+              <a:ahLst/>
+              <a:cxnLst/>
+              <a:rect l="0" t="0" r="r" b="b"/>
+              <a:pathLst>
+                <a:path w="1697" h="2693">
+                  <a:moveTo>
+                    <a:pt x="0" y="0"/>
+                  </a:moveTo>
+                  <a:lnTo>
+                    <a:pt x="1622" y="2693"/>
+                  </a:lnTo>
+                  <a:lnTo>
+                    <a:pt x="1697" y="2693"/>
+                  </a:lnTo>
+                  <a:lnTo>
+                    <a:pt x="0" y="0"/>
+                  </a:lnTo>
+                  <a:close/>
+                </a:path>
+              </a:pathLst>
+            </a:custGeom>
+            <a:solidFill>
+              <a:schemeClr val="tx1">
+                <a:lumMod val="85000"/>
+                <a:lumOff val="15000"/>
+              </a:schemeClr>
+            </a:solidFill>
+            <a:ln>
+              <a:noFill/>
+            </a:ln>
+          </p:spPr>
+        </p:sp>
+        <p:sp>
+          <p:nvSpPr>
+            <p:cNvPr id="25" name="Freeform 10"/>
+            <p:cNvSpPr/>
+            <p:nvPr/>
+          </p:nvSpPr>
+          <p:spPr bwMode="auto">
+            <a:xfrm>
+              <a:off x="3371850" y="2692400"/>
+              <a:ext cx="3332162" cy="4165600"/>
+            </a:xfrm>
+            <a:custGeom>
+              <a:avLst/>
+              <a:gdLst/>
+              <a:ahLst/>
+              <a:cxnLst/>
+              <a:rect l="0" t="0" r="r" b="b"/>
+              <a:pathLst>
+                <a:path w="2099" h="2624">
+                  <a:moveTo>
+                    <a:pt x="2099" y="2624"/>
+                  </a:moveTo>
+                  <a:lnTo>
+                    <a:pt x="0" y="0"/>
+                  </a:lnTo>
+                  <a:lnTo>
+                    <a:pt x="2021" y="2624"/>
+                  </a:lnTo>
+                  <a:lnTo>
+                    <a:pt x="2099" y="2624"/>
+                  </a:lnTo>
+                  <a:close/>
+                </a:path>
+              </a:pathLst>
+            </a:custGeom>
+            <a:solidFill>
+              <a:schemeClr val="accent1">
+                <a:lumMod val="50000"/>
+              </a:schemeClr>
+            </a:solidFill>
+            <a:ln>
+              <a:noFill/>
+            </a:ln>
+          </p:spPr>
+        </p:sp>
+        <p:sp>
+          <p:nvSpPr>
+            <p:cNvPr id="26" name="Freeform 11"/>
+            <p:cNvSpPr/>
+            <p:nvPr/>
+          </p:nvSpPr>
+          <p:spPr bwMode="auto">
+            <a:xfrm>
+              <a:off x="3367088" y="2687637"/>
+              <a:ext cx="4576762" cy="4170363"/>
+            </a:xfrm>
+            <a:custGeom>
+              <a:avLst/>
+              <a:gdLst/>
+              <a:ahLst/>
+              <a:cxnLst/>
+              <a:rect l="0" t="0" r="r" b="b"/>
+              <a:pathLst>
+                <a:path w="2883" h="2627">
+                  <a:moveTo>
+                    <a:pt x="0" y="0"/>
+                  </a:moveTo>
+                  <a:lnTo>
+                    <a:pt x="3" y="3"/>
+                  </a:lnTo>
+                  <a:lnTo>
+                    <a:pt x="2102" y="2627"/>
+                  </a:lnTo>
+                  <a:lnTo>
+                    <a:pt x="2883" y="2627"/>
+                  </a:lnTo>
+                  <a:lnTo>
+                    <a:pt x="225" y="57"/>
+                  </a:lnTo>
+                  <a:lnTo>
+                    <a:pt x="0" y="0"/>
+                  </a:lnTo>
+                  <a:close/>
+                </a:path>
+              </a:pathLst>
+            </a:custGeom>
+            <a:solidFill>
+              <a:schemeClr val="accent1">
+                <a:lumMod val="75000"/>
+              </a:schemeClr>
+            </a:solidFill>
+            <a:ln>
+              <a:noFill/>
+            </a:ln>
+          </p:spPr>
+        </p:sp>
+        <p:sp>
+          <p:nvSpPr>
+            <p:cNvPr id="27" name="Freeform 12"/>
+            <p:cNvSpPr/>
+            <p:nvPr/>
+          </p:nvSpPr>
+          <p:spPr bwMode="auto">
+            <a:xfrm>
+              <a:off x="2928938" y="2578100"/>
+              <a:ext cx="3584575" cy="4279900"/>
+            </a:xfrm>
+            <a:custGeom>
+              <a:avLst/>
+              <a:gdLst/>
+              <a:ahLst/>
+              <a:cxnLst/>
+              <a:rect l="0" t="0" r="r" b="b"/>
+              <a:pathLst>
+                <a:path w="2258" h="2696">
+                  <a:moveTo>
+                    <a:pt x="2258" y="2696"/>
+                  </a:moveTo>
+                  <a:lnTo>
+                    <a:pt x="264" y="111"/>
+                  </a:lnTo>
+                  <a:lnTo>
+                    <a:pt x="228" y="60"/>
+                  </a:lnTo>
+                  <a:lnTo>
+                    <a:pt x="225" y="57"/>
+                  </a:lnTo>
+                  <a:lnTo>
+                    <a:pt x="0" y="0"/>
+                  </a:lnTo>
+                  <a:lnTo>
+                    <a:pt x="0" y="3"/>
+                  </a:lnTo>
+                  <a:lnTo>
+                    <a:pt x="1697" y="2696"/>
+                  </a:lnTo>
+                  <a:lnTo>
+                    <a:pt x="2258" y="2696"/>
+                  </a:lnTo>
+                  <a:close/>
+                </a:path>
+              </a:pathLst>
+            </a:custGeom>
+            <a:solidFill>
+              <a:schemeClr val="tx1">
+                <a:lumMod val="75000"/>
+                <a:lumOff val="25000"/>
+              </a:schemeClr>
+            </a:solidFill>
+            <a:ln>
+              <a:noFill/>
+            </a:ln>
+          </p:spPr>
+        </p:sp>
+      </p:grpSp>
+      <p:sp>
+        <p:nvSpPr>
+          <p:cNvPr id="2" name="Title 1"/>
           <p:cNvSpPr>
             <a:spLocks noGrp="1"/>
           </p:cNvSpPr>
@@ -158,15 +465,19 @@
         </p:nvSpPr>
         <p:spPr>
           <a:xfrm>
-            <a:off x="1524000" y="1122363"/>
-            <a:ext cx="9144000" cy="2387600"/>
+            <a:off x="2928401" y="1380068"/>
+            <a:ext cx="8574622" cy="2616199"/>
           </a:xfrm>
         </p:spPr>
         <p:txBody>
-          <a:bodyPr anchor="b"/>
+          <a:bodyPr anchor="b">
+            <a:normAutofit/>
+          </a:bodyPr>
           <a:lstStyle>
-            <a:lvl1pPr algn="ctr">
-              <a:defRPr sz="6000"/>
+            <a:lvl1pPr algn="r">
+              <a:defRPr sz="6000">
+                <a:effectLst/>
+              </a:defRPr>
             </a:lvl1pPr>
           </a:lstStyle>
           <a:p>
@@ -174,18 +485,13 @@
               <a:rPr lang="zh-CN" altLang="en-US"/>
               <a:t>单击此处编辑母版标题样式</a:t>
             </a:r>
-          </a:p>
-        </p:txBody>
-      </p:sp>
-      <p:sp>
-        <p:nvSpPr>
-          <p:cNvPr id="3" name="副标题 2">
-            <a:extLst>
-              <a:ext uri="{FF2B5EF4-FFF2-40B4-BE49-F238E27FC236}">
-                <a16:creationId xmlns:a16="http://schemas.microsoft.com/office/drawing/2014/main" id="{EC013ACA-4712-4095-B9A4-F449D9D06578}"/>
-              </a:ext>
-            </a:extLst>
-          </p:cNvPr>
+            <a:endParaRPr lang="en-US" dirty="0"/>
+          </a:p>
+        </p:txBody>
+      </p:sp>
+      <p:sp>
+        <p:nvSpPr>
+          <p:cNvPr id="3" name="Subtitle 2"/>
           <p:cNvSpPr>
             <a:spLocks noGrp="1"/>
           </p:cNvSpPr>
@@ -195,48 +501,102 @@
         </p:nvSpPr>
         <p:spPr>
           <a:xfrm>
-            <a:off x="1524000" y="3602038"/>
-            <a:ext cx="9144000" cy="1655762"/>
+            <a:off x="4515377" y="3996267"/>
+            <a:ext cx="6987645" cy="1388534"/>
           </a:xfrm>
         </p:spPr>
         <p:txBody>
-          <a:bodyPr/>
+          <a:bodyPr anchor="t">
+            <a:normAutofit/>
+          </a:bodyPr>
           <a:lstStyle>
-            <a:lvl1pPr marL="0" indent="0" algn="ctr">
-              <a:buNone/>
-              <a:defRPr sz="2400"/>
+            <a:lvl1pPr marL="0" indent="0" algn="r">
+              <a:buNone/>
+              <a:defRPr sz="2100">
+                <a:solidFill>
+                  <a:schemeClr val="tx1"/>
+                </a:solidFill>
+              </a:defRPr>
             </a:lvl1pPr>
             <a:lvl2pPr marL="457200" indent="0" algn="ctr">
               <a:buNone/>
-              <a:defRPr sz="2000"/>
+              <a:defRPr>
+                <a:solidFill>
+                  <a:schemeClr val="tx1">
+                    <a:tint val="75000"/>
+                  </a:schemeClr>
+                </a:solidFill>
+              </a:defRPr>
             </a:lvl2pPr>
             <a:lvl3pPr marL="914400" indent="0" algn="ctr">
               <a:buNone/>
-              <a:defRPr sz="1800"/>
+              <a:defRPr>
+                <a:solidFill>
+                  <a:schemeClr val="tx1">
+                    <a:tint val="75000"/>
+                  </a:schemeClr>
+                </a:solidFill>
+              </a:defRPr>
             </a:lvl3pPr>
             <a:lvl4pPr marL="1371600" indent="0" algn="ctr">
               <a:buNone/>
-              <a:defRPr sz="1600"/>
+              <a:defRPr>
+                <a:solidFill>
+                  <a:schemeClr val="tx1">
+                    <a:tint val="75000"/>
+                  </a:schemeClr>
+                </a:solidFill>
+              </a:defRPr>
             </a:lvl4pPr>
             <a:lvl5pPr marL="1828800" indent="0" algn="ctr">
               <a:buNone/>
-              <a:defRPr sz="1600"/>
+              <a:defRPr>
+                <a:solidFill>
+                  <a:schemeClr val="tx1">
+                    <a:tint val="75000"/>
+                  </a:schemeClr>
+                </a:solidFill>
+              </a:defRPr>
             </a:lvl5pPr>
             <a:lvl6pPr marL="2286000" indent="0" algn="ctr">
               <a:buNone/>
-              <a:defRPr sz="1600"/>
+              <a:defRPr>
+                <a:solidFill>
+                  <a:schemeClr val="tx1">
+                    <a:tint val="75000"/>
+                  </a:schemeClr>
+                </a:solidFill>
+              </a:defRPr>
             </a:lvl6pPr>
             <a:lvl7pPr marL="2743200" indent="0" algn="ctr">
               <a:buNone/>
-              <a:defRPr sz="1600"/>
+              <a:defRPr>
+                <a:solidFill>
+                  <a:schemeClr val="tx1">
+                    <a:tint val="75000"/>
+                  </a:schemeClr>
+                </a:solidFill>
+              </a:defRPr>
             </a:lvl7pPr>
             <a:lvl8pPr marL="3200400" indent="0" algn="ctr">
               <a:buNone/>
-              <a:defRPr sz="1600"/>
+              <a:defRPr>
+                <a:solidFill>
+                  <a:schemeClr val="tx1">
+                    <a:tint val="75000"/>
+                  </a:schemeClr>
+                </a:solidFill>
+              </a:defRPr>
             </a:lvl8pPr>
             <a:lvl9pPr marL="3657600" indent="0" algn="ctr">
               <a:buNone/>
-              <a:defRPr sz="1600"/>
+              <a:defRPr>
+                <a:solidFill>
+                  <a:schemeClr val="tx1">
+                    <a:tint val="75000"/>
+                  </a:schemeClr>
+                </a:solidFill>
+              </a:defRPr>
             </a:lvl9pPr>
           </a:lstStyle>
           <a:p>
@@ -244,18 +604,13 @@
               <a:rPr lang="zh-CN" altLang="en-US"/>
               <a:t>单击此处编辑母版副标题样式</a:t>
             </a:r>
-          </a:p>
-        </p:txBody>
-      </p:sp>
-      <p:sp>
-        <p:nvSpPr>
-          <p:cNvPr id="4" name="日期占位符 3">
-            <a:extLst>
-              <a:ext uri="{FF2B5EF4-FFF2-40B4-BE49-F238E27FC236}">
-                <a16:creationId xmlns:a16="http://schemas.microsoft.com/office/drawing/2014/main" id="{B1F9FEFB-BEC9-459E-B0EE-C43A12721236}"/>
-              </a:ext>
-            </a:extLst>
-          </p:cNvPr>
+            <a:endParaRPr lang="en-US" dirty="0"/>
+          </a:p>
+        </p:txBody>
+      </p:sp>
+      <p:sp>
+        <p:nvSpPr>
+          <p:cNvPr id="4" name="Date Placeholder 3"/>
           <p:cNvSpPr>
             <a:spLocks noGrp="1"/>
           </p:cNvSpPr>
@@ -278,13 +633,7 @@
       </p:sp>
       <p:sp>
         <p:nvSpPr>
-          <p:cNvPr id="5" name="页脚占位符 4">
-            <a:extLst>
-              <a:ext uri="{FF2B5EF4-FFF2-40B4-BE49-F238E27FC236}">
-                <a16:creationId xmlns:a16="http://schemas.microsoft.com/office/drawing/2014/main" id="{28581FC6-67CE-4483-808F-85BD321337A7}"/>
-              </a:ext>
-            </a:extLst>
-          </p:cNvPr>
+          <p:cNvPr id="5" name="Footer Placeholder 4"/>
           <p:cNvSpPr>
             <a:spLocks noGrp="1"/>
           </p:cNvSpPr>
@@ -292,7 +641,12 @@
             <p:ph type="ftr" sz="quarter" idx="11"/>
           </p:nvPr>
         </p:nvSpPr>
-        <p:spPr/>
+        <p:spPr>
+          <a:xfrm>
+            <a:off x="5332412" y="5883275"/>
+            <a:ext cx="4324044" cy="365125"/>
+          </a:xfrm>
+        </p:spPr>
         <p:txBody>
           <a:bodyPr/>
           <a:lstStyle/>
@@ -303,13 +657,7 @@
       </p:sp>
       <p:sp>
         <p:nvSpPr>
-          <p:cNvPr id="6" name="灯片编号占位符 5">
-            <a:extLst>
-              <a:ext uri="{FF2B5EF4-FFF2-40B4-BE49-F238E27FC236}">
-                <a16:creationId xmlns:a16="http://schemas.microsoft.com/office/drawing/2014/main" id="{5F589BFA-3615-4BAB-8206-50F24ABF69AB}"/>
-              </a:ext>
-            </a:extLst>
-          </p:cNvPr>
+          <p:cNvPr id="6" name="Slide Number Placeholder 5"/>
           <p:cNvSpPr>
             <a:spLocks noGrp="1"/>
           </p:cNvSpPr>
@@ -333,7 +681,7 @@
     </p:spTree>
     <p:extLst>
       <p:ext uri="{BB962C8B-B14F-4D97-AF65-F5344CB8AC3E}">
-        <p14:creationId xmlns:p14="http://schemas.microsoft.com/office/powerpoint/2010/main" val="3746585764"/>
+        <p14:creationId xmlns:p14="http://schemas.microsoft.com/office/powerpoint/2010/main" val="2111766794"/>
       </p:ext>
     </p:extLst>
   </p:cSld>
@@ -344,6 +692,2162 @@
 </file>
 
 <file path=ppt/slideLayouts/slideLayout10.xml><?xml version="1.0" encoding="utf-8"?>
+<p:sldLayout xmlns:a="http://schemas.openxmlformats.org/drawingml/2006/main" xmlns:r="http://schemas.openxmlformats.org/officeDocument/2006/relationships" xmlns:p="http://schemas.openxmlformats.org/presentationml/2006/main" preserve="1">
+  <p:cSld name="带描述的全景图片">
+    <p:spTree>
+      <p:nvGrpSpPr>
+        <p:cNvPr id="1" name=""/>
+        <p:cNvGrpSpPr/>
+        <p:nvPr/>
+      </p:nvGrpSpPr>
+      <p:grpSpPr>
+        <a:xfrm>
+          <a:off x="0" y="0"/>
+          <a:ext cx="0" cy="0"/>
+          <a:chOff x="0" y="0"/>
+          <a:chExt cx="0" cy="0"/>
+        </a:xfrm>
+      </p:grpSpPr>
+      <p:sp>
+        <p:nvSpPr>
+          <p:cNvPr id="2" name="Title 1"/>
+          <p:cNvSpPr>
+            <a:spLocks noGrp="1"/>
+          </p:cNvSpPr>
+          <p:nvPr>
+            <p:ph type="title"/>
+          </p:nvPr>
+        </p:nvSpPr>
+        <p:spPr>
+          <a:xfrm>
+            <a:off x="1484311" y="4732865"/>
+            <a:ext cx="10018711" cy="566738"/>
+          </a:xfrm>
+        </p:spPr>
+        <p:txBody>
+          <a:bodyPr anchor="b">
+            <a:normAutofit/>
+          </a:bodyPr>
+          <a:lstStyle>
+            <a:lvl1pPr algn="ctr">
+              <a:defRPr sz="2400" b="0"/>
+            </a:lvl1pPr>
+          </a:lstStyle>
+          <a:p>
+            <a:r>
+              <a:rPr lang="zh-CN" altLang="en-US"/>
+              <a:t>单击此处编辑母版标题样式</a:t>
+            </a:r>
+            <a:endParaRPr lang="en-US" dirty="0"/>
+          </a:p>
+        </p:txBody>
+      </p:sp>
+      <p:sp>
+        <p:nvSpPr>
+          <p:cNvPr id="3" name="Picture Placeholder 2"/>
+          <p:cNvSpPr>
+            <a:spLocks noGrp="1" noChangeAspect="1"/>
+          </p:cNvSpPr>
+          <p:nvPr>
+            <p:ph type="pic" idx="1"/>
+          </p:nvPr>
+        </p:nvSpPr>
+        <p:spPr>
+          <a:xfrm>
+            <a:off x="2386012" y="932112"/>
+            <a:ext cx="8225944" cy="3164976"/>
+          </a:xfrm>
+          <a:prstGeom prst="roundRect">
+            <a:avLst>
+              <a:gd name="adj" fmla="val 4380"/>
+            </a:avLst>
+          </a:prstGeom>
+          <a:ln w="38100">
+            <a:gradFill flip="none" rotWithShape="1">
+              <a:gsLst>
+                <a:gs pos="0">
+                  <a:schemeClr val="bg2"/>
+                </a:gs>
+                <a:gs pos="100000">
+                  <a:schemeClr val="bg2">
+                    <a:lumMod val="75000"/>
+                  </a:schemeClr>
+                </a:gs>
+              </a:gsLst>
+              <a:lin ang="5400000" scaled="0"/>
+              <a:tileRect/>
+            </a:gradFill>
+          </a:ln>
+          <a:effectLst>
+            <a:innerShdw blurRad="57150" dist="38100" dir="14460000">
+              <a:srgbClr val="000000">
+                <a:alpha val="70000"/>
+              </a:srgbClr>
+            </a:innerShdw>
+          </a:effectLst>
+        </p:spPr>
+        <p:txBody>
+          <a:bodyPr anchor="t">
+            <a:normAutofit/>
+          </a:bodyPr>
+          <a:lstStyle>
+            <a:lvl1pPr marL="0" indent="0" algn="ctr">
+              <a:buNone/>
+              <a:defRPr sz="1600"/>
+            </a:lvl1pPr>
+            <a:lvl2pPr marL="457200" indent="0">
+              <a:buNone/>
+              <a:defRPr sz="1600"/>
+            </a:lvl2pPr>
+            <a:lvl3pPr marL="914400" indent="0">
+              <a:buNone/>
+              <a:defRPr sz="1600"/>
+            </a:lvl3pPr>
+            <a:lvl4pPr marL="1371600" indent="0">
+              <a:buNone/>
+              <a:defRPr sz="1600"/>
+            </a:lvl4pPr>
+            <a:lvl5pPr marL="1828800" indent="0">
+              <a:buNone/>
+              <a:defRPr sz="1600"/>
+            </a:lvl5pPr>
+            <a:lvl6pPr marL="2286000" indent="0">
+              <a:buNone/>
+              <a:defRPr sz="1600"/>
+            </a:lvl6pPr>
+            <a:lvl7pPr marL="2743200" indent="0">
+              <a:buNone/>
+              <a:defRPr sz="1600"/>
+            </a:lvl7pPr>
+            <a:lvl8pPr marL="3200400" indent="0">
+              <a:buNone/>
+              <a:defRPr sz="1600"/>
+            </a:lvl8pPr>
+            <a:lvl9pPr marL="3657600" indent="0">
+              <a:buNone/>
+              <a:defRPr sz="1600"/>
+            </a:lvl9pPr>
+          </a:lstStyle>
+          <a:p>
+            <a:r>
+              <a:rPr lang="zh-CN" altLang="en-US"/>
+              <a:t>单击图标添加图片</a:t>
+            </a:r>
+            <a:endParaRPr lang="en-US" dirty="0"/>
+          </a:p>
+        </p:txBody>
+      </p:sp>
+      <p:sp>
+        <p:nvSpPr>
+          <p:cNvPr id="4" name="Text Placeholder 3"/>
+          <p:cNvSpPr>
+            <a:spLocks noGrp="1"/>
+          </p:cNvSpPr>
+          <p:nvPr>
+            <p:ph type="body" sz="half" idx="2"/>
+          </p:nvPr>
+        </p:nvSpPr>
+        <p:spPr>
+          <a:xfrm>
+            <a:off x="1484311" y="5299603"/>
+            <a:ext cx="10018711" cy="493712"/>
+          </a:xfrm>
+        </p:spPr>
+        <p:txBody>
+          <a:bodyPr>
+            <a:normAutofit/>
+          </a:bodyPr>
+          <a:lstStyle>
+            <a:lvl1pPr marL="0" indent="0" algn="ctr">
+              <a:buNone/>
+              <a:defRPr sz="1400"/>
+            </a:lvl1pPr>
+            <a:lvl2pPr marL="457200" indent="0">
+              <a:buNone/>
+              <a:defRPr sz="1200"/>
+            </a:lvl2pPr>
+            <a:lvl3pPr marL="914400" indent="0">
+              <a:buNone/>
+              <a:defRPr sz="1000"/>
+            </a:lvl3pPr>
+            <a:lvl4pPr marL="1371600" indent="0">
+              <a:buNone/>
+              <a:defRPr sz="900"/>
+            </a:lvl4pPr>
+            <a:lvl5pPr marL="1828800" indent="0">
+              <a:buNone/>
+              <a:defRPr sz="900"/>
+            </a:lvl5pPr>
+            <a:lvl6pPr marL="2286000" indent="0">
+              <a:buNone/>
+              <a:defRPr sz="900"/>
+            </a:lvl6pPr>
+            <a:lvl7pPr marL="2743200" indent="0">
+              <a:buNone/>
+              <a:defRPr sz="900"/>
+            </a:lvl7pPr>
+            <a:lvl8pPr marL="3200400" indent="0">
+              <a:buNone/>
+              <a:defRPr sz="900"/>
+            </a:lvl8pPr>
+            <a:lvl9pPr marL="3657600" indent="0">
+              <a:buNone/>
+              <a:defRPr sz="900"/>
+            </a:lvl9pPr>
+          </a:lstStyle>
+          <a:p>
+            <a:pPr lvl="0"/>
+            <a:r>
+              <a:rPr lang="zh-CN" altLang="en-US"/>
+              <a:t>单击此处编辑母版文本样式</a:t>
+            </a:r>
+          </a:p>
+        </p:txBody>
+      </p:sp>
+      <p:sp>
+        <p:nvSpPr>
+          <p:cNvPr id="5" name="Date Placeholder 4"/>
+          <p:cNvSpPr>
+            <a:spLocks noGrp="1"/>
+          </p:cNvSpPr>
+          <p:nvPr>
+            <p:ph type="dt" sz="half" idx="10"/>
+          </p:nvPr>
+        </p:nvSpPr>
+        <p:spPr/>
+        <p:txBody>
+          <a:bodyPr/>
+          <a:lstStyle/>
+          <a:p>
+            <a:fld id="{D5BA07B5-18E0-40AA-8D5D-F3414D5F25C6}" type="datetimeFigureOut">
+              <a:rPr lang="zh-CN" altLang="en-US" smtClean="0"/>
+              <a:t>2019/5/23</a:t>
+            </a:fld>
+            <a:endParaRPr lang="zh-CN" altLang="en-US"/>
+          </a:p>
+        </p:txBody>
+      </p:sp>
+      <p:sp>
+        <p:nvSpPr>
+          <p:cNvPr id="6" name="Footer Placeholder 5"/>
+          <p:cNvSpPr>
+            <a:spLocks noGrp="1"/>
+          </p:cNvSpPr>
+          <p:nvPr>
+            <p:ph type="ftr" sz="quarter" idx="11"/>
+          </p:nvPr>
+        </p:nvSpPr>
+        <p:spPr/>
+        <p:txBody>
+          <a:bodyPr/>
+          <a:lstStyle/>
+          <a:p>
+            <a:endParaRPr lang="zh-CN" altLang="en-US"/>
+          </a:p>
+        </p:txBody>
+      </p:sp>
+      <p:sp>
+        <p:nvSpPr>
+          <p:cNvPr id="7" name="Slide Number Placeholder 6"/>
+          <p:cNvSpPr>
+            <a:spLocks noGrp="1"/>
+          </p:cNvSpPr>
+          <p:nvPr>
+            <p:ph type="sldNum" sz="quarter" idx="12"/>
+          </p:nvPr>
+        </p:nvSpPr>
+        <p:spPr/>
+        <p:txBody>
+          <a:bodyPr/>
+          <a:lstStyle/>
+          <a:p>
+            <a:fld id="{E7DDF82A-1B18-4EB9-9DCF-D0B39019AF94}" type="slidenum">
+              <a:rPr lang="zh-CN" altLang="en-US" smtClean="0"/>
+              <a:t>‹#›</a:t>
+            </a:fld>
+            <a:endParaRPr lang="zh-CN" altLang="en-US"/>
+          </a:p>
+        </p:txBody>
+      </p:sp>
+    </p:spTree>
+    <p:extLst>
+      <p:ext uri="{BB962C8B-B14F-4D97-AF65-F5344CB8AC3E}">
+        <p14:creationId xmlns:p14="http://schemas.microsoft.com/office/powerpoint/2010/main" val="2737729840"/>
+      </p:ext>
+    </p:extLst>
+  </p:cSld>
+  <p:clrMapOvr>
+    <a:masterClrMapping/>
+  </p:clrMapOvr>
+</p:sldLayout>
+</file>
+
+<file path=ppt/slideLayouts/slideLayout11.xml><?xml version="1.0" encoding="utf-8"?>
+<p:sldLayout xmlns:a="http://schemas.openxmlformats.org/drawingml/2006/main" xmlns:r="http://schemas.openxmlformats.org/officeDocument/2006/relationships" xmlns:p="http://schemas.openxmlformats.org/presentationml/2006/main" preserve="1">
+  <p:cSld name="标题和描述">
+    <p:spTree>
+      <p:nvGrpSpPr>
+        <p:cNvPr id="1" name=""/>
+        <p:cNvGrpSpPr/>
+        <p:nvPr/>
+      </p:nvGrpSpPr>
+      <p:grpSpPr>
+        <a:xfrm>
+          <a:off x="0" y="0"/>
+          <a:ext cx="0" cy="0"/>
+          <a:chOff x="0" y="0"/>
+          <a:chExt cx="0" cy="0"/>
+        </a:xfrm>
+      </p:grpSpPr>
+      <p:sp>
+        <p:nvSpPr>
+          <p:cNvPr id="2" name="Title 1"/>
+          <p:cNvSpPr>
+            <a:spLocks noGrp="1"/>
+          </p:cNvSpPr>
+          <p:nvPr>
+            <p:ph type="title"/>
+          </p:nvPr>
+        </p:nvSpPr>
+        <p:spPr>
+          <a:xfrm>
+            <a:off x="1484312" y="685800"/>
+            <a:ext cx="10018711" cy="3048000"/>
+          </a:xfrm>
+        </p:spPr>
+        <p:txBody>
+          <a:bodyPr anchor="ctr">
+            <a:normAutofit/>
+          </a:bodyPr>
+          <a:lstStyle>
+            <a:lvl1pPr algn="ctr">
+              <a:defRPr sz="3200" b="0" cap="none"/>
+            </a:lvl1pPr>
+          </a:lstStyle>
+          <a:p>
+            <a:r>
+              <a:rPr lang="zh-CN" altLang="en-US"/>
+              <a:t>单击此处编辑母版标题样式</a:t>
+            </a:r>
+            <a:endParaRPr lang="en-US" dirty="0"/>
+          </a:p>
+        </p:txBody>
+      </p:sp>
+      <p:sp>
+        <p:nvSpPr>
+          <p:cNvPr id="3" name="Text Placeholder 2"/>
+          <p:cNvSpPr>
+            <a:spLocks noGrp="1"/>
+          </p:cNvSpPr>
+          <p:nvPr>
+            <p:ph type="body" idx="1"/>
+          </p:nvPr>
+        </p:nvSpPr>
+        <p:spPr>
+          <a:xfrm>
+            <a:off x="1484312" y="4343400"/>
+            <a:ext cx="10018713" cy="1447800"/>
+          </a:xfrm>
+        </p:spPr>
+        <p:txBody>
+          <a:bodyPr anchor="ctr">
+            <a:normAutofit/>
+          </a:bodyPr>
+          <a:lstStyle>
+            <a:lvl1pPr marL="0" indent="0" algn="ctr">
+              <a:buNone/>
+              <a:defRPr sz="2000">
+                <a:solidFill>
+                  <a:schemeClr val="tx1"/>
+                </a:solidFill>
+              </a:defRPr>
+            </a:lvl1pPr>
+            <a:lvl2pPr marL="457200" indent="0">
+              <a:buNone/>
+              <a:defRPr sz="1800">
+                <a:solidFill>
+                  <a:schemeClr val="tx1">
+                    <a:tint val="75000"/>
+                  </a:schemeClr>
+                </a:solidFill>
+              </a:defRPr>
+            </a:lvl2pPr>
+            <a:lvl3pPr marL="914400" indent="0">
+              <a:buNone/>
+              <a:defRPr sz="1600">
+                <a:solidFill>
+                  <a:schemeClr val="tx1">
+                    <a:tint val="75000"/>
+                  </a:schemeClr>
+                </a:solidFill>
+              </a:defRPr>
+            </a:lvl3pPr>
+            <a:lvl4pPr marL="1371600" indent="0">
+              <a:buNone/>
+              <a:defRPr sz="1400">
+                <a:solidFill>
+                  <a:schemeClr val="tx1">
+                    <a:tint val="75000"/>
+                  </a:schemeClr>
+                </a:solidFill>
+              </a:defRPr>
+            </a:lvl4pPr>
+            <a:lvl5pPr marL="1828800" indent="0">
+              <a:buNone/>
+              <a:defRPr sz="1400">
+                <a:solidFill>
+                  <a:schemeClr val="tx1">
+                    <a:tint val="75000"/>
+                  </a:schemeClr>
+                </a:solidFill>
+              </a:defRPr>
+            </a:lvl5pPr>
+            <a:lvl6pPr marL="2286000" indent="0">
+              <a:buNone/>
+              <a:defRPr sz="1400">
+                <a:solidFill>
+                  <a:schemeClr val="tx1">
+                    <a:tint val="75000"/>
+                  </a:schemeClr>
+                </a:solidFill>
+              </a:defRPr>
+            </a:lvl6pPr>
+            <a:lvl7pPr marL="2743200" indent="0">
+              <a:buNone/>
+              <a:defRPr sz="1400">
+                <a:solidFill>
+                  <a:schemeClr val="tx1">
+                    <a:tint val="75000"/>
+                  </a:schemeClr>
+                </a:solidFill>
+              </a:defRPr>
+            </a:lvl7pPr>
+            <a:lvl8pPr marL="3200400" indent="0">
+              <a:buNone/>
+              <a:defRPr sz="1400">
+                <a:solidFill>
+                  <a:schemeClr val="tx1">
+                    <a:tint val="75000"/>
+                  </a:schemeClr>
+                </a:solidFill>
+              </a:defRPr>
+            </a:lvl8pPr>
+            <a:lvl9pPr marL="3657600" indent="0">
+              <a:buNone/>
+              <a:defRPr sz="1400">
+                <a:solidFill>
+                  <a:schemeClr val="tx1">
+                    <a:tint val="75000"/>
+                  </a:schemeClr>
+                </a:solidFill>
+              </a:defRPr>
+            </a:lvl9pPr>
+          </a:lstStyle>
+          <a:p>
+            <a:pPr lvl="0"/>
+            <a:r>
+              <a:rPr lang="zh-CN" altLang="en-US"/>
+              <a:t>单击此处编辑母版文本样式</a:t>
+            </a:r>
+          </a:p>
+        </p:txBody>
+      </p:sp>
+      <p:sp>
+        <p:nvSpPr>
+          <p:cNvPr id="4" name="Date Placeholder 3"/>
+          <p:cNvSpPr>
+            <a:spLocks noGrp="1"/>
+          </p:cNvSpPr>
+          <p:nvPr>
+            <p:ph type="dt" sz="half" idx="10"/>
+          </p:nvPr>
+        </p:nvSpPr>
+        <p:spPr/>
+        <p:txBody>
+          <a:bodyPr/>
+          <a:lstStyle/>
+          <a:p>
+            <a:fld id="{D5BA07B5-18E0-40AA-8D5D-F3414D5F25C6}" type="datetimeFigureOut">
+              <a:rPr lang="zh-CN" altLang="en-US" smtClean="0"/>
+              <a:t>2019/5/23</a:t>
+            </a:fld>
+            <a:endParaRPr lang="zh-CN" altLang="en-US"/>
+          </a:p>
+        </p:txBody>
+      </p:sp>
+      <p:sp>
+        <p:nvSpPr>
+          <p:cNvPr id="5" name="Footer Placeholder 4"/>
+          <p:cNvSpPr>
+            <a:spLocks noGrp="1"/>
+          </p:cNvSpPr>
+          <p:nvPr>
+            <p:ph type="ftr" sz="quarter" idx="11"/>
+          </p:nvPr>
+        </p:nvSpPr>
+        <p:spPr/>
+        <p:txBody>
+          <a:bodyPr/>
+          <a:lstStyle/>
+          <a:p>
+            <a:endParaRPr lang="zh-CN" altLang="en-US"/>
+          </a:p>
+        </p:txBody>
+      </p:sp>
+      <p:sp>
+        <p:nvSpPr>
+          <p:cNvPr id="6" name="Slide Number Placeholder 5"/>
+          <p:cNvSpPr>
+            <a:spLocks noGrp="1"/>
+          </p:cNvSpPr>
+          <p:nvPr>
+            <p:ph type="sldNum" sz="quarter" idx="12"/>
+          </p:nvPr>
+        </p:nvSpPr>
+        <p:spPr/>
+        <p:txBody>
+          <a:bodyPr/>
+          <a:lstStyle/>
+          <a:p>
+            <a:fld id="{E7DDF82A-1B18-4EB9-9DCF-D0B39019AF94}" type="slidenum">
+              <a:rPr lang="zh-CN" altLang="en-US" smtClean="0"/>
+              <a:t>‹#›</a:t>
+            </a:fld>
+            <a:endParaRPr lang="zh-CN" altLang="en-US"/>
+          </a:p>
+        </p:txBody>
+      </p:sp>
+    </p:spTree>
+    <p:extLst>
+      <p:ext uri="{BB962C8B-B14F-4D97-AF65-F5344CB8AC3E}">
+        <p14:creationId xmlns:p14="http://schemas.microsoft.com/office/powerpoint/2010/main" val="4069393453"/>
+      </p:ext>
+    </p:extLst>
+  </p:cSld>
+  <p:clrMapOvr>
+    <a:masterClrMapping/>
+  </p:clrMapOvr>
+</p:sldLayout>
+</file>
+
+<file path=ppt/slideLayouts/slideLayout12.xml><?xml version="1.0" encoding="utf-8"?>
+<p:sldLayout xmlns:a="http://schemas.openxmlformats.org/drawingml/2006/main" xmlns:r="http://schemas.openxmlformats.org/officeDocument/2006/relationships" xmlns:p="http://schemas.openxmlformats.org/presentationml/2006/main" preserve="1">
+  <p:cSld name="带描述的引言">
+    <p:spTree>
+      <p:nvGrpSpPr>
+        <p:cNvPr id="1" name=""/>
+        <p:cNvGrpSpPr/>
+        <p:nvPr/>
+      </p:nvGrpSpPr>
+      <p:grpSpPr>
+        <a:xfrm>
+          <a:off x="0" y="0"/>
+          <a:ext cx="0" cy="0"/>
+          <a:chOff x="0" y="0"/>
+          <a:chExt cx="0" cy="0"/>
+        </a:xfrm>
+      </p:grpSpPr>
+      <p:sp>
+        <p:nvSpPr>
+          <p:cNvPr id="14" name="TextBox 13"/>
+          <p:cNvSpPr txBox="1"/>
+          <p:nvPr/>
+        </p:nvSpPr>
+        <p:spPr>
+          <a:xfrm>
+            <a:off x="1598612" y="863023"/>
+            <a:ext cx="609600" cy="584776"/>
+          </a:xfrm>
+          <a:prstGeom prst="rect">
+            <a:avLst/>
+          </a:prstGeom>
+        </p:spPr>
+        <p:txBody>
+          <a:bodyPr vert="horz" lIns="91440" tIns="45720" rIns="91440" bIns="45720" rtlCol="0" anchor="ctr">
+            <a:noAutofit/>
+          </a:bodyPr>
+          <a:lstStyle>
+            <a:lvl1pPr>
+              <a:spcBef>
+                <a:spcPct val="0"/>
+              </a:spcBef>
+              <a:buNone/>
+              <a:defRPr sz="3200" b="0" cap="all">
+                <a:ln w="3175" cmpd="sng">
+                  <a:noFill/>
+                </a:ln>
+                <a:effectLst>
+                  <a:glow rad="38100">
+                    <a:schemeClr val="bg1">
+                      <a:lumMod val="65000"/>
+                      <a:lumOff val="35000"/>
+                      <a:alpha val="40000"/>
+                    </a:schemeClr>
+                  </a:glow>
+                  <a:outerShdw blurRad="28575" dist="38100" dir="14040000" algn="tl" rotWithShape="0">
+                    <a:srgbClr val="000000">
+                      <a:alpha val="25000"/>
+                    </a:srgbClr>
+                  </a:outerShdw>
+                </a:effectLst>
+              </a:defRPr>
+            </a:lvl1pPr>
+            <a:lvl2pPr>
+              <a:defRPr>
+                <a:solidFill>
+                  <a:schemeClr val="tx2"/>
+                </a:solidFill>
+              </a:defRPr>
+            </a:lvl2pPr>
+            <a:lvl3pPr>
+              <a:defRPr>
+                <a:solidFill>
+                  <a:schemeClr val="tx2"/>
+                </a:solidFill>
+              </a:defRPr>
+            </a:lvl3pPr>
+            <a:lvl4pPr>
+              <a:defRPr>
+                <a:solidFill>
+                  <a:schemeClr val="tx2"/>
+                </a:solidFill>
+              </a:defRPr>
+            </a:lvl4pPr>
+            <a:lvl5pPr>
+              <a:defRPr>
+                <a:solidFill>
+                  <a:schemeClr val="tx2"/>
+                </a:solidFill>
+              </a:defRPr>
+            </a:lvl5pPr>
+            <a:lvl6pPr>
+              <a:defRPr>
+                <a:solidFill>
+                  <a:schemeClr val="tx2"/>
+                </a:solidFill>
+              </a:defRPr>
+            </a:lvl6pPr>
+            <a:lvl7pPr>
+              <a:defRPr>
+                <a:solidFill>
+                  <a:schemeClr val="tx2"/>
+                </a:solidFill>
+              </a:defRPr>
+            </a:lvl7pPr>
+            <a:lvl8pPr>
+              <a:defRPr>
+                <a:solidFill>
+                  <a:schemeClr val="tx2"/>
+                </a:solidFill>
+              </a:defRPr>
+            </a:lvl8pPr>
+            <a:lvl9pPr>
+              <a:defRPr>
+                <a:solidFill>
+                  <a:schemeClr val="tx2"/>
+                </a:solidFill>
+              </a:defRPr>
+            </a:lvl9pPr>
+          </a:lstStyle>
+          <a:p>
+            <a:pPr lvl="0"/>
+            <a:r>
+              <a:rPr lang="en-US" sz="8000" dirty="0">
+                <a:solidFill>
+                  <a:schemeClr val="tx1"/>
+                </a:solidFill>
+                <a:effectLst/>
+              </a:rPr>
+              <a:t>“</a:t>
+            </a:r>
+          </a:p>
+        </p:txBody>
+      </p:sp>
+      <p:sp>
+        <p:nvSpPr>
+          <p:cNvPr id="15" name="TextBox 14"/>
+          <p:cNvSpPr txBox="1"/>
+          <p:nvPr/>
+        </p:nvSpPr>
+        <p:spPr>
+          <a:xfrm>
+            <a:off x="10893425" y="2819399"/>
+            <a:ext cx="609600" cy="584776"/>
+          </a:xfrm>
+          <a:prstGeom prst="rect">
+            <a:avLst/>
+          </a:prstGeom>
+        </p:spPr>
+        <p:txBody>
+          <a:bodyPr vert="horz" lIns="91440" tIns="45720" rIns="91440" bIns="45720" rtlCol="0" anchor="ctr">
+            <a:noAutofit/>
+          </a:bodyPr>
+          <a:lstStyle>
+            <a:lvl1pPr>
+              <a:spcBef>
+                <a:spcPct val="0"/>
+              </a:spcBef>
+              <a:buNone/>
+              <a:defRPr sz="3200" b="0" cap="all">
+                <a:ln w="3175" cmpd="sng">
+                  <a:noFill/>
+                </a:ln>
+                <a:effectLst>
+                  <a:glow rad="38100">
+                    <a:schemeClr val="bg1">
+                      <a:lumMod val="65000"/>
+                      <a:lumOff val="35000"/>
+                      <a:alpha val="40000"/>
+                    </a:schemeClr>
+                  </a:glow>
+                  <a:outerShdw blurRad="28575" dist="38100" dir="14040000" algn="tl" rotWithShape="0">
+                    <a:srgbClr val="000000">
+                      <a:alpha val="25000"/>
+                    </a:srgbClr>
+                  </a:outerShdw>
+                </a:effectLst>
+              </a:defRPr>
+            </a:lvl1pPr>
+            <a:lvl2pPr>
+              <a:defRPr>
+                <a:solidFill>
+                  <a:schemeClr val="tx2"/>
+                </a:solidFill>
+              </a:defRPr>
+            </a:lvl2pPr>
+            <a:lvl3pPr>
+              <a:defRPr>
+                <a:solidFill>
+                  <a:schemeClr val="tx2"/>
+                </a:solidFill>
+              </a:defRPr>
+            </a:lvl3pPr>
+            <a:lvl4pPr>
+              <a:defRPr>
+                <a:solidFill>
+                  <a:schemeClr val="tx2"/>
+                </a:solidFill>
+              </a:defRPr>
+            </a:lvl4pPr>
+            <a:lvl5pPr>
+              <a:defRPr>
+                <a:solidFill>
+                  <a:schemeClr val="tx2"/>
+                </a:solidFill>
+              </a:defRPr>
+            </a:lvl5pPr>
+            <a:lvl6pPr>
+              <a:defRPr>
+                <a:solidFill>
+                  <a:schemeClr val="tx2"/>
+                </a:solidFill>
+              </a:defRPr>
+            </a:lvl6pPr>
+            <a:lvl7pPr>
+              <a:defRPr>
+                <a:solidFill>
+                  <a:schemeClr val="tx2"/>
+                </a:solidFill>
+              </a:defRPr>
+            </a:lvl7pPr>
+            <a:lvl8pPr>
+              <a:defRPr>
+                <a:solidFill>
+                  <a:schemeClr val="tx2"/>
+                </a:solidFill>
+              </a:defRPr>
+            </a:lvl8pPr>
+            <a:lvl9pPr>
+              <a:defRPr>
+                <a:solidFill>
+                  <a:schemeClr val="tx2"/>
+                </a:solidFill>
+              </a:defRPr>
+            </a:lvl9pPr>
+          </a:lstStyle>
+          <a:p>
+            <a:pPr lvl="0" algn="r"/>
+            <a:r>
+              <a:rPr lang="en-US" sz="8000" dirty="0">
+                <a:solidFill>
+                  <a:schemeClr val="tx1"/>
+                </a:solidFill>
+                <a:effectLst/>
+              </a:rPr>
+              <a:t>”</a:t>
+            </a:r>
+          </a:p>
+        </p:txBody>
+      </p:sp>
+      <p:sp>
+        <p:nvSpPr>
+          <p:cNvPr id="2" name="Title 1"/>
+          <p:cNvSpPr>
+            <a:spLocks noGrp="1"/>
+          </p:cNvSpPr>
+          <p:nvPr>
+            <p:ph type="title"/>
+          </p:nvPr>
+        </p:nvSpPr>
+        <p:spPr>
+          <a:xfrm>
+            <a:off x="2208212" y="685800"/>
+            <a:ext cx="8990012" cy="2743199"/>
+          </a:xfrm>
+        </p:spPr>
+        <p:txBody>
+          <a:bodyPr anchor="ctr">
+            <a:normAutofit/>
+          </a:bodyPr>
+          <a:lstStyle>
+            <a:lvl1pPr algn="ctr">
+              <a:defRPr sz="3200" b="0" cap="none">
+                <a:solidFill>
+                  <a:schemeClr val="tx1"/>
+                </a:solidFill>
+              </a:defRPr>
+            </a:lvl1pPr>
+          </a:lstStyle>
+          <a:p>
+            <a:r>
+              <a:rPr lang="zh-CN" altLang="en-US"/>
+              <a:t>单击此处编辑母版标题样式</a:t>
+            </a:r>
+            <a:endParaRPr lang="en-US" dirty="0"/>
+          </a:p>
+        </p:txBody>
+      </p:sp>
+      <p:sp>
+        <p:nvSpPr>
+          <p:cNvPr id="10" name="Text Placeholder 9"/>
+          <p:cNvSpPr>
+            <a:spLocks noGrp="1"/>
+          </p:cNvSpPr>
+          <p:nvPr>
+            <p:ph type="body" sz="quarter" idx="13"/>
+          </p:nvPr>
+        </p:nvSpPr>
+        <p:spPr>
+          <a:xfrm>
+            <a:off x="2436811" y="3428999"/>
+            <a:ext cx="8532815" cy="381000"/>
+          </a:xfrm>
+        </p:spPr>
+        <p:txBody>
+          <a:bodyPr anchor="ctr">
+            <a:normAutofit/>
+          </a:bodyPr>
+          <a:lstStyle>
+            <a:lvl1pPr marL="0" indent="0">
+              <a:buFontTx/>
+              <a:buNone/>
+              <a:defRPr sz="1800"/>
+            </a:lvl1pPr>
+            <a:lvl2pPr marL="457200" indent="0">
+              <a:buFontTx/>
+              <a:buNone/>
+              <a:defRPr/>
+            </a:lvl2pPr>
+            <a:lvl3pPr marL="914400" indent="0">
+              <a:buFontTx/>
+              <a:buNone/>
+              <a:defRPr/>
+            </a:lvl3pPr>
+            <a:lvl4pPr marL="1371600" indent="0">
+              <a:buFontTx/>
+              <a:buNone/>
+              <a:defRPr/>
+            </a:lvl4pPr>
+            <a:lvl5pPr marL="1828800" indent="0">
+              <a:buFontTx/>
+              <a:buNone/>
+              <a:defRPr/>
+            </a:lvl5pPr>
+          </a:lstStyle>
+          <a:p>
+            <a:pPr lvl="0"/>
+            <a:r>
+              <a:rPr lang="zh-CN" altLang="en-US"/>
+              <a:t>单击此处编辑母版文本样式</a:t>
+            </a:r>
+          </a:p>
+        </p:txBody>
+      </p:sp>
+      <p:sp>
+        <p:nvSpPr>
+          <p:cNvPr id="3" name="Text Placeholder 2"/>
+          <p:cNvSpPr>
+            <a:spLocks noGrp="1"/>
+          </p:cNvSpPr>
+          <p:nvPr>
+            <p:ph type="body" idx="1"/>
+          </p:nvPr>
+        </p:nvSpPr>
+        <p:spPr>
+          <a:xfrm>
+            <a:off x="1484311" y="4343400"/>
+            <a:ext cx="10018711" cy="1447800"/>
+          </a:xfrm>
+        </p:spPr>
+        <p:txBody>
+          <a:bodyPr anchor="ctr">
+            <a:normAutofit/>
+          </a:bodyPr>
+          <a:lstStyle>
+            <a:lvl1pPr marL="0" indent="0" algn="ctr">
+              <a:buNone/>
+              <a:defRPr sz="2000">
+                <a:solidFill>
+                  <a:schemeClr val="tx1"/>
+                </a:solidFill>
+              </a:defRPr>
+            </a:lvl1pPr>
+            <a:lvl2pPr marL="457200" indent="0">
+              <a:buNone/>
+              <a:defRPr sz="1800">
+                <a:solidFill>
+                  <a:schemeClr val="tx1">
+                    <a:tint val="75000"/>
+                  </a:schemeClr>
+                </a:solidFill>
+              </a:defRPr>
+            </a:lvl2pPr>
+            <a:lvl3pPr marL="914400" indent="0">
+              <a:buNone/>
+              <a:defRPr sz="1600">
+                <a:solidFill>
+                  <a:schemeClr val="tx1">
+                    <a:tint val="75000"/>
+                  </a:schemeClr>
+                </a:solidFill>
+              </a:defRPr>
+            </a:lvl3pPr>
+            <a:lvl4pPr marL="1371600" indent="0">
+              <a:buNone/>
+              <a:defRPr sz="1400">
+                <a:solidFill>
+                  <a:schemeClr val="tx1">
+                    <a:tint val="75000"/>
+                  </a:schemeClr>
+                </a:solidFill>
+              </a:defRPr>
+            </a:lvl4pPr>
+            <a:lvl5pPr marL="1828800" indent="0">
+              <a:buNone/>
+              <a:defRPr sz="1400">
+                <a:solidFill>
+                  <a:schemeClr val="tx1">
+                    <a:tint val="75000"/>
+                  </a:schemeClr>
+                </a:solidFill>
+              </a:defRPr>
+            </a:lvl5pPr>
+            <a:lvl6pPr marL="2286000" indent="0">
+              <a:buNone/>
+              <a:defRPr sz="1400">
+                <a:solidFill>
+                  <a:schemeClr val="tx1">
+                    <a:tint val="75000"/>
+                  </a:schemeClr>
+                </a:solidFill>
+              </a:defRPr>
+            </a:lvl6pPr>
+            <a:lvl7pPr marL="2743200" indent="0">
+              <a:buNone/>
+              <a:defRPr sz="1400">
+                <a:solidFill>
+                  <a:schemeClr val="tx1">
+                    <a:tint val="75000"/>
+                  </a:schemeClr>
+                </a:solidFill>
+              </a:defRPr>
+            </a:lvl7pPr>
+            <a:lvl8pPr marL="3200400" indent="0">
+              <a:buNone/>
+              <a:defRPr sz="1400">
+                <a:solidFill>
+                  <a:schemeClr val="tx1">
+                    <a:tint val="75000"/>
+                  </a:schemeClr>
+                </a:solidFill>
+              </a:defRPr>
+            </a:lvl8pPr>
+            <a:lvl9pPr marL="3657600" indent="0">
+              <a:buNone/>
+              <a:defRPr sz="1400">
+                <a:solidFill>
+                  <a:schemeClr val="tx1">
+                    <a:tint val="75000"/>
+                  </a:schemeClr>
+                </a:solidFill>
+              </a:defRPr>
+            </a:lvl9pPr>
+          </a:lstStyle>
+          <a:p>
+            <a:pPr lvl="0"/>
+            <a:r>
+              <a:rPr lang="zh-CN" altLang="en-US"/>
+              <a:t>单击此处编辑母版文本样式</a:t>
+            </a:r>
+          </a:p>
+        </p:txBody>
+      </p:sp>
+      <p:sp>
+        <p:nvSpPr>
+          <p:cNvPr id="4" name="Date Placeholder 3"/>
+          <p:cNvSpPr>
+            <a:spLocks noGrp="1"/>
+          </p:cNvSpPr>
+          <p:nvPr>
+            <p:ph type="dt" sz="half" idx="10"/>
+          </p:nvPr>
+        </p:nvSpPr>
+        <p:spPr/>
+        <p:txBody>
+          <a:bodyPr/>
+          <a:lstStyle/>
+          <a:p>
+            <a:fld id="{D5BA07B5-18E0-40AA-8D5D-F3414D5F25C6}" type="datetimeFigureOut">
+              <a:rPr lang="zh-CN" altLang="en-US" smtClean="0"/>
+              <a:t>2019/5/23</a:t>
+            </a:fld>
+            <a:endParaRPr lang="zh-CN" altLang="en-US"/>
+          </a:p>
+        </p:txBody>
+      </p:sp>
+      <p:sp>
+        <p:nvSpPr>
+          <p:cNvPr id="5" name="Footer Placeholder 4"/>
+          <p:cNvSpPr>
+            <a:spLocks noGrp="1"/>
+          </p:cNvSpPr>
+          <p:nvPr>
+            <p:ph type="ftr" sz="quarter" idx="11"/>
+          </p:nvPr>
+        </p:nvSpPr>
+        <p:spPr/>
+        <p:txBody>
+          <a:bodyPr/>
+          <a:lstStyle/>
+          <a:p>
+            <a:endParaRPr lang="zh-CN" altLang="en-US"/>
+          </a:p>
+        </p:txBody>
+      </p:sp>
+      <p:sp>
+        <p:nvSpPr>
+          <p:cNvPr id="6" name="Slide Number Placeholder 5"/>
+          <p:cNvSpPr>
+            <a:spLocks noGrp="1"/>
+          </p:cNvSpPr>
+          <p:nvPr>
+            <p:ph type="sldNum" sz="quarter" idx="12"/>
+          </p:nvPr>
+        </p:nvSpPr>
+        <p:spPr/>
+        <p:txBody>
+          <a:bodyPr/>
+          <a:lstStyle/>
+          <a:p>
+            <a:fld id="{E7DDF82A-1B18-4EB9-9DCF-D0B39019AF94}" type="slidenum">
+              <a:rPr lang="zh-CN" altLang="en-US" smtClean="0"/>
+              <a:t>‹#›</a:t>
+            </a:fld>
+            <a:endParaRPr lang="zh-CN" altLang="en-US"/>
+          </a:p>
+        </p:txBody>
+      </p:sp>
+    </p:spTree>
+    <p:extLst>
+      <p:ext uri="{BB962C8B-B14F-4D97-AF65-F5344CB8AC3E}">
+        <p14:creationId xmlns:p14="http://schemas.microsoft.com/office/powerpoint/2010/main" val="2963461736"/>
+      </p:ext>
+    </p:extLst>
+  </p:cSld>
+  <p:clrMapOvr>
+    <a:masterClrMapping/>
+  </p:clrMapOvr>
+</p:sldLayout>
+</file>
+
+<file path=ppt/slideLayouts/slideLayout13.xml><?xml version="1.0" encoding="utf-8"?>
+<p:sldLayout xmlns:a="http://schemas.openxmlformats.org/drawingml/2006/main" xmlns:r="http://schemas.openxmlformats.org/officeDocument/2006/relationships" xmlns:p="http://schemas.openxmlformats.org/presentationml/2006/main" preserve="1">
+  <p:cSld name="名片">
+    <p:spTree>
+      <p:nvGrpSpPr>
+        <p:cNvPr id="1" name=""/>
+        <p:cNvGrpSpPr/>
+        <p:nvPr/>
+      </p:nvGrpSpPr>
+      <p:grpSpPr>
+        <a:xfrm>
+          <a:off x="0" y="0"/>
+          <a:ext cx="0" cy="0"/>
+          <a:chOff x="0" y="0"/>
+          <a:chExt cx="0" cy="0"/>
+        </a:xfrm>
+      </p:grpSpPr>
+      <p:sp>
+        <p:nvSpPr>
+          <p:cNvPr id="2" name="Title 1"/>
+          <p:cNvSpPr>
+            <a:spLocks noGrp="1"/>
+          </p:cNvSpPr>
+          <p:nvPr>
+            <p:ph type="title"/>
+          </p:nvPr>
+        </p:nvSpPr>
+        <p:spPr>
+          <a:xfrm>
+            <a:off x="1484313" y="3308581"/>
+            <a:ext cx="10018709" cy="1468800"/>
+          </a:xfrm>
+        </p:spPr>
+        <p:txBody>
+          <a:bodyPr anchor="b">
+            <a:normAutofit/>
+          </a:bodyPr>
+          <a:lstStyle>
+            <a:lvl1pPr algn="r">
+              <a:defRPr sz="3200" b="0" cap="none"/>
+            </a:lvl1pPr>
+          </a:lstStyle>
+          <a:p>
+            <a:r>
+              <a:rPr lang="zh-CN" altLang="en-US"/>
+              <a:t>单击此处编辑母版标题样式</a:t>
+            </a:r>
+            <a:endParaRPr lang="en-US" dirty="0"/>
+          </a:p>
+        </p:txBody>
+      </p:sp>
+      <p:sp>
+        <p:nvSpPr>
+          <p:cNvPr id="3" name="Text Placeholder 2"/>
+          <p:cNvSpPr>
+            <a:spLocks noGrp="1"/>
+          </p:cNvSpPr>
+          <p:nvPr>
+            <p:ph type="body" idx="1"/>
+          </p:nvPr>
+        </p:nvSpPr>
+        <p:spPr>
+          <a:xfrm>
+            <a:off x="1484312" y="4777381"/>
+            <a:ext cx="10018710" cy="860400"/>
+          </a:xfrm>
+        </p:spPr>
+        <p:txBody>
+          <a:bodyPr anchor="t">
+            <a:normAutofit/>
+          </a:bodyPr>
+          <a:lstStyle>
+            <a:lvl1pPr marL="0" indent="0" algn="r">
+              <a:buNone/>
+              <a:defRPr sz="2000">
+                <a:solidFill>
+                  <a:schemeClr val="tx1"/>
+                </a:solidFill>
+              </a:defRPr>
+            </a:lvl1pPr>
+            <a:lvl2pPr marL="457200" indent="0">
+              <a:buNone/>
+              <a:defRPr sz="1800">
+                <a:solidFill>
+                  <a:schemeClr val="tx1">
+                    <a:tint val="75000"/>
+                  </a:schemeClr>
+                </a:solidFill>
+              </a:defRPr>
+            </a:lvl2pPr>
+            <a:lvl3pPr marL="914400" indent="0">
+              <a:buNone/>
+              <a:defRPr sz="1600">
+                <a:solidFill>
+                  <a:schemeClr val="tx1">
+                    <a:tint val="75000"/>
+                  </a:schemeClr>
+                </a:solidFill>
+              </a:defRPr>
+            </a:lvl3pPr>
+            <a:lvl4pPr marL="1371600" indent="0">
+              <a:buNone/>
+              <a:defRPr sz="1400">
+                <a:solidFill>
+                  <a:schemeClr val="tx1">
+                    <a:tint val="75000"/>
+                  </a:schemeClr>
+                </a:solidFill>
+              </a:defRPr>
+            </a:lvl4pPr>
+            <a:lvl5pPr marL="1828800" indent="0">
+              <a:buNone/>
+              <a:defRPr sz="1400">
+                <a:solidFill>
+                  <a:schemeClr val="tx1">
+                    <a:tint val="75000"/>
+                  </a:schemeClr>
+                </a:solidFill>
+              </a:defRPr>
+            </a:lvl5pPr>
+            <a:lvl6pPr marL="2286000" indent="0">
+              <a:buNone/>
+              <a:defRPr sz="1400">
+                <a:solidFill>
+                  <a:schemeClr val="tx1">
+                    <a:tint val="75000"/>
+                  </a:schemeClr>
+                </a:solidFill>
+              </a:defRPr>
+            </a:lvl6pPr>
+            <a:lvl7pPr marL="2743200" indent="0">
+              <a:buNone/>
+              <a:defRPr sz="1400">
+                <a:solidFill>
+                  <a:schemeClr val="tx1">
+                    <a:tint val="75000"/>
+                  </a:schemeClr>
+                </a:solidFill>
+              </a:defRPr>
+            </a:lvl7pPr>
+            <a:lvl8pPr marL="3200400" indent="0">
+              <a:buNone/>
+              <a:defRPr sz="1400">
+                <a:solidFill>
+                  <a:schemeClr val="tx1">
+                    <a:tint val="75000"/>
+                  </a:schemeClr>
+                </a:solidFill>
+              </a:defRPr>
+            </a:lvl8pPr>
+            <a:lvl9pPr marL="3657600" indent="0">
+              <a:buNone/>
+              <a:defRPr sz="1400">
+                <a:solidFill>
+                  <a:schemeClr val="tx1">
+                    <a:tint val="75000"/>
+                  </a:schemeClr>
+                </a:solidFill>
+              </a:defRPr>
+            </a:lvl9pPr>
+          </a:lstStyle>
+          <a:p>
+            <a:pPr lvl="0"/>
+            <a:r>
+              <a:rPr lang="zh-CN" altLang="en-US"/>
+              <a:t>单击此处编辑母版文本样式</a:t>
+            </a:r>
+          </a:p>
+        </p:txBody>
+      </p:sp>
+      <p:sp>
+        <p:nvSpPr>
+          <p:cNvPr id="4" name="Date Placeholder 3"/>
+          <p:cNvSpPr>
+            <a:spLocks noGrp="1"/>
+          </p:cNvSpPr>
+          <p:nvPr>
+            <p:ph type="dt" sz="half" idx="10"/>
+          </p:nvPr>
+        </p:nvSpPr>
+        <p:spPr/>
+        <p:txBody>
+          <a:bodyPr/>
+          <a:lstStyle/>
+          <a:p>
+            <a:fld id="{D5BA07B5-18E0-40AA-8D5D-F3414D5F25C6}" type="datetimeFigureOut">
+              <a:rPr lang="zh-CN" altLang="en-US" smtClean="0"/>
+              <a:t>2019/5/23</a:t>
+            </a:fld>
+            <a:endParaRPr lang="zh-CN" altLang="en-US"/>
+          </a:p>
+        </p:txBody>
+      </p:sp>
+      <p:sp>
+        <p:nvSpPr>
+          <p:cNvPr id="5" name="Footer Placeholder 4"/>
+          <p:cNvSpPr>
+            <a:spLocks noGrp="1"/>
+          </p:cNvSpPr>
+          <p:nvPr>
+            <p:ph type="ftr" sz="quarter" idx="11"/>
+          </p:nvPr>
+        </p:nvSpPr>
+        <p:spPr/>
+        <p:txBody>
+          <a:bodyPr/>
+          <a:lstStyle/>
+          <a:p>
+            <a:endParaRPr lang="zh-CN" altLang="en-US"/>
+          </a:p>
+        </p:txBody>
+      </p:sp>
+      <p:sp>
+        <p:nvSpPr>
+          <p:cNvPr id="6" name="Slide Number Placeholder 5"/>
+          <p:cNvSpPr>
+            <a:spLocks noGrp="1"/>
+          </p:cNvSpPr>
+          <p:nvPr>
+            <p:ph type="sldNum" sz="quarter" idx="12"/>
+          </p:nvPr>
+        </p:nvSpPr>
+        <p:spPr/>
+        <p:txBody>
+          <a:bodyPr/>
+          <a:lstStyle/>
+          <a:p>
+            <a:fld id="{E7DDF82A-1B18-4EB9-9DCF-D0B39019AF94}" type="slidenum">
+              <a:rPr lang="zh-CN" altLang="en-US" smtClean="0"/>
+              <a:t>‹#›</a:t>
+            </a:fld>
+            <a:endParaRPr lang="zh-CN" altLang="en-US"/>
+          </a:p>
+        </p:txBody>
+      </p:sp>
+    </p:spTree>
+    <p:extLst>
+      <p:ext uri="{BB962C8B-B14F-4D97-AF65-F5344CB8AC3E}">
+        <p14:creationId xmlns:p14="http://schemas.microsoft.com/office/powerpoint/2010/main" val="1439856279"/>
+      </p:ext>
+    </p:extLst>
+  </p:cSld>
+  <p:clrMapOvr>
+    <a:masterClrMapping/>
+  </p:clrMapOvr>
+</p:sldLayout>
+</file>
+
+<file path=ppt/slideLayouts/slideLayout14.xml><?xml version="1.0" encoding="utf-8"?>
+<p:sldLayout xmlns:a="http://schemas.openxmlformats.org/drawingml/2006/main" xmlns:r="http://schemas.openxmlformats.org/officeDocument/2006/relationships" xmlns:p="http://schemas.openxmlformats.org/presentationml/2006/main" preserve="1">
+  <p:cSld name="引言名片">
+    <p:spTree>
+      <p:nvGrpSpPr>
+        <p:cNvPr id="1" name=""/>
+        <p:cNvGrpSpPr/>
+        <p:nvPr/>
+      </p:nvGrpSpPr>
+      <p:grpSpPr>
+        <a:xfrm>
+          <a:off x="0" y="0"/>
+          <a:ext cx="0" cy="0"/>
+          <a:chOff x="0" y="0"/>
+          <a:chExt cx="0" cy="0"/>
+        </a:xfrm>
+      </p:grpSpPr>
+      <p:sp>
+        <p:nvSpPr>
+          <p:cNvPr id="14" name="TextBox 13"/>
+          <p:cNvSpPr txBox="1"/>
+          <p:nvPr/>
+        </p:nvSpPr>
+        <p:spPr>
+          <a:xfrm>
+            <a:off x="1598612" y="863023"/>
+            <a:ext cx="609600" cy="584776"/>
+          </a:xfrm>
+          <a:prstGeom prst="rect">
+            <a:avLst/>
+          </a:prstGeom>
+        </p:spPr>
+        <p:txBody>
+          <a:bodyPr vert="horz" lIns="91440" tIns="45720" rIns="91440" bIns="45720" rtlCol="0" anchor="ctr">
+            <a:noAutofit/>
+          </a:bodyPr>
+          <a:lstStyle>
+            <a:lvl1pPr>
+              <a:spcBef>
+                <a:spcPct val="0"/>
+              </a:spcBef>
+              <a:buNone/>
+              <a:defRPr sz="3200" b="0" cap="all">
+                <a:ln w="3175" cmpd="sng">
+                  <a:noFill/>
+                </a:ln>
+                <a:effectLst>
+                  <a:glow rad="38100">
+                    <a:schemeClr val="bg1">
+                      <a:lumMod val="65000"/>
+                      <a:lumOff val="35000"/>
+                      <a:alpha val="40000"/>
+                    </a:schemeClr>
+                  </a:glow>
+                  <a:outerShdw blurRad="28575" dist="38100" dir="14040000" algn="tl" rotWithShape="0">
+                    <a:srgbClr val="000000">
+                      <a:alpha val="25000"/>
+                    </a:srgbClr>
+                  </a:outerShdw>
+                </a:effectLst>
+              </a:defRPr>
+            </a:lvl1pPr>
+            <a:lvl2pPr>
+              <a:defRPr>
+                <a:solidFill>
+                  <a:schemeClr val="tx2"/>
+                </a:solidFill>
+              </a:defRPr>
+            </a:lvl2pPr>
+            <a:lvl3pPr>
+              <a:defRPr>
+                <a:solidFill>
+                  <a:schemeClr val="tx2"/>
+                </a:solidFill>
+              </a:defRPr>
+            </a:lvl3pPr>
+            <a:lvl4pPr>
+              <a:defRPr>
+                <a:solidFill>
+                  <a:schemeClr val="tx2"/>
+                </a:solidFill>
+              </a:defRPr>
+            </a:lvl4pPr>
+            <a:lvl5pPr>
+              <a:defRPr>
+                <a:solidFill>
+                  <a:schemeClr val="tx2"/>
+                </a:solidFill>
+              </a:defRPr>
+            </a:lvl5pPr>
+            <a:lvl6pPr>
+              <a:defRPr>
+                <a:solidFill>
+                  <a:schemeClr val="tx2"/>
+                </a:solidFill>
+              </a:defRPr>
+            </a:lvl6pPr>
+            <a:lvl7pPr>
+              <a:defRPr>
+                <a:solidFill>
+                  <a:schemeClr val="tx2"/>
+                </a:solidFill>
+              </a:defRPr>
+            </a:lvl7pPr>
+            <a:lvl8pPr>
+              <a:defRPr>
+                <a:solidFill>
+                  <a:schemeClr val="tx2"/>
+                </a:solidFill>
+              </a:defRPr>
+            </a:lvl8pPr>
+            <a:lvl9pPr>
+              <a:defRPr>
+                <a:solidFill>
+                  <a:schemeClr val="tx2"/>
+                </a:solidFill>
+              </a:defRPr>
+            </a:lvl9pPr>
+          </a:lstStyle>
+          <a:p>
+            <a:pPr lvl="0"/>
+            <a:r>
+              <a:rPr lang="en-US" sz="8000" dirty="0">
+                <a:solidFill>
+                  <a:schemeClr val="tx1"/>
+                </a:solidFill>
+                <a:effectLst/>
+              </a:rPr>
+              <a:t>“</a:t>
+            </a:r>
+          </a:p>
+        </p:txBody>
+      </p:sp>
+      <p:sp>
+        <p:nvSpPr>
+          <p:cNvPr id="15" name="TextBox 14"/>
+          <p:cNvSpPr txBox="1"/>
+          <p:nvPr/>
+        </p:nvSpPr>
+        <p:spPr>
+          <a:xfrm>
+            <a:off x="10893425" y="2819399"/>
+            <a:ext cx="609600" cy="584776"/>
+          </a:xfrm>
+          <a:prstGeom prst="rect">
+            <a:avLst/>
+          </a:prstGeom>
+        </p:spPr>
+        <p:txBody>
+          <a:bodyPr vert="horz" lIns="91440" tIns="45720" rIns="91440" bIns="45720" rtlCol="0" anchor="ctr">
+            <a:noAutofit/>
+          </a:bodyPr>
+          <a:lstStyle>
+            <a:lvl1pPr>
+              <a:spcBef>
+                <a:spcPct val="0"/>
+              </a:spcBef>
+              <a:buNone/>
+              <a:defRPr sz="3200" b="0" cap="all">
+                <a:ln w="3175" cmpd="sng">
+                  <a:noFill/>
+                </a:ln>
+                <a:effectLst>
+                  <a:glow rad="38100">
+                    <a:schemeClr val="bg1">
+                      <a:lumMod val="65000"/>
+                      <a:lumOff val="35000"/>
+                      <a:alpha val="40000"/>
+                    </a:schemeClr>
+                  </a:glow>
+                  <a:outerShdw blurRad="28575" dist="38100" dir="14040000" algn="tl" rotWithShape="0">
+                    <a:srgbClr val="000000">
+                      <a:alpha val="25000"/>
+                    </a:srgbClr>
+                  </a:outerShdw>
+                </a:effectLst>
+              </a:defRPr>
+            </a:lvl1pPr>
+            <a:lvl2pPr>
+              <a:defRPr>
+                <a:solidFill>
+                  <a:schemeClr val="tx2"/>
+                </a:solidFill>
+              </a:defRPr>
+            </a:lvl2pPr>
+            <a:lvl3pPr>
+              <a:defRPr>
+                <a:solidFill>
+                  <a:schemeClr val="tx2"/>
+                </a:solidFill>
+              </a:defRPr>
+            </a:lvl3pPr>
+            <a:lvl4pPr>
+              <a:defRPr>
+                <a:solidFill>
+                  <a:schemeClr val="tx2"/>
+                </a:solidFill>
+              </a:defRPr>
+            </a:lvl4pPr>
+            <a:lvl5pPr>
+              <a:defRPr>
+                <a:solidFill>
+                  <a:schemeClr val="tx2"/>
+                </a:solidFill>
+              </a:defRPr>
+            </a:lvl5pPr>
+            <a:lvl6pPr>
+              <a:defRPr>
+                <a:solidFill>
+                  <a:schemeClr val="tx2"/>
+                </a:solidFill>
+              </a:defRPr>
+            </a:lvl6pPr>
+            <a:lvl7pPr>
+              <a:defRPr>
+                <a:solidFill>
+                  <a:schemeClr val="tx2"/>
+                </a:solidFill>
+              </a:defRPr>
+            </a:lvl7pPr>
+            <a:lvl8pPr>
+              <a:defRPr>
+                <a:solidFill>
+                  <a:schemeClr val="tx2"/>
+                </a:solidFill>
+              </a:defRPr>
+            </a:lvl8pPr>
+            <a:lvl9pPr>
+              <a:defRPr>
+                <a:solidFill>
+                  <a:schemeClr val="tx2"/>
+                </a:solidFill>
+              </a:defRPr>
+            </a:lvl9pPr>
+          </a:lstStyle>
+          <a:p>
+            <a:pPr lvl="0" algn="r"/>
+            <a:r>
+              <a:rPr lang="en-US" sz="8000" dirty="0">
+                <a:solidFill>
+                  <a:schemeClr val="tx1"/>
+                </a:solidFill>
+                <a:effectLst/>
+              </a:rPr>
+              <a:t>”</a:t>
+            </a:r>
+          </a:p>
+        </p:txBody>
+      </p:sp>
+      <p:sp>
+        <p:nvSpPr>
+          <p:cNvPr id="2" name="Title 1"/>
+          <p:cNvSpPr>
+            <a:spLocks noGrp="1"/>
+          </p:cNvSpPr>
+          <p:nvPr>
+            <p:ph type="title"/>
+          </p:nvPr>
+        </p:nvSpPr>
+        <p:spPr>
+          <a:xfrm>
+            <a:off x="2208212" y="685800"/>
+            <a:ext cx="8990012" cy="2743199"/>
+          </a:xfrm>
+        </p:spPr>
+        <p:txBody>
+          <a:bodyPr anchor="ctr">
+            <a:normAutofit/>
+          </a:bodyPr>
+          <a:lstStyle>
+            <a:lvl1pPr algn="ctr">
+              <a:defRPr sz="3200" b="0" cap="none">
+                <a:solidFill>
+                  <a:schemeClr val="tx1"/>
+                </a:solidFill>
+              </a:defRPr>
+            </a:lvl1pPr>
+          </a:lstStyle>
+          <a:p>
+            <a:r>
+              <a:rPr lang="zh-CN" altLang="en-US"/>
+              <a:t>单击此处编辑母版标题样式</a:t>
+            </a:r>
+            <a:endParaRPr lang="en-US" dirty="0"/>
+          </a:p>
+        </p:txBody>
+      </p:sp>
+      <p:sp>
+        <p:nvSpPr>
+          <p:cNvPr id="10" name="Text Placeholder 9"/>
+          <p:cNvSpPr>
+            <a:spLocks noGrp="1"/>
+          </p:cNvSpPr>
+          <p:nvPr>
+            <p:ph type="body" sz="quarter" idx="13"/>
+          </p:nvPr>
+        </p:nvSpPr>
+        <p:spPr>
+          <a:xfrm>
+            <a:off x="1484313" y="3886200"/>
+            <a:ext cx="10018710" cy="889000"/>
+          </a:xfrm>
+        </p:spPr>
+        <p:txBody>
+          <a:bodyPr vert="horz" lIns="91440" tIns="45720" rIns="91440" bIns="45720" rtlCol="0" anchor="b">
+            <a:normAutofit/>
+          </a:bodyPr>
+          <a:lstStyle>
+            <a:lvl1pPr algn="r">
+              <a:buNone/>
+              <a:defRPr lang="en-US" sz="2400" b="0" cap="none" dirty="0">
+                <a:ln w="3175" cmpd="sng">
+                  <a:noFill/>
+                </a:ln>
+                <a:solidFill>
+                  <a:schemeClr val="tx1"/>
+                </a:solidFill>
+                <a:effectLst/>
+              </a:defRPr>
+            </a:lvl1pPr>
+          </a:lstStyle>
+          <a:p>
+            <a:pPr marL="0" lvl="0">
+              <a:spcBef>
+                <a:spcPct val="0"/>
+              </a:spcBef>
+              <a:buNone/>
+            </a:pPr>
+            <a:r>
+              <a:rPr lang="zh-CN" altLang="en-US"/>
+              <a:t>单击此处编辑母版文本样式</a:t>
+            </a:r>
+          </a:p>
+        </p:txBody>
+      </p:sp>
+      <p:sp>
+        <p:nvSpPr>
+          <p:cNvPr id="3" name="Text Placeholder 2"/>
+          <p:cNvSpPr>
+            <a:spLocks noGrp="1"/>
+          </p:cNvSpPr>
+          <p:nvPr>
+            <p:ph type="body" idx="1"/>
+          </p:nvPr>
+        </p:nvSpPr>
+        <p:spPr>
+          <a:xfrm>
+            <a:off x="1484312" y="4775200"/>
+            <a:ext cx="10018710" cy="1016000"/>
+          </a:xfrm>
+        </p:spPr>
+        <p:txBody>
+          <a:bodyPr anchor="t">
+            <a:normAutofit/>
+          </a:bodyPr>
+          <a:lstStyle>
+            <a:lvl1pPr marL="0" indent="0" algn="r">
+              <a:buNone/>
+              <a:defRPr sz="1800">
+                <a:solidFill>
+                  <a:schemeClr val="tx1"/>
+                </a:solidFill>
+              </a:defRPr>
+            </a:lvl1pPr>
+            <a:lvl2pPr marL="457200" indent="0">
+              <a:buNone/>
+              <a:defRPr sz="1800">
+                <a:solidFill>
+                  <a:schemeClr val="tx1">
+                    <a:tint val="75000"/>
+                  </a:schemeClr>
+                </a:solidFill>
+              </a:defRPr>
+            </a:lvl2pPr>
+            <a:lvl3pPr marL="914400" indent="0">
+              <a:buNone/>
+              <a:defRPr sz="1600">
+                <a:solidFill>
+                  <a:schemeClr val="tx1">
+                    <a:tint val="75000"/>
+                  </a:schemeClr>
+                </a:solidFill>
+              </a:defRPr>
+            </a:lvl3pPr>
+            <a:lvl4pPr marL="1371600" indent="0">
+              <a:buNone/>
+              <a:defRPr sz="1400">
+                <a:solidFill>
+                  <a:schemeClr val="tx1">
+                    <a:tint val="75000"/>
+                  </a:schemeClr>
+                </a:solidFill>
+              </a:defRPr>
+            </a:lvl4pPr>
+            <a:lvl5pPr marL="1828800" indent="0">
+              <a:buNone/>
+              <a:defRPr sz="1400">
+                <a:solidFill>
+                  <a:schemeClr val="tx1">
+                    <a:tint val="75000"/>
+                  </a:schemeClr>
+                </a:solidFill>
+              </a:defRPr>
+            </a:lvl5pPr>
+            <a:lvl6pPr marL="2286000" indent="0">
+              <a:buNone/>
+              <a:defRPr sz="1400">
+                <a:solidFill>
+                  <a:schemeClr val="tx1">
+                    <a:tint val="75000"/>
+                  </a:schemeClr>
+                </a:solidFill>
+              </a:defRPr>
+            </a:lvl6pPr>
+            <a:lvl7pPr marL="2743200" indent="0">
+              <a:buNone/>
+              <a:defRPr sz="1400">
+                <a:solidFill>
+                  <a:schemeClr val="tx1">
+                    <a:tint val="75000"/>
+                  </a:schemeClr>
+                </a:solidFill>
+              </a:defRPr>
+            </a:lvl7pPr>
+            <a:lvl8pPr marL="3200400" indent="0">
+              <a:buNone/>
+              <a:defRPr sz="1400">
+                <a:solidFill>
+                  <a:schemeClr val="tx1">
+                    <a:tint val="75000"/>
+                  </a:schemeClr>
+                </a:solidFill>
+              </a:defRPr>
+            </a:lvl8pPr>
+            <a:lvl9pPr marL="3657600" indent="0">
+              <a:buNone/>
+              <a:defRPr sz="1400">
+                <a:solidFill>
+                  <a:schemeClr val="tx1">
+                    <a:tint val="75000"/>
+                  </a:schemeClr>
+                </a:solidFill>
+              </a:defRPr>
+            </a:lvl9pPr>
+          </a:lstStyle>
+          <a:p>
+            <a:pPr lvl="0"/>
+            <a:r>
+              <a:rPr lang="zh-CN" altLang="en-US"/>
+              <a:t>单击此处编辑母版文本样式</a:t>
+            </a:r>
+          </a:p>
+        </p:txBody>
+      </p:sp>
+      <p:sp>
+        <p:nvSpPr>
+          <p:cNvPr id="4" name="Date Placeholder 3"/>
+          <p:cNvSpPr>
+            <a:spLocks noGrp="1"/>
+          </p:cNvSpPr>
+          <p:nvPr>
+            <p:ph type="dt" sz="half" idx="10"/>
+          </p:nvPr>
+        </p:nvSpPr>
+        <p:spPr/>
+        <p:txBody>
+          <a:bodyPr/>
+          <a:lstStyle/>
+          <a:p>
+            <a:fld id="{D5BA07B5-18E0-40AA-8D5D-F3414D5F25C6}" type="datetimeFigureOut">
+              <a:rPr lang="zh-CN" altLang="en-US" smtClean="0"/>
+              <a:t>2019/5/23</a:t>
+            </a:fld>
+            <a:endParaRPr lang="zh-CN" altLang="en-US"/>
+          </a:p>
+        </p:txBody>
+      </p:sp>
+      <p:sp>
+        <p:nvSpPr>
+          <p:cNvPr id="5" name="Footer Placeholder 4"/>
+          <p:cNvSpPr>
+            <a:spLocks noGrp="1"/>
+          </p:cNvSpPr>
+          <p:nvPr>
+            <p:ph type="ftr" sz="quarter" idx="11"/>
+          </p:nvPr>
+        </p:nvSpPr>
+        <p:spPr/>
+        <p:txBody>
+          <a:bodyPr/>
+          <a:lstStyle/>
+          <a:p>
+            <a:endParaRPr lang="zh-CN" altLang="en-US"/>
+          </a:p>
+        </p:txBody>
+      </p:sp>
+      <p:sp>
+        <p:nvSpPr>
+          <p:cNvPr id="6" name="Slide Number Placeholder 5"/>
+          <p:cNvSpPr>
+            <a:spLocks noGrp="1"/>
+          </p:cNvSpPr>
+          <p:nvPr>
+            <p:ph type="sldNum" sz="quarter" idx="12"/>
+          </p:nvPr>
+        </p:nvSpPr>
+        <p:spPr/>
+        <p:txBody>
+          <a:bodyPr/>
+          <a:lstStyle/>
+          <a:p>
+            <a:fld id="{E7DDF82A-1B18-4EB9-9DCF-D0B39019AF94}" type="slidenum">
+              <a:rPr lang="zh-CN" altLang="en-US" smtClean="0"/>
+              <a:t>‹#›</a:t>
+            </a:fld>
+            <a:endParaRPr lang="zh-CN" altLang="en-US"/>
+          </a:p>
+        </p:txBody>
+      </p:sp>
+    </p:spTree>
+    <p:extLst>
+      <p:ext uri="{BB962C8B-B14F-4D97-AF65-F5344CB8AC3E}">
+        <p14:creationId xmlns:p14="http://schemas.microsoft.com/office/powerpoint/2010/main" val="1401924112"/>
+      </p:ext>
+    </p:extLst>
+  </p:cSld>
+  <p:clrMapOvr>
+    <a:masterClrMapping/>
+  </p:clrMapOvr>
+</p:sldLayout>
+</file>
+
+<file path=ppt/slideLayouts/slideLayout15.xml><?xml version="1.0" encoding="utf-8"?>
+<p:sldLayout xmlns:a="http://schemas.openxmlformats.org/drawingml/2006/main" xmlns:r="http://schemas.openxmlformats.org/officeDocument/2006/relationships" xmlns:p="http://schemas.openxmlformats.org/presentationml/2006/main" preserve="1">
+  <p:cSld name="真或假">
+    <p:spTree>
+      <p:nvGrpSpPr>
+        <p:cNvPr id="1" name=""/>
+        <p:cNvGrpSpPr/>
+        <p:nvPr/>
+      </p:nvGrpSpPr>
+      <p:grpSpPr>
+        <a:xfrm>
+          <a:off x="0" y="0"/>
+          <a:ext cx="0" cy="0"/>
+          <a:chOff x="0" y="0"/>
+          <a:chExt cx="0" cy="0"/>
+        </a:xfrm>
+      </p:grpSpPr>
+      <p:sp>
+        <p:nvSpPr>
+          <p:cNvPr id="2" name="Title 1"/>
+          <p:cNvSpPr>
+            <a:spLocks noGrp="1"/>
+          </p:cNvSpPr>
+          <p:nvPr>
+            <p:ph type="title"/>
+          </p:nvPr>
+        </p:nvSpPr>
+        <p:spPr>
+          <a:xfrm>
+            <a:off x="1484313" y="685800"/>
+            <a:ext cx="10018712" cy="2727325"/>
+          </a:xfrm>
+        </p:spPr>
+        <p:txBody>
+          <a:bodyPr vert="horz" lIns="91440" tIns="45720" rIns="91440" bIns="45720" rtlCol="0" anchor="ctr">
+            <a:normAutofit/>
+          </a:bodyPr>
+          <a:lstStyle>
+            <a:lvl1pPr>
+              <a:defRPr lang="en-US" b="0" dirty="0"/>
+            </a:lvl1pPr>
+          </a:lstStyle>
+          <a:p>
+            <a:pPr marL="0" lvl="0"/>
+            <a:r>
+              <a:rPr lang="zh-CN" altLang="en-US"/>
+              <a:t>单击此处编辑母版标题样式</a:t>
+            </a:r>
+            <a:endParaRPr lang="en-US" dirty="0"/>
+          </a:p>
+        </p:txBody>
+      </p:sp>
+      <p:sp>
+        <p:nvSpPr>
+          <p:cNvPr id="10" name="Text Placeholder 9"/>
+          <p:cNvSpPr>
+            <a:spLocks noGrp="1"/>
+          </p:cNvSpPr>
+          <p:nvPr>
+            <p:ph type="body" sz="quarter" idx="13"/>
+          </p:nvPr>
+        </p:nvSpPr>
+        <p:spPr>
+          <a:xfrm>
+            <a:off x="1484312" y="3505200"/>
+            <a:ext cx="10018713" cy="838200"/>
+          </a:xfrm>
+        </p:spPr>
+        <p:txBody>
+          <a:bodyPr vert="horz" lIns="91440" tIns="45720" rIns="91440" bIns="45720" rtlCol="0" anchor="b">
+            <a:normAutofit/>
+          </a:bodyPr>
+          <a:lstStyle>
+            <a:lvl1pPr>
+              <a:buNone/>
+              <a:defRPr lang="en-US" sz="2800" b="0" cap="none" dirty="0">
+                <a:ln w="3175" cmpd="sng">
+                  <a:noFill/>
+                </a:ln>
+                <a:solidFill>
+                  <a:schemeClr val="tx1"/>
+                </a:solidFill>
+                <a:effectLst/>
+              </a:defRPr>
+            </a:lvl1pPr>
+          </a:lstStyle>
+          <a:p>
+            <a:pPr marL="0" lvl="0">
+              <a:spcBef>
+                <a:spcPct val="0"/>
+              </a:spcBef>
+              <a:buNone/>
+            </a:pPr>
+            <a:r>
+              <a:rPr lang="zh-CN" altLang="en-US"/>
+              <a:t>单击此处编辑母版文本样式</a:t>
+            </a:r>
+          </a:p>
+        </p:txBody>
+      </p:sp>
+      <p:sp>
+        <p:nvSpPr>
+          <p:cNvPr id="3" name="Text Placeholder 2"/>
+          <p:cNvSpPr>
+            <a:spLocks noGrp="1"/>
+          </p:cNvSpPr>
+          <p:nvPr>
+            <p:ph type="body" idx="1"/>
+          </p:nvPr>
+        </p:nvSpPr>
+        <p:spPr>
+          <a:xfrm>
+            <a:off x="1484311" y="4343400"/>
+            <a:ext cx="10018713" cy="1447800"/>
+          </a:xfrm>
+        </p:spPr>
+        <p:txBody>
+          <a:bodyPr anchor="t">
+            <a:normAutofit/>
+          </a:bodyPr>
+          <a:lstStyle>
+            <a:lvl1pPr marL="0" indent="0" algn="l">
+              <a:buNone/>
+              <a:defRPr sz="1800">
+                <a:solidFill>
+                  <a:schemeClr val="tx1"/>
+                </a:solidFill>
+              </a:defRPr>
+            </a:lvl1pPr>
+            <a:lvl2pPr marL="457200" indent="0">
+              <a:buNone/>
+              <a:defRPr sz="1800">
+                <a:solidFill>
+                  <a:schemeClr val="tx1">
+                    <a:tint val="75000"/>
+                  </a:schemeClr>
+                </a:solidFill>
+              </a:defRPr>
+            </a:lvl2pPr>
+            <a:lvl3pPr marL="914400" indent="0">
+              <a:buNone/>
+              <a:defRPr sz="1600">
+                <a:solidFill>
+                  <a:schemeClr val="tx1">
+                    <a:tint val="75000"/>
+                  </a:schemeClr>
+                </a:solidFill>
+              </a:defRPr>
+            </a:lvl3pPr>
+            <a:lvl4pPr marL="1371600" indent="0">
+              <a:buNone/>
+              <a:defRPr sz="1400">
+                <a:solidFill>
+                  <a:schemeClr val="tx1">
+                    <a:tint val="75000"/>
+                  </a:schemeClr>
+                </a:solidFill>
+              </a:defRPr>
+            </a:lvl4pPr>
+            <a:lvl5pPr marL="1828800" indent="0">
+              <a:buNone/>
+              <a:defRPr sz="1400">
+                <a:solidFill>
+                  <a:schemeClr val="tx1">
+                    <a:tint val="75000"/>
+                  </a:schemeClr>
+                </a:solidFill>
+              </a:defRPr>
+            </a:lvl5pPr>
+            <a:lvl6pPr marL="2286000" indent="0">
+              <a:buNone/>
+              <a:defRPr sz="1400">
+                <a:solidFill>
+                  <a:schemeClr val="tx1">
+                    <a:tint val="75000"/>
+                  </a:schemeClr>
+                </a:solidFill>
+              </a:defRPr>
+            </a:lvl6pPr>
+            <a:lvl7pPr marL="2743200" indent="0">
+              <a:buNone/>
+              <a:defRPr sz="1400">
+                <a:solidFill>
+                  <a:schemeClr val="tx1">
+                    <a:tint val="75000"/>
+                  </a:schemeClr>
+                </a:solidFill>
+              </a:defRPr>
+            </a:lvl7pPr>
+            <a:lvl8pPr marL="3200400" indent="0">
+              <a:buNone/>
+              <a:defRPr sz="1400">
+                <a:solidFill>
+                  <a:schemeClr val="tx1">
+                    <a:tint val="75000"/>
+                  </a:schemeClr>
+                </a:solidFill>
+              </a:defRPr>
+            </a:lvl8pPr>
+            <a:lvl9pPr marL="3657600" indent="0">
+              <a:buNone/>
+              <a:defRPr sz="1400">
+                <a:solidFill>
+                  <a:schemeClr val="tx1">
+                    <a:tint val="75000"/>
+                  </a:schemeClr>
+                </a:solidFill>
+              </a:defRPr>
+            </a:lvl9pPr>
+          </a:lstStyle>
+          <a:p>
+            <a:pPr lvl="0"/>
+            <a:r>
+              <a:rPr lang="zh-CN" altLang="en-US"/>
+              <a:t>单击此处编辑母版文本样式</a:t>
+            </a:r>
+          </a:p>
+        </p:txBody>
+      </p:sp>
+      <p:sp>
+        <p:nvSpPr>
+          <p:cNvPr id="4" name="Date Placeholder 3"/>
+          <p:cNvSpPr>
+            <a:spLocks noGrp="1"/>
+          </p:cNvSpPr>
+          <p:nvPr>
+            <p:ph type="dt" sz="half" idx="10"/>
+          </p:nvPr>
+        </p:nvSpPr>
+        <p:spPr/>
+        <p:txBody>
+          <a:bodyPr/>
+          <a:lstStyle/>
+          <a:p>
+            <a:fld id="{D5BA07B5-18E0-40AA-8D5D-F3414D5F25C6}" type="datetimeFigureOut">
+              <a:rPr lang="zh-CN" altLang="en-US" smtClean="0"/>
+              <a:t>2019/5/23</a:t>
+            </a:fld>
+            <a:endParaRPr lang="zh-CN" altLang="en-US"/>
+          </a:p>
+        </p:txBody>
+      </p:sp>
+      <p:sp>
+        <p:nvSpPr>
+          <p:cNvPr id="5" name="Footer Placeholder 4"/>
+          <p:cNvSpPr>
+            <a:spLocks noGrp="1"/>
+          </p:cNvSpPr>
+          <p:nvPr>
+            <p:ph type="ftr" sz="quarter" idx="11"/>
+          </p:nvPr>
+        </p:nvSpPr>
+        <p:spPr/>
+        <p:txBody>
+          <a:bodyPr/>
+          <a:lstStyle/>
+          <a:p>
+            <a:endParaRPr lang="zh-CN" altLang="en-US"/>
+          </a:p>
+        </p:txBody>
+      </p:sp>
+      <p:sp>
+        <p:nvSpPr>
+          <p:cNvPr id="6" name="Slide Number Placeholder 5"/>
+          <p:cNvSpPr>
+            <a:spLocks noGrp="1"/>
+          </p:cNvSpPr>
+          <p:nvPr>
+            <p:ph type="sldNum" sz="quarter" idx="12"/>
+          </p:nvPr>
+        </p:nvSpPr>
+        <p:spPr/>
+        <p:txBody>
+          <a:bodyPr/>
+          <a:lstStyle/>
+          <a:p>
+            <a:fld id="{E7DDF82A-1B18-4EB9-9DCF-D0B39019AF94}" type="slidenum">
+              <a:rPr lang="zh-CN" altLang="en-US" smtClean="0"/>
+              <a:t>‹#›</a:t>
+            </a:fld>
+            <a:endParaRPr lang="zh-CN" altLang="en-US"/>
+          </a:p>
+        </p:txBody>
+      </p:sp>
+    </p:spTree>
+    <p:extLst>
+      <p:ext uri="{BB962C8B-B14F-4D97-AF65-F5344CB8AC3E}">
+        <p14:creationId xmlns:p14="http://schemas.microsoft.com/office/powerpoint/2010/main" val="907380299"/>
+      </p:ext>
+    </p:extLst>
+  </p:cSld>
+  <p:clrMapOvr>
+    <a:masterClrMapping/>
+  </p:clrMapOvr>
+</p:sldLayout>
+</file>
+
+<file path=ppt/slideLayouts/slideLayout16.xml><?xml version="1.0" encoding="utf-8"?>
 <p:sldLayout xmlns:a="http://schemas.openxmlformats.org/drawingml/2006/main" xmlns:r="http://schemas.openxmlformats.org/officeDocument/2006/relationships" xmlns:p="http://schemas.openxmlformats.org/presentationml/2006/main" type="vertTx" preserve="1">
   <p:cSld name="标题和竖排文字">
     <p:spTree>
@@ -362,13 +2866,7 @@
       </p:grpSpPr>
       <p:sp>
         <p:nvSpPr>
-          <p:cNvPr id="2" name="标题 1">
-            <a:extLst>
-              <a:ext uri="{FF2B5EF4-FFF2-40B4-BE49-F238E27FC236}">
-                <a16:creationId xmlns:a16="http://schemas.microsoft.com/office/drawing/2014/main" id="{28D6F612-4DA9-43B1-BEC7-BCB411CB08D5}"/>
-              </a:ext>
-            </a:extLst>
-          </p:cNvPr>
+          <p:cNvPr id="2" name="Title 1"/>
           <p:cNvSpPr>
             <a:spLocks noGrp="1"/>
           </p:cNvSpPr>
@@ -379,24 +2877,23 @@
         <p:spPr/>
         <p:txBody>
           <a:bodyPr/>
-          <a:lstStyle/>
+          <a:lstStyle>
+            <a:lvl1pPr algn="ctr">
+              <a:defRPr/>
+            </a:lvl1pPr>
+          </a:lstStyle>
           <a:p>
             <a:r>
               <a:rPr lang="zh-CN" altLang="en-US"/>
               <a:t>单击此处编辑母版标题样式</a:t>
             </a:r>
-          </a:p>
-        </p:txBody>
-      </p:sp>
-      <p:sp>
-        <p:nvSpPr>
-          <p:cNvPr id="3" name="竖排文字占位符 2">
-            <a:extLst>
-              <a:ext uri="{FF2B5EF4-FFF2-40B4-BE49-F238E27FC236}">
-                <a16:creationId xmlns:a16="http://schemas.microsoft.com/office/drawing/2014/main" id="{ADD9C529-F0C8-4F12-B3FD-5AD39BDA3741}"/>
-              </a:ext>
-            </a:extLst>
-          </p:cNvPr>
+            <a:endParaRPr lang="en-US" dirty="0"/>
+          </a:p>
+        </p:txBody>
+      </p:sp>
+      <p:sp>
+        <p:nvSpPr>
+          <p:cNvPr id="3" name="Vertical Text Placeholder 2"/>
           <p:cNvSpPr>
             <a:spLocks noGrp="1"/>
           </p:cNvSpPr>
@@ -406,7 +2903,7 @@
         </p:nvSpPr>
         <p:spPr/>
         <p:txBody>
-          <a:bodyPr vert="eaVert"/>
+          <a:bodyPr vert="eaVert" anchor="t"/>
           <a:lstStyle/>
           <a:p>
             <a:pPr lvl="0"/>
@@ -442,18 +2939,13 @@
               <a:rPr lang="zh-CN" altLang="en-US"/>
               <a:t>五级</a:t>
             </a:r>
-          </a:p>
-        </p:txBody>
-      </p:sp>
-      <p:sp>
-        <p:nvSpPr>
-          <p:cNvPr id="4" name="日期占位符 3">
-            <a:extLst>
-              <a:ext uri="{FF2B5EF4-FFF2-40B4-BE49-F238E27FC236}">
-                <a16:creationId xmlns:a16="http://schemas.microsoft.com/office/drawing/2014/main" id="{C4C6CF73-0B9A-4C63-929D-5836689B82F2}"/>
-              </a:ext>
-            </a:extLst>
-          </p:cNvPr>
+            <a:endParaRPr lang="en-US" dirty="0"/>
+          </a:p>
+        </p:txBody>
+      </p:sp>
+      <p:sp>
+        <p:nvSpPr>
+          <p:cNvPr id="4" name="Date Placeholder 3"/>
           <p:cNvSpPr>
             <a:spLocks noGrp="1"/>
           </p:cNvSpPr>
@@ -476,13 +2968,7 @@
       </p:sp>
       <p:sp>
         <p:nvSpPr>
-          <p:cNvPr id="5" name="页脚占位符 4">
-            <a:extLst>
-              <a:ext uri="{FF2B5EF4-FFF2-40B4-BE49-F238E27FC236}">
-                <a16:creationId xmlns:a16="http://schemas.microsoft.com/office/drawing/2014/main" id="{201B685B-0C87-4249-9FF4-8EEE856233EA}"/>
-              </a:ext>
-            </a:extLst>
-          </p:cNvPr>
+          <p:cNvPr id="5" name="Footer Placeholder 4"/>
           <p:cNvSpPr>
             <a:spLocks noGrp="1"/>
           </p:cNvSpPr>
@@ -501,13 +2987,7 @@
       </p:sp>
       <p:sp>
         <p:nvSpPr>
-          <p:cNvPr id="6" name="灯片编号占位符 5">
-            <a:extLst>
-              <a:ext uri="{FF2B5EF4-FFF2-40B4-BE49-F238E27FC236}">
-                <a16:creationId xmlns:a16="http://schemas.microsoft.com/office/drawing/2014/main" id="{E34765C9-3862-4F33-8944-FD7521FEFA6C}"/>
-              </a:ext>
-            </a:extLst>
-          </p:cNvPr>
+          <p:cNvPr id="6" name="Slide Number Placeholder 5"/>
           <p:cNvSpPr>
             <a:spLocks noGrp="1"/>
           </p:cNvSpPr>
@@ -531,7 +3011,7 @@
     </p:spTree>
     <p:extLst>
       <p:ext uri="{BB962C8B-B14F-4D97-AF65-F5344CB8AC3E}">
-        <p14:creationId xmlns:p14="http://schemas.microsoft.com/office/powerpoint/2010/main" val="847643251"/>
+        <p14:creationId xmlns:p14="http://schemas.microsoft.com/office/powerpoint/2010/main" val="2812330625"/>
       </p:ext>
     </p:extLst>
   </p:cSld>
@@ -541,7 +3021,7 @@
 </p:sldLayout>
 </file>
 
-<file path=ppt/slideLayouts/slideLayout11.xml><?xml version="1.0" encoding="utf-8"?>
+<file path=ppt/slideLayouts/slideLayout17.xml><?xml version="1.0" encoding="utf-8"?>
 <p:sldLayout xmlns:a="http://schemas.openxmlformats.org/drawingml/2006/main" xmlns:r="http://schemas.openxmlformats.org/officeDocument/2006/relationships" xmlns:p="http://schemas.openxmlformats.org/presentationml/2006/main" type="vertTitleAndTx" preserve="1">
   <p:cSld name="竖排标题与文本">
     <p:spTree>
@@ -560,13 +3040,7 @@
       </p:grpSpPr>
       <p:sp>
         <p:nvSpPr>
-          <p:cNvPr id="2" name="竖排标题 1">
-            <a:extLst>
-              <a:ext uri="{FF2B5EF4-FFF2-40B4-BE49-F238E27FC236}">
-                <a16:creationId xmlns:a16="http://schemas.microsoft.com/office/drawing/2014/main" id="{00A16AF3-69FE-4E59-98B3-8AD6C2EEA8F6}"/>
-              </a:ext>
-            </a:extLst>
-          </p:cNvPr>
+          <p:cNvPr id="2" name="Vertical Title 1"/>
           <p:cNvSpPr>
             <a:spLocks noGrp="1"/>
           </p:cNvSpPr>
@@ -576,8 +3050,8 @@
         </p:nvSpPr>
         <p:spPr>
           <a:xfrm>
-            <a:off x="8724900" y="365125"/>
-            <a:ext cx="2628900" cy="5811838"/>
+            <a:off x="9732655" y="685800"/>
+            <a:ext cx="1770369" cy="5105400"/>
           </a:xfrm>
         </p:spPr>
         <p:txBody>
@@ -588,18 +3062,13 @@
               <a:rPr lang="zh-CN" altLang="en-US"/>
               <a:t>单击此处编辑母版标题样式</a:t>
             </a:r>
-          </a:p>
-        </p:txBody>
-      </p:sp>
-      <p:sp>
-        <p:nvSpPr>
-          <p:cNvPr id="3" name="竖排文字占位符 2">
-            <a:extLst>
-              <a:ext uri="{FF2B5EF4-FFF2-40B4-BE49-F238E27FC236}">
-                <a16:creationId xmlns:a16="http://schemas.microsoft.com/office/drawing/2014/main" id="{5468BFCB-1212-44E8-ACFC-EB82505B7F80}"/>
-              </a:ext>
-            </a:extLst>
-          </p:cNvPr>
+            <a:endParaRPr lang="en-US" dirty="0"/>
+          </a:p>
+        </p:txBody>
+      </p:sp>
+      <p:sp>
+        <p:nvSpPr>
+          <p:cNvPr id="3" name="Vertical Text Placeholder 2"/>
           <p:cNvSpPr>
             <a:spLocks noGrp="1"/>
           </p:cNvSpPr>
@@ -609,12 +3078,12 @@
         </p:nvSpPr>
         <p:spPr>
           <a:xfrm>
-            <a:off x="838200" y="365125"/>
-            <a:ext cx="7734300" cy="5811838"/>
+            <a:off x="1484312" y="685800"/>
+            <a:ext cx="8019742" cy="5105400"/>
           </a:xfrm>
         </p:spPr>
         <p:txBody>
-          <a:bodyPr vert="eaVert"/>
+          <a:bodyPr vert="eaVert" anchor="t"/>
           <a:lstStyle/>
           <a:p>
             <a:pPr lvl="0"/>
@@ -650,18 +3119,13 @@
               <a:rPr lang="zh-CN" altLang="en-US"/>
               <a:t>五级</a:t>
             </a:r>
-          </a:p>
-        </p:txBody>
-      </p:sp>
-      <p:sp>
-        <p:nvSpPr>
-          <p:cNvPr id="4" name="日期占位符 3">
-            <a:extLst>
-              <a:ext uri="{FF2B5EF4-FFF2-40B4-BE49-F238E27FC236}">
-                <a16:creationId xmlns:a16="http://schemas.microsoft.com/office/drawing/2014/main" id="{4FBF2CBE-D1F7-45A7-92B6-13B1EDCD315B}"/>
-              </a:ext>
-            </a:extLst>
-          </p:cNvPr>
+            <a:endParaRPr lang="en-US" dirty="0"/>
+          </a:p>
+        </p:txBody>
+      </p:sp>
+      <p:sp>
+        <p:nvSpPr>
+          <p:cNvPr id="4" name="Date Placeholder 3"/>
           <p:cNvSpPr>
             <a:spLocks noGrp="1"/>
           </p:cNvSpPr>
@@ -684,13 +3148,7 @@
       </p:sp>
       <p:sp>
         <p:nvSpPr>
-          <p:cNvPr id="5" name="页脚占位符 4">
-            <a:extLst>
-              <a:ext uri="{FF2B5EF4-FFF2-40B4-BE49-F238E27FC236}">
-                <a16:creationId xmlns:a16="http://schemas.microsoft.com/office/drawing/2014/main" id="{317597E2-0619-4B3F-8525-01BEA0D8C2A2}"/>
-              </a:ext>
-            </a:extLst>
-          </p:cNvPr>
+          <p:cNvPr id="5" name="Footer Placeholder 4"/>
           <p:cNvSpPr>
             <a:spLocks noGrp="1"/>
           </p:cNvSpPr>
@@ -709,13 +3167,7 @@
       </p:sp>
       <p:sp>
         <p:nvSpPr>
-          <p:cNvPr id="6" name="灯片编号占位符 5">
-            <a:extLst>
-              <a:ext uri="{FF2B5EF4-FFF2-40B4-BE49-F238E27FC236}">
-                <a16:creationId xmlns:a16="http://schemas.microsoft.com/office/drawing/2014/main" id="{E10255CD-0252-4AA8-AC3C-B4578299098B}"/>
-              </a:ext>
-            </a:extLst>
-          </p:cNvPr>
+          <p:cNvPr id="6" name="Slide Number Placeholder 5"/>
           <p:cNvSpPr>
             <a:spLocks noGrp="1"/>
           </p:cNvSpPr>
@@ -739,7 +3191,7 @@
     </p:spTree>
     <p:extLst>
       <p:ext uri="{BB962C8B-B14F-4D97-AF65-F5344CB8AC3E}">
-        <p14:creationId xmlns:p14="http://schemas.microsoft.com/office/powerpoint/2010/main" val="1436767617"/>
+        <p14:creationId xmlns:p14="http://schemas.microsoft.com/office/powerpoint/2010/main" val="3168807468"/>
       </p:ext>
     </p:extLst>
   </p:cSld>
@@ -768,13 +3220,7 @@
       </p:grpSpPr>
       <p:sp>
         <p:nvSpPr>
-          <p:cNvPr id="2" name="标题 1">
-            <a:extLst>
-              <a:ext uri="{FF2B5EF4-FFF2-40B4-BE49-F238E27FC236}">
-                <a16:creationId xmlns:a16="http://schemas.microsoft.com/office/drawing/2014/main" id="{36310157-C605-4C9E-8783-EC45CAD6BD65}"/>
-              </a:ext>
-            </a:extLst>
-          </p:cNvPr>
+          <p:cNvPr id="2" name="Title 1"/>
           <p:cNvSpPr>
             <a:spLocks noGrp="1"/>
           </p:cNvSpPr>
@@ -791,18 +3237,13 @@
               <a:rPr lang="zh-CN" altLang="en-US"/>
               <a:t>单击此处编辑母版标题样式</a:t>
             </a:r>
-          </a:p>
-        </p:txBody>
-      </p:sp>
-      <p:sp>
-        <p:nvSpPr>
-          <p:cNvPr id="3" name="内容占位符 2">
-            <a:extLst>
-              <a:ext uri="{FF2B5EF4-FFF2-40B4-BE49-F238E27FC236}">
-                <a16:creationId xmlns:a16="http://schemas.microsoft.com/office/drawing/2014/main" id="{DA01F0F7-341E-435E-84CD-D2783FAFFFF1}"/>
-              </a:ext>
-            </a:extLst>
-          </p:cNvPr>
+            <a:endParaRPr lang="en-US" dirty="0"/>
+          </a:p>
+        </p:txBody>
+      </p:sp>
+      <p:sp>
+        <p:nvSpPr>
+          <p:cNvPr id="3" name="Content Placeholder 2"/>
           <p:cNvSpPr>
             <a:spLocks noGrp="1"/>
           </p:cNvSpPr>
@@ -812,7 +3253,7 @@
         </p:nvSpPr>
         <p:spPr/>
         <p:txBody>
-          <a:bodyPr/>
+          <a:bodyPr anchor="ctr"/>
           <a:lstStyle/>
           <a:p>
             <a:pPr lvl="0"/>
@@ -848,18 +3289,13 @@
               <a:rPr lang="zh-CN" altLang="en-US"/>
               <a:t>五级</a:t>
             </a:r>
-          </a:p>
-        </p:txBody>
-      </p:sp>
-      <p:sp>
-        <p:nvSpPr>
-          <p:cNvPr id="4" name="日期占位符 3">
-            <a:extLst>
-              <a:ext uri="{FF2B5EF4-FFF2-40B4-BE49-F238E27FC236}">
-                <a16:creationId xmlns:a16="http://schemas.microsoft.com/office/drawing/2014/main" id="{D2E4B768-52CE-4782-B90C-3AD039F94A31}"/>
-              </a:ext>
-            </a:extLst>
-          </p:cNvPr>
+            <a:endParaRPr lang="en-US" dirty="0"/>
+          </a:p>
+        </p:txBody>
+      </p:sp>
+      <p:sp>
+        <p:nvSpPr>
+          <p:cNvPr id="4" name="Date Placeholder 3"/>
           <p:cNvSpPr>
             <a:spLocks noGrp="1"/>
           </p:cNvSpPr>
@@ -882,13 +3318,7 @@
       </p:sp>
       <p:sp>
         <p:nvSpPr>
-          <p:cNvPr id="5" name="页脚占位符 4">
-            <a:extLst>
-              <a:ext uri="{FF2B5EF4-FFF2-40B4-BE49-F238E27FC236}">
-                <a16:creationId xmlns:a16="http://schemas.microsoft.com/office/drawing/2014/main" id="{D70D60A9-E2BE-4E0B-A312-2F9337F0659A}"/>
-              </a:ext>
-            </a:extLst>
-          </p:cNvPr>
+          <p:cNvPr id="5" name="Footer Placeholder 4"/>
           <p:cNvSpPr>
             <a:spLocks noGrp="1"/>
           </p:cNvSpPr>
@@ -907,13 +3337,7 @@
       </p:sp>
       <p:sp>
         <p:nvSpPr>
-          <p:cNvPr id="6" name="灯片编号占位符 5">
-            <a:extLst>
-              <a:ext uri="{FF2B5EF4-FFF2-40B4-BE49-F238E27FC236}">
-                <a16:creationId xmlns:a16="http://schemas.microsoft.com/office/drawing/2014/main" id="{ADDAABB2-9989-4BC9-82BC-0969B7528887}"/>
-              </a:ext>
-            </a:extLst>
-          </p:cNvPr>
+          <p:cNvPr id="6" name="Slide Number Placeholder 5"/>
           <p:cNvSpPr>
             <a:spLocks noGrp="1"/>
           </p:cNvSpPr>
@@ -921,7 +3345,12 @@
             <p:ph type="sldNum" sz="quarter" idx="12"/>
           </p:nvPr>
         </p:nvSpPr>
-        <p:spPr/>
+        <p:spPr>
+          <a:xfrm>
+            <a:off x="10951856" y="5867131"/>
+            <a:ext cx="551167" cy="365125"/>
+          </a:xfrm>
+        </p:spPr>
         <p:txBody>
           <a:bodyPr/>
           <a:lstStyle/>
@@ -937,7 +3366,7 @@
     </p:spTree>
     <p:extLst>
       <p:ext uri="{BB962C8B-B14F-4D97-AF65-F5344CB8AC3E}">
-        <p14:creationId xmlns:p14="http://schemas.microsoft.com/office/powerpoint/2010/main" val="2339542412"/>
+        <p14:creationId xmlns:p14="http://schemas.microsoft.com/office/powerpoint/2010/main" val="2653246954"/>
       </p:ext>
     </p:extLst>
   </p:cSld>
@@ -966,13 +3395,7 @@
       </p:grpSpPr>
       <p:sp>
         <p:nvSpPr>
-          <p:cNvPr id="2" name="标题 1">
-            <a:extLst>
-              <a:ext uri="{FF2B5EF4-FFF2-40B4-BE49-F238E27FC236}">
-                <a16:creationId xmlns:a16="http://schemas.microsoft.com/office/drawing/2014/main" id="{8BE41F69-1ED3-41CA-9C92-8221789F7361}"/>
-              </a:ext>
-            </a:extLst>
-          </p:cNvPr>
+          <p:cNvPr id="2" name="Title 1"/>
           <p:cNvSpPr>
             <a:spLocks noGrp="1"/>
           </p:cNvSpPr>
@@ -982,15 +3405,15 @@
         </p:nvSpPr>
         <p:spPr>
           <a:xfrm>
-            <a:off x="831850" y="1709738"/>
-            <a:ext cx="10515600" cy="2852737"/>
+            <a:off x="2572279" y="2666999"/>
+            <a:ext cx="8930747" cy="2110382"/>
           </a:xfrm>
         </p:spPr>
         <p:txBody>
           <a:bodyPr anchor="b"/>
           <a:lstStyle>
-            <a:lvl1pPr>
-              <a:defRPr sz="6000"/>
+            <a:lvl1pPr algn="r">
+              <a:defRPr sz="4000" b="0" cap="none"/>
             </a:lvl1pPr>
           </a:lstStyle>
           <a:p>
@@ -998,18 +3421,13 @@
               <a:rPr lang="zh-CN" altLang="en-US"/>
               <a:t>单击此处编辑母版标题样式</a:t>
             </a:r>
-          </a:p>
-        </p:txBody>
-      </p:sp>
-      <p:sp>
-        <p:nvSpPr>
-          <p:cNvPr id="3" name="文本占位符 2">
-            <a:extLst>
-              <a:ext uri="{FF2B5EF4-FFF2-40B4-BE49-F238E27FC236}">
-                <a16:creationId xmlns:a16="http://schemas.microsoft.com/office/drawing/2014/main" id="{160CA7C8-BA3A-4CD4-BC65-BDF531634755}"/>
-              </a:ext>
-            </a:extLst>
-          </p:cNvPr>
+            <a:endParaRPr lang="en-US" dirty="0"/>
+          </a:p>
+        </p:txBody>
+      </p:sp>
+      <p:sp>
+        <p:nvSpPr>
+          <p:cNvPr id="3" name="Text Placeholder 2"/>
           <p:cNvSpPr>
             <a:spLocks noGrp="1"/>
           </p:cNvSpPr>
@@ -1019,102 +3437,102 @@
         </p:nvSpPr>
         <p:spPr>
           <a:xfrm>
-            <a:off x="831850" y="4589463"/>
-            <a:ext cx="10515600" cy="1500187"/>
+            <a:off x="2572278" y="4777381"/>
+            <a:ext cx="8930748" cy="860400"/>
           </a:xfrm>
         </p:spPr>
         <p:txBody>
-          <a:bodyPr/>
+          <a:bodyPr anchor="t">
+            <a:normAutofit/>
+          </a:bodyPr>
           <a:lstStyle>
-            <a:lvl1pPr marL="0" indent="0">
-              <a:buNone/>
-              <a:defRPr sz="2400">
+            <a:lvl1pPr marL="0" indent="0" algn="r">
+              <a:buNone/>
+              <a:defRPr sz="2000">
+                <a:solidFill>
+                  <a:schemeClr val="tx1"/>
+                </a:solidFill>
+              </a:defRPr>
+            </a:lvl1pPr>
+            <a:lvl2pPr marL="457200" indent="0">
+              <a:buNone/>
+              <a:defRPr sz="1800">
                 <a:solidFill>
                   <a:schemeClr val="tx1">
                     <a:tint val="75000"/>
                   </a:schemeClr>
                 </a:solidFill>
               </a:defRPr>
-            </a:lvl1pPr>
-            <a:lvl2pPr marL="457200" indent="0">
-              <a:buNone/>
-              <a:defRPr sz="2000">
+            </a:lvl2pPr>
+            <a:lvl3pPr marL="914400" indent="0">
+              <a:buNone/>
+              <a:defRPr sz="1600">
                 <a:solidFill>
                   <a:schemeClr val="tx1">
                     <a:tint val="75000"/>
                   </a:schemeClr>
                 </a:solidFill>
               </a:defRPr>
-            </a:lvl2pPr>
-            <a:lvl3pPr marL="914400" indent="0">
-              <a:buNone/>
-              <a:defRPr sz="1800">
+            </a:lvl3pPr>
+            <a:lvl4pPr marL="1371600" indent="0">
+              <a:buNone/>
+              <a:defRPr sz="1400">
                 <a:solidFill>
                   <a:schemeClr val="tx1">
                     <a:tint val="75000"/>
                   </a:schemeClr>
                 </a:solidFill>
               </a:defRPr>
-            </a:lvl3pPr>
-            <a:lvl4pPr marL="1371600" indent="0">
-              <a:buNone/>
-              <a:defRPr sz="1600">
+            </a:lvl4pPr>
+            <a:lvl5pPr marL="1828800" indent="0">
+              <a:buNone/>
+              <a:defRPr sz="1400">
                 <a:solidFill>
                   <a:schemeClr val="tx1">
                     <a:tint val="75000"/>
                   </a:schemeClr>
                 </a:solidFill>
               </a:defRPr>
-            </a:lvl4pPr>
-            <a:lvl5pPr marL="1828800" indent="0">
-              <a:buNone/>
-              <a:defRPr sz="1600">
+            </a:lvl5pPr>
+            <a:lvl6pPr marL="2286000" indent="0">
+              <a:buNone/>
+              <a:defRPr sz="1400">
                 <a:solidFill>
                   <a:schemeClr val="tx1">
                     <a:tint val="75000"/>
                   </a:schemeClr>
                 </a:solidFill>
               </a:defRPr>
-            </a:lvl5pPr>
-            <a:lvl6pPr marL="2286000" indent="0">
-              <a:buNone/>
-              <a:defRPr sz="1600">
+            </a:lvl6pPr>
+            <a:lvl7pPr marL="2743200" indent="0">
+              <a:buNone/>
+              <a:defRPr sz="1400">
                 <a:solidFill>
                   <a:schemeClr val="tx1">
                     <a:tint val="75000"/>
                   </a:schemeClr>
                 </a:solidFill>
               </a:defRPr>
-            </a:lvl6pPr>
-            <a:lvl7pPr marL="2743200" indent="0">
-              <a:buNone/>
-              <a:defRPr sz="1600">
+            </a:lvl7pPr>
+            <a:lvl8pPr marL="3200400" indent="0">
+              <a:buNone/>
+              <a:defRPr sz="1400">
                 <a:solidFill>
                   <a:schemeClr val="tx1">
                     <a:tint val="75000"/>
                   </a:schemeClr>
                 </a:solidFill>
               </a:defRPr>
-            </a:lvl7pPr>
-            <a:lvl8pPr marL="3200400" indent="0">
-              <a:buNone/>
-              <a:defRPr sz="1600">
+            </a:lvl8pPr>
+            <a:lvl9pPr marL="3657600" indent="0">
+              <a:buNone/>
+              <a:defRPr sz="1400">
                 <a:solidFill>
                   <a:schemeClr val="tx1">
                     <a:tint val="75000"/>
                   </a:schemeClr>
                 </a:solidFill>
               </a:defRPr>
-            </a:lvl8pPr>
-            <a:lvl9pPr marL="3657600" indent="0">
-              <a:buNone/>
-              <a:defRPr sz="1600">
-                <a:solidFill>
-                  <a:schemeClr val="tx1">
-                    <a:tint val="75000"/>
-                  </a:schemeClr>
-                </a:solidFill>
-              </a:defRPr>
             </a:lvl9pPr>
           </a:lstStyle>
           <a:p>
@@ -1128,13 +3546,7 @@
       </p:sp>
       <p:sp>
         <p:nvSpPr>
-          <p:cNvPr id="4" name="日期占位符 3">
-            <a:extLst>
-              <a:ext uri="{FF2B5EF4-FFF2-40B4-BE49-F238E27FC236}">
-                <a16:creationId xmlns:a16="http://schemas.microsoft.com/office/drawing/2014/main" id="{E6A800AA-82CC-470B-98FE-C8AF2B402DCE}"/>
-              </a:ext>
-            </a:extLst>
-          </p:cNvPr>
+          <p:cNvPr id="4" name="Date Placeholder 3"/>
           <p:cNvSpPr>
             <a:spLocks noGrp="1"/>
           </p:cNvSpPr>
@@ -1157,13 +3569,7 @@
       </p:sp>
       <p:sp>
         <p:nvSpPr>
-          <p:cNvPr id="5" name="页脚占位符 4">
-            <a:extLst>
-              <a:ext uri="{FF2B5EF4-FFF2-40B4-BE49-F238E27FC236}">
-                <a16:creationId xmlns:a16="http://schemas.microsoft.com/office/drawing/2014/main" id="{1C4E53B1-DF5D-4762-B8AD-2E865956FD16}"/>
-              </a:ext>
-            </a:extLst>
-          </p:cNvPr>
+          <p:cNvPr id="5" name="Footer Placeholder 4"/>
           <p:cNvSpPr>
             <a:spLocks noGrp="1"/>
           </p:cNvSpPr>
@@ -1182,13 +3588,7 @@
       </p:sp>
       <p:sp>
         <p:nvSpPr>
-          <p:cNvPr id="6" name="灯片编号占位符 5">
-            <a:extLst>
-              <a:ext uri="{FF2B5EF4-FFF2-40B4-BE49-F238E27FC236}">
-                <a16:creationId xmlns:a16="http://schemas.microsoft.com/office/drawing/2014/main" id="{E7116183-EA90-4B2B-BB6F-DB8D6A414F5A}"/>
-              </a:ext>
-            </a:extLst>
-          </p:cNvPr>
+          <p:cNvPr id="6" name="Slide Number Placeholder 5"/>
           <p:cNvSpPr>
             <a:spLocks noGrp="1"/>
           </p:cNvSpPr>
@@ -1212,7 +3612,7 @@
     </p:spTree>
     <p:extLst>
       <p:ext uri="{BB962C8B-B14F-4D97-AF65-F5344CB8AC3E}">
-        <p14:creationId xmlns:p14="http://schemas.microsoft.com/office/powerpoint/2010/main" val="1386357178"/>
+        <p14:creationId xmlns:p14="http://schemas.microsoft.com/office/powerpoint/2010/main" val="2163215640"/>
       </p:ext>
     </p:extLst>
   </p:cSld>
@@ -1241,13 +3641,7 @@
       </p:grpSpPr>
       <p:sp>
         <p:nvSpPr>
-          <p:cNvPr id="2" name="标题 1">
-            <a:extLst>
-              <a:ext uri="{FF2B5EF4-FFF2-40B4-BE49-F238E27FC236}">
-                <a16:creationId xmlns:a16="http://schemas.microsoft.com/office/drawing/2014/main" id="{EDD6DDCB-B193-410C-8700-C65C068C7E08}"/>
-              </a:ext>
-            </a:extLst>
-          </p:cNvPr>
+          <p:cNvPr id="2" name="Title 1"/>
           <p:cNvSpPr>
             <a:spLocks noGrp="1"/>
           </p:cNvSpPr>
@@ -1255,7 +3649,12 @@
             <p:ph type="title"/>
           </p:nvPr>
         </p:nvSpPr>
-        <p:spPr/>
+        <p:spPr>
+          <a:xfrm>
+            <a:off x="1484311" y="685800"/>
+            <a:ext cx="10018713" cy="1752599"/>
+          </a:xfrm>
+        </p:spPr>
         <p:txBody>
           <a:bodyPr/>
           <a:lstStyle/>
@@ -1264,18 +3663,13 @@
               <a:rPr lang="zh-CN" altLang="en-US"/>
               <a:t>单击此处编辑母版标题样式</a:t>
             </a:r>
-          </a:p>
-        </p:txBody>
-      </p:sp>
-      <p:sp>
-        <p:nvSpPr>
-          <p:cNvPr id="3" name="内容占位符 2">
-            <a:extLst>
-              <a:ext uri="{FF2B5EF4-FFF2-40B4-BE49-F238E27FC236}">
-                <a16:creationId xmlns:a16="http://schemas.microsoft.com/office/drawing/2014/main" id="{41DF99BC-43E8-485A-B63D-149B89978DDB}"/>
-              </a:ext>
-            </a:extLst>
-          </p:cNvPr>
+            <a:endParaRPr lang="en-US" dirty="0"/>
+          </a:p>
+        </p:txBody>
+      </p:sp>
+      <p:sp>
+        <p:nvSpPr>
+          <p:cNvPr id="3" name="Content Placeholder 2"/>
           <p:cNvSpPr>
             <a:spLocks noGrp="1"/>
           </p:cNvSpPr>
@@ -1285,13 +3679,43 @@
         </p:nvSpPr>
         <p:spPr>
           <a:xfrm>
-            <a:off x="838200" y="1825625"/>
-            <a:ext cx="5181600" cy="4351338"/>
+            <a:off x="1484312" y="2666999"/>
+            <a:ext cx="4895055" cy="3124201"/>
           </a:xfrm>
         </p:spPr>
         <p:txBody>
-          <a:bodyPr/>
-          <a:lstStyle/>
+          <a:bodyPr>
+            <a:normAutofit/>
+          </a:bodyPr>
+          <a:lstStyle>
+            <a:lvl1pPr>
+              <a:defRPr sz="1800"/>
+            </a:lvl1pPr>
+            <a:lvl2pPr>
+              <a:defRPr sz="1600"/>
+            </a:lvl2pPr>
+            <a:lvl3pPr>
+              <a:defRPr sz="1400"/>
+            </a:lvl3pPr>
+            <a:lvl4pPr>
+              <a:defRPr sz="1200"/>
+            </a:lvl4pPr>
+            <a:lvl5pPr>
+              <a:defRPr sz="1200"/>
+            </a:lvl5pPr>
+            <a:lvl6pPr>
+              <a:defRPr sz="1200"/>
+            </a:lvl6pPr>
+            <a:lvl7pPr>
+              <a:defRPr sz="1200"/>
+            </a:lvl7pPr>
+            <a:lvl8pPr>
+              <a:defRPr sz="1200"/>
+            </a:lvl8pPr>
+            <a:lvl9pPr>
+              <a:defRPr sz="1200"/>
+            </a:lvl9pPr>
+          </a:lstStyle>
           <a:p>
             <a:pPr lvl="0"/>
             <a:r>
@@ -1326,18 +3750,13 @@
               <a:rPr lang="zh-CN" altLang="en-US"/>
               <a:t>五级</a:t>
             </a:r>
-          </a:p>
-        </p:txBody>
-      </p:sp>
-      <p:sp>
-        <p:nvSpPr>
-          <p:cNvPr id="4" name="内容占位符 3">
-            <a:extLst>
-              <a:ext uri="{FF2B5EF4-FFF2-40B4-BE49-F238E27FC236}">
-                <a16:creationId xmlns:a16="http://schemas.microsoft.com/office/drawing/2014/main" id="{EFE63208-720E-49EC-B81E-59F316C08A1E}"/>
-              </a:ext>
-            </a:extLst>
-          </p:cNvPr>
+            <a:endParaRPr lang="en-US" dirty="0"/>
+          </a:p>
+        </p:txBody>
+      </p:sp>
+      <p:sp>
+        <p:nvSpPr>
+          <p:cNvPr id="4" name="Content Placeholder 3"/>
           <p:cNvSpPr>
             <a:spLocks noGrp="1"/>
           </p:cNvSpPr>
@@ -1347,13 +3766,43 @@
         </p:nvSpPr>
         <p:spPr>
           <a:xfrm>
-            <a:off x="6172200" y="1825625"/>
-            <a:ext cx="5181600" cy="4351338"/>
+            <a:off x="6607967" y="2667000"/>
+            <a:ext cx="4895056" cy="3124200"/>
           </a:xfrm>
         </p:spPr>
         <p:txBody>
-          <a:bodyPr/>
-          <a:lstStyle/>
+          <a:bodyPr>
+            <a:normAutofit/>
+          </a:bodyPr>
+          <a:lstStyle>
+            <a:lvl1pPr>
+              <a:defRPr sz="1800"/>
+            </a:lvl1pPr>
+            <a:lvl2pPr>
+              <a:defRPr sz="1600"/>
+            </a:lvl2pPr>
+            <a:lvl3pPr>
+              <a:defRPr sz="1400"/>
+            </a:lvl3pPr>
+            <a:lvl4pPr>
+              <a:defRPr sz="1200"/>
+            </a:lvl4pPr>
+            <a:lvl5pPr>
+              <a:defRPr sz="1200"/>
+            </a:lvl5pPr>
+            <a:lvl6pPr>
+              <a:defRPr sz="1200"/>
+            </a:lvl6pPr>
+            <a:lvl7pPr>
+              <a:defRPr sz="1200"/>
+            </a:lvl7pPr>
+            <a:lvl8pPr>
+              <a:defRPr sz="1200"/>
+            </a:lvl8pPr>
+            <a:lvl9pPr>
+              <a:defRPr sz="1200"/>
+            </a:lvl9pPr>
+          </a:lstStyle>
           <a:p>
             <a:pPr lvl="0"/>
             <a:r>
@@ -1388,18 +3837,13 @@
               <a:rPr lang="zh-CN" altLang="en-US"/>
               <a:t>五级</a:t>
             </a:r>
-          </a:p>
-        </p:txBody>
-      </p:sp>
-      <p:sp>
-        <p:nvSpPr>
-          <p:cNvPr id="5" name="日期占位符 4">
-            <a:extLst>
-              <a:ext uri="{FF2B5EF4-FFF2-40B4-BE49-F238E27FC236}">
-                <a16:creationId xmlns:a16="http://schemas.microsoft.com/office/drawing/2014/main" id="{D56684AE-80E7-45C0-BF6A-6FE6C7394181}"/>
-              </a:ext>
-            </a:extLst>
-          </p:cNvPr>
+            <a:endParaRPr lang="en-US" dirty="0"/>
+          </a:p>
+        </p:txBody>
+      </p:sp>
+      <p:sp>
+        <p:nvSpPr>
+          <p:cNvPr id="5" name="Date Placeholder 4"/>
           <p:cNvSpPr>
             <a:spLocks noGrp="1"/>
           </p:cNvSpPr>
@@ -1422,13 +3866,7 @@
       </p:sp>
       <p:sp>
         <p:nvSpPr>
-          <p:cNvPr id="6" name="页脚占位符 5">
-            <a:extLst>
-              <a:ext uri="{FF2B5EF4-FFF2-40B4-BE49-F238E27FC236}">
-                <a16:creationId xmlns:a16="http://schemas.microsoft.com/office/drawing/2014/main" id="{61AB27BE-4CE9-4BF1-B68D-F87CBD652DBC}"/>
-              </a:ext>
-            </a:extLst>
-          </p:cNvPr>
+          <p:cNvPr id="6" name="Footer Placeholder 5"/>
           <p:cNvSpPr>
             <a:spLocks noGrp="1"/>
           </p:cNvSpPr>
@@ -1447,13 +3885,7 @@
       </p:sp>
       <p:sp>
         <p:nvSpPr>
-          <p:cNvPr id="7" name="灯片编号占位符 6">
-            <a:extLst>
-              <a:ext uri="{FF2B5EF4-FFF2-40B4-BE49-F238E27FC236}">
-                <a16:creationId xmlns:a16="http://schemas.microsoft.com/office/drawing/2014/main" id="{BD60409D-BDFA-4701-A7C5-072F518C2152}"/>
-              </a:ext>
-            </a:extLst>
-          </p:cNvPr>
+          <p:cNvPr id="7" name="Slide Number Placeholder 6"/>
           <p:cNvSpPr>
             <a:spLocks noGrp="1"/>
           </p:cNvSpPr>
@@ -1477,7 +3909,7 @@
     </p:spTree>
     <p:extLst>
       <p:ext uri="{BB962C8B-B14F-4D97-AF65-F5344CB8AC3E}">
-        <p14:creationId xmlns:p14="http://schemas.microsoft.com/office/powerpoint/2010/main" val="250862884"/>
+        <p14:creationId xmlns:p14="http://schemas.microsoft.com/office/powerpoint/2010/main" val="1261173861"/>
       </p:ext>
     </p:extLst>
   </p:cSld>
@@ -1506,65 +3938,61 @@
       </p:grpSpPr>
       <p:sp>
         <p:nvSpPr>
-          <p:cNvPr id="2" name="标题 1">
-            <a:extLst>
-              <a:ext uri="{FF2B5EF4-FFF2-40B4-BE49-F238E27FC236}">
-                <a16:creationId xmlns:a16="http://schemas.microsoft.com/office/drawing/2014/main" id="{C4DE46A9-0407-4FC9-9A9E-A696B6195873}"/>
-              </a:ext>
-            </a:extLst>
-          </p:cNvPr>
+          <p:cNvPr id="2" name="Title 1"/>
           <p:cNvSpPr>
             <a:spLocks noGrp="1"/>
           </p:cNvSpPr>
           <p:nvPr>
             <p:ph type="title"/>
+          </p:nvPr>
+        </p:nvSpPr>
+        <p:spPr/>
+        <p:txBody>
+          <a:bodyPr/>
+          <a:lstStyle>
+            <a:lvl1pPr>
+              <a:defRPr/>
+            </a:lvl1pPr>
+          </a:lstStyle>
+          <a:p>
+            <a:r>
+              <a:rPr lang="zh-CN" altLang="en-US"/>
+              <a:t>单击此处编辑母版标题样式</a:t>
+            </a:r>
+            <a:endParaRPr lang="en-US" dirty="0"/>
+          </a:p>
+        </p:txBody>
+      </p:sp>
+      <p:sp>
+        <p:nvSpPr>
+          <p:cNvPr id="3" name="Text Placeholder 2"/>
+          <p:cNvSpPr>
+            <a:spLocks noGrp="1"/>
+          </p:cNvSpPr>
+          <p:nvPr>
+            <p:ph type="body" idx="1"/>
           </p:nvPr>
         </p:nvSpPr>
         <p:spPr>
           <a:xfrm>
-            <a:off x="839788" y="365125"/>
-            <a:ext cx="10515600" cy="1325563"/>
+            <a:off x="1772179" y="2658533"/>
+            <a:ext cx="4607188" cy="576262"/>
           </a:xfrm>
         </p:spPr>
         <p:txBody>
-          <a:bodyPr/>
-          <a:lstStyle/>
-          <a:p>
-            <a:r>
-              <a:rPr lang="zh-CN" altLang="en-US"/>
-              <a:t>单击此处编辑母版标题样式</a:t>
-            </a:r>
-          </a:p>
-        </p:txBody>
-      </p:sp>
-      <p:sp>
-        <p:nvSpPr>
-          <p:cNvPr id="3" name="文本占位符 2">
-            <a:extLst>
-              <a:ext uri="{FF2B5EF4-FFF2-40B4-BE49-F238E27FC236}">
-                <a16:creationId xmlns:a16="http://schemas.microsoft.com/office/drawing/2014/main" id="{E9524B2A-D2A1-47A4-80DD-CE61C923C354}"/>
-              </a:ext>
-            </a:extLst>
-          </p:cNvPr>
-          <p:cNvSpPr>
-            <a:spLocks noGrp="1"/>
-          </p:cNvSpPr>
-          <p:nvPr>
-            <p:ph type="body" idx="1"/>
-          </p:nvPr>
-        </p:nvSpPr>
-        <p:spPr>
-          <a:xfrm>
-            <a:off x="839788" y="1681163"/>
-            <a:ext cx="5157787" cy="823912"/>
-          </a:xfrm>
-        </p:spPr>
-        <p:txBody>
-          <a:bodyPr anchor="b"/>
+          <a:bodyPr anchor="b">
+            <a:noAutofit/>
+          </a:bodyPr>
           <a:lstStyle>
             <a:lvl1pPr marL="0" indent="0">
               <a:buNone/>
-              <a:defRPr sz="2400" b="1"/>
+              <a:defRPr sz="2800" b="0">
+                <a:solidFill>
+                  <a:schemeClr val="accent1">
+                    <a:lumMod val="75000"/>
+                  </a:schemeClr>
+                </a:solidFill>
+              </a:defRPr>
             </a:lvl1pPr>
             <a:lvl2pPr marL="457200" indent="0">
               <a:buNone/>
@@ -1610,13 +4038,7 @@
       </p:sp>
       <p:sp>
         <p:nvSpPr>
-          <p:cNvPr id="4" name="内容占位符 3">
-            <a:extLst>
-              <a:ext uri="{FF2B5EF4-FFF2-40B4-BE49-F238E27FC236}">
-                <a16:creationId xmlns:a16="http://schemas.microsoft.com/office/drawing/2014/main" id="{699A0C8F-954C-4A41-9A18-8BDD494BEDE3}"/>
-              </a:ext>
-            </a:extLst>
-          </p:cNvPr>
+          <p:cNvPr id="4" name="Content Placeholder 3"/>
           <p:cNvSpPr>
             <a:spLocks noGrp="1"/>
           </p:cNvSpPr>
@@ -1626,13 +4048,43 @@
         </p:nvSpPr>
         <p:spPr>
           <a:xfrm>
-            <a:off x="839788" y="2505075"/>
-            <a:ext cx="5157787" cy="3684588"/>
+            <a:off x="1484311" y="3335337"/>
+            <a:ext cx="4895056" cy="2455862"/>
           </a:xfrm>
         </p:spPr>
         <p:txBody>
-          <a:bodyPr/>
-          <a:lstStyle/>
+          <a:bodyPr anchor="t">
+            <a:normAutofit/>
+          </a:bodyPr>
+          <a:lstStyle>
+            <a:lvl1pPr>
+              <a:defRPr sz="1800"/>
+            </a:lvl1pPr>
+            <a:lvl2pPr>
+              <a:defRPr sz="1600"/>
+            </a:lvl2pPr>
+            <a:lvl3pPr>
+              <a:defRPr sz="1400"/>
+            </a:lvl3pPr>
+            <a:lvl4pPr>
+              <a:defRPr sz="1200"/>
+            </a:lvl4pPr>
+            <a:lvl5pPr>
+              <a:defRPr sz="1200"/>
+            </a:lvl5pPr>
+            <a:lvl6pPr>
+              <a:defRPr sz="1200"/>
+            </a:lvl6pPr>
+            <a:lvl7pPr>
+              <a:defRPr sz="1200"/>
+            </a:lvl7pPr>
+            <a:lvl8pPr>
+              <a:defRPr sz="1200"/>
+            </a:lvl8pPr>
+            <a:lvl9pPr>
+              <a:defRPr sz="1200"/>
+            </a:lvl9pPr>
+          </a:lstStyle>
           <a:p>
             <a:pPr lvl="0"/>
             <a:r>
@@ -1667,18 +4119,13 @@
               <a:rPr lang="zh-CN" altLang="en-US"/>
               <a:t>五级</a:t>
             </a:r>
-          </a:p>
-        </p:txBody>
-      </p:sp>
-      <p:sp>
-        <p:nvSpPr>
-          <p:cNvPr id="5" name="文本占位符 4">
-            <a:extLst>
-              <a:ext uri="{FF2B5EF4-FFF2-40B4-BE49-F238E27FC236}">
-                <a16:creationId xmlns:a16="http://schemas.microsoft.com/office/drawing/2014/main" id="{ED4D33B8-3F6B-4ECE-88AA-3C629DE286CB}"/>
-              </a:ext>
-            </a:extLst>
-          </p:cNvPr>
+            <a:endParaRPr lang="en-US" dirty="0"/>
+          </a:p>
+        </p:txBody>
+      </p:sp>
+      <p:sp>
+        <p:nvSpPr>
+          <p:cNvPr id="5" name="Text Placeholder 4"/>
           <p:cNvSpPr>
             <a:spLocks noGrp="1"/>
           </p:cNvSpPr>
@@ -1688,16 +4135,24 @@
         </p:nvSpPr>
         <p:spPr>
           <a:xfrm>
-            <a:off x="6172200" y="1681163"/>
-            <a:ext cx="5183188" cy="823912"/>
+            <a:off x="6880487" y="2667000"/>
+            <a:ext cx="4622537" cy="576262"/>
           </a:xfrm>
         </p:spPr>
         <p:txBody>
-          <a:bodyPr anchor="b"/>
+          <a:bodyPr anchor="b">
+            <a:noAutofit/>
+          </a:bodyPr>
           <a:lstStyle>
             <a:lvl1pPr marL="0" indent="0">
               <a:buNone/>
-              <a:defRPr sz="2400" b="1"/>
+              <a:defRPr sz="2800" b="0">
+                <a:solidFill>
+                  <a:schemeClr val="accent1">
+                    <a:lumMod val="75000"/>
+                  </a:schemeClr>
+                </a:solidFill>
+              </a:defRPr>
             </a:lvl1pPr>
             <a:lvl2pPr marL="457200" indent="0">
               <a:buNone/>
@@ -1743,13 +4198,7 @@
       </p:sp>
       <p:sp>
         <p:nvSpPr>
-          <p:cNvPr id="6" name="内容占位符 5">
-            <a:extLst>
-              <a:ext uri="{FF2B5EF4-FFF2-40B4-BE49-F238E27FC236}">
-                <a16:creationId xmlns:a16="http://schemas.microsoft.com/office/drawing/2014/main" id="{C6797BF8-C85D-400A-8B36-63E3BF31661C}"/>
-              </a:ext>
-            </a:extLst>
-          </p:cNvPr>
+          <p:cNvPr id="6" name="Content Placeholder 5"/>
           <p:cNvSpPr>
             <a:spLocks noGrp="1"/>
           </p:cNvSpPr>
@@ -1759,13 +4208,43 @@
         </p:nvSpPr>
         <p:spPr>
           <a:xfrm>
-            <a:off x="6172200" y="2505075"/>
-            <a:ext cx="5183188" cy="3684588"/>
+            <a:off x="6607967" y="3335337"/>
+            <a:ext cx="4895056" cy="2455862"/>
           </a:xfrm>
         </p:spPr>
         <p:txBody>
-          <a:bodyPr/>
-          <a:lstStyle/>
+          <a:bodyPr anchor="t">
+            <a:normAutofit/>
+          </a:bodyPr>
+          <a:lstStyle>
+            <a:lvl1pPr>
+              <a:defRPr sz="1800"/>
+            </a:lvl1pPr>
+            <a:lvl2pPr>
+              <a:defRPr sz="1600"/>
+            </a:lvl2pPr>
+            <a:lvl3pPr>
+              <a:defRPr sz="1400"/>
+            </a:lvl3pPr>
+            <a:lvl4pPr>
+              <a:defRPr sz="1200"/>
+            </a:lvl4pPr>
+            <a:lvl5pPr>
+              <a:defRPr sz="1200"/>
+            </a:lvl5pPr>
+            <a:lvl6pPr>
+              <a:defRPr sz="1200"/>
+            </a:lvl6pPr>
+            <a:lvl7pPr>
+              <a:defRPr sz="1200"/>
+            </a:lvl7pPr>
+            <a:lvl8pPr>
+              <a:defRPr sz="1200"/>
+            </a:lvl8pPr>
+            <a:lvl9pPr>
+              <a:defRPr sz="1200"/>
+            </a:lvl9pPr>
+          </a:lstStyle>
           <a:p>
             <a:pPr lvl="0"/>
             <a:r>
@@ -1800,18 +4279,13 @@
               <a:rPr lang="zh-CN" altLang="en-US"/>
               <a:t>五级</a:t>
             </a:r>
-          </a:p>
-        </p:txBody>
-      </p:sp>
-      <p:sp>
-        <p:nvSpPr>
-          <p:cNvPr id="7" name="日期占位符 6">
-            <a:extLst>
-              <a:ext uri="{FF2B5EF4-FFF2-40B4-BE49-F238E27FC236}">
-                <a16:creationId xmlns:a16="http://schemas.microsoft.com/office/drawing/2014/main" id="{43EDAFCA-6656-4677-A134-ACF16C607A7E}"/>
-              </a:ext>
-            </a:extLst>
-          </p:cNvPr>
+            <a:endParaRPr lang="en-US" dirty="0"/>
+          </a:p>
+        </p:txBody>
+      </p:sp>
+      <p:sp>
+        <p:nvSpPr>
+          <p:cNvPr id="7" name="Date Placeholder 6"/>
           <p:cNvSpPr>
             <a:spLocks noGrp="1"/>
           </p:cNvSpPr>
@@ -1834,13 +4308,7 @@
       </p:sp>
       <p:sp>
         <p:nvSpPr>
-          <p:cNvPr id="8" name="页脚占位符 7">
-            <a:extLst>
-              <a:ext uri="{FF2B5EF4-FFF2-40B4-BE49-F238E27FC236}">
-                <a16:creationId xmlns:a16="http://schemas.microsoft.com/office/drawing/2014/main" id="{672317C4-42C4-4E9A-BE5A-523A3BA5FE6C}"/>
-              </a:ext>
-            </a:extLst>
-          </p:cNvPr>
+          <p:cNvPr id="8" name="Footer Placeholder 7"/>
           <p:cNvSpPr>
             <a:spLocks noGrp="1"/>
           </p:cNvSpPr>
@@ -1859,13 +4327,7 @@
       </p:sp>
       <p:sp>
         <p:nvSpPr>
-          <p:cNvPr id="9" name="灯片编号占位符 8">
-            <a:extLst>
-              <a:ext uri="{FF2B5EF4-FFF2-40B4-BE49-F238E27FC236}">
-                <a16:creationId xmlns:a16="http://schemas.microsoft.com/office/drawing/2014/main" id="{615DD1EA-C82A-4BC4-B9B6-15CD065A9F77}"/>
-              </a:ext>
-            </a:extLst>
-          </p:cNvPr>
+          <p:cNvPr id="9" name="Slide Number Placeholder 8"/>
           <p:cNvSpPr>
             <a:spLocks noGrp="1"/>
           </p:cNvSpPr>
@@ -1889,7 +4351,7 @@
     </p:spTree>
     <p:extLst>
       <p:ext uri="{BB962C8B-B14F-4D97-AF65-F5344CB8AC3E}">
-        <p14:creationId xmlns:p14="http://schemas.microsoft.com/office/powerpoint/2010/main" val="904291413"/>
+        <p14:creationId xmlns:p14="http://schemas.microsoft.com/office/powerpoint/2010/main" val="1289507030"/>
       </p:ext>
     </p:extLst>
   </p:cSld>
@@ -1918,13 +4380,7 @@
       </p:grpSpPr>
       <p:sp>
         <p:nvSpPr>
-          <p:cNvPr id="2" name="标题 1">
-            <a:extLst>
-              <a:ext uri="{FF2B5EF4-FFF2-40B4-BE49-F238E27FC236}">
-                <a16:creationId xmlns:a16="http://schemas.microsoft.com/office/drawing/2014/main" id="{2D3D9E0B-7D06-4F6A-BAA1-877B057C658D}"/>
-              </a:ext>
-            </a:extLst>
-          </p:cNvPr>
+          <p:cNvPr id="2" name="Title 1"/>
           <p:cNvSpPr>
             <a:spLocks noGrp="1"/>
           </p:cNvSpPr>
@@ -1941,18 +4397,13 @@
               <a:rPr lang="zh-CN" altLang="en-US"/>
               <a:t>单击此处编辑母版标题样式</a:t>
             </a:r>
-          </a:p>
-        </p:txBody>
-      </p:sp>
-      <p:sp>
-        <p:nvSpPr>
-          <p:cNvPr id="3" name="日期占位符 2">
-            <a:extLst>
-              <a:ext uri="{FF2B5EF4-FFF2-40B4-BE49-F238E27FC236}">
-                <a16:creationId xmlns:a16="http://schemas.microsoft.com/office/drawing/2014/main" id="{A8E24A76-6478-455F-8987-F5FEFCC6DE1F}"/>
-              </a:ext>
-            </a:extLst>
-          </p:cNvPr>
+            <a:endParaRPr lang="en-US" dirty="0"/>
+          </a:p>
+        </p:txBody>
+      </p:sp>
+      <p:sp>
+        <p:nvSpPr>
+          <p:cNvPr id="3" name="Date Placeholder 2"/>
           <p:cNvSpPr>
             <a:spLocks noGrp="1"/>
           </p:cNvSpPr>
@@ -1975,13 +4426,7 @@
       </p:sp>
       <p:sp>
         <p:nvSpPr>
-          <p:cNvPr id="4" name="页脚占位符 3">
-            <a:extLst>
-              <a:ext uri="{FF2B5EF4-FFF2-40B4-BE49-F238E27FC236}">
-                <a16:creationId xmlns:a16="http://schemas.microsoft.com/office/drawing/2014/main" id="{DC8947ED-A277-4E2C-8319-3D59D71A19E6}"/>
-              </a:ext>
-            </a:extLst>
-          </p:cNvPr>
+          <p:cNvPr id="4" name="Footer Placeholder 3"/>
           <p:cNvSpPr>
             <a:spLocks noGrp="1"/>
           </p:cNvSpPr>
@@ -2000,13 +4445,7 @@
       </p:sp>
       <p:sp>
         <p:nvSpPr>
-          <p:cNvPr id="5" name="灯片编号占位符 4">
-            <a:extLst>
-              <a:ext uri="{FF2B5EF4-FFF2-40B4-BE49-F238E27FC236}">
-                <a16:creationId xmlns:a16="http://schemas.microsoft.com/office/drawing/2014/main" id="{42694D4B-6A2C-43E0-8C1D-CC25AED1BB84}"/>
-              </a:ext>
-            </a:extLst>
-          </p:cNvPr>
+          <p:cNvPr id="5" name="Slide Number Placeholder 4"/>
           <p:cNvSpPr>
             <a:spLocks noGrp="1"/>
           </p:cNvSpPr>
@@ -2030,7 +4469,7 @@
     </p:spTree>
     <p:extLst>
       <p:ext uri="{BB962C8B-B14F-4D97-AF65-F5344CB8AC3E}">
-        <p14:creationId xmlns:p14="http://schemas.microsoft.com/office/powerpoint/2010/main" val="3253561596"/>
+        <p14:creationId xmlns:p14="http://schemas.microsoft.com/office/powerpoint/2010/main" val="2913332216"/>
       </p:ext>
     </p:extLst>
   </p:cSld>
@@ -2059,13 +4498,7 @@
       </p:grpSpPr>
       <p:sp>
         <p:nvSpPr>
-          <p:cNvPr id="2" name="日期占位符 1">
-            <a:extLst>
-              <a:ext uri="{FF2B5EF4-FFF2-40B4-BE49-F238E27FC236}">
-                <a16:creationId xmlns:a16="http://schemas.microsoft.com/office/drawing/2014/main" id="{5B50F812-B944-4854-ACD3-A354235142C6}"/>
-              </a:ext>
-            </a:extLst>
-          </p:cNvPr>
+          <p:cNvPr id="2" name="Date Placeholder 1"/>
           <p:cNvSpPr>
             <a:spLocks noGrp="1"/>
           </p:cNvSpPr>
@@ -2088,13 +4521,7 @@
       </p:sp>
       <p:sp>
         <p:nvSpPr>
-          <p:cNvPr id="3" name="页脚占位符 2">
-            <a:extLst>
-              <a:ext uri="{FF2B5EF4-FFF2-40B4-BE49-F238E27FC236}">
-                <a16:creationId xmlns:a16="http://schemas.microsoft.com/office/drawing/2014/main" id="{679FCFD6-511E-4F07-812C-906CE87D8112}"/>
-              </a:ext>
-            </a:extLst>
-          </p:cNvPr>
+          <p:cNvPr id="3" name="Footer Placeholder 2"/>
           <p:cNvSpPr>
             <a:spLocks noGrp="1"/>
           </p:cNvSpPr>
@@ -2113,13 +4540,7 @@
       </p:sp>
       <p:sp>
         <p:nvSpPr>
-          <p:cNvPr id="4" name="灯片编号占位符 3">
-            <a:extLst>
-              <a:ext uri="{FF2B5EF4-FFF2-40B4-BE49-F238E27FC236}">
-                <a16:creationId xmlns:a16="http://schemas.microsoft.com/office/drawing/2014/main" id="{83D936E8-40FB-486E-8E9E-BE387378842E}"/>
-              </a:ext>
-            </a:extLst>
-          </p:cNvPr>
+          <p:cNvPr id="4" name="Slide Number Placeholder 3"/>
           <p:cNvSpPr>
             <a:spLocks noGrp="1"/>
           </p:cNvSpPr>
@@ -2143,7 +4564,7 @@
     </p:spTree>
     <p:extLst>
       <p:ext uri="{BB962C8B-B14F-4D97-AF65-F5344CB8AC3E}">
-        <p14:creationId xmlns:p14="http://schemas.microsoft.com/office/powerpoint/2010/main" val="1473663025"/>
+        <p14:creationId xmlns:p14="http://schemas.microsoft.com/office/powerpoint/2010/main" val="28934402"/>
       </p:ext>
     </p:extLst>
   </p:cSld>
@@ -2172,13 +4593,7 @@
       </p:grpSpPr>
       <p:sp>
         <p:nvSpPr>
-          <p:cNvPr id="2" name="标题 1">
-            <a:extLst>
-              <a:ext uri="{FF2B5EF4-FFF2-40B4-BE49-F238E27FC236}">
-                <a16:creationId xmlns:a16="http://schemas.microsoft.com/office/drawing/2014/main" id="{DCD8B2A9-DBBA-42DA-B6ED-9187A090C12C}"/>
-              </a:ext>
-            </a:extLst>
-          </p:cNvPr>
+          <p:cNvPr id="2" name="Title 1"/>
           <p:cNvSpPr>
             <a:spLocks noGrp="1"/>
           </p:cNvSpPr>
@@ -2188,175 +4603,171 @@
         </p:nvSpPr>
         <p:spPr>
           <a:xfrm>
-            <a:off x="839788" y="457200"/>
-            <a:ext cx="3932237" cy="1600200"/>
+            <a:off x="1484312" y="1600200"/>
+            <a:ext cx="3549121" cy="1371600"/>
           </a:xfrm>
         </p:spPr>
         <p:txBody>
-          <a:bodyPr anchor="b"/>
+          <a:bodyPr anchor="b">
+            <a:normAutofit/>
+          </a:bodyPr>
+          <a:lstStyle>
+            <a:lvl1pPr algn="ctr">
+              <a:defRPr sz="2400" b="0"/>
+            </a:lvl1pPr>
+          </a:lstStyle>
+          <a:p>
+            <a:r>
+              <a:rPr lang="zh-CN" altLang="en-US"/>
+              <a:t>单击此处编辑母版标题样式</a:t>
+            </a:r>
+            <a:endParaRPr lang="en-US" dirty="0"/>
+          </a:p>
+        </p:txBody>
+      </p:sp>
+      <p:sp>
+        <p:nvSpPr>
+          <p:cNvPr id="3" name="Content Placeholder 2"/>
+          <p:cNvSpPr>
+            <a:spLocks noGrp="1"/>
+          </p:cNvSpPr>
+          <p:nvPr>
+            <p:ph idx="1"/>
+          </p:nvPr>
+        </p:nvSpPr>
+        <p:spPr>
+          <a:xfrm>
+            <a:off x="5262033" y="685799"/>
+            <a:ext cx="6240990" cy="5105401"/>
+          </a:xfrm>
+        </p:spPr>
+        <p:txBody>
+          <a:bodyPr anchor="ctr">
+            <a:normAutofit/>
+          </a:bodyPr>
           <a:lstStyle>
             <a:lvl1pPr>
-              <a:defRPr sz="3200"/>
+              <a:defRPr sz="2000"/>
             </a:lvl1pPr>
+            <a:lvl2pPr>
+              <a:defRPr sz="1800"/>
+            </a:lvl2pPr>
+            <a:lvl3pPr>
+              <a:defRPr sz="1600"/>
+            </a:lvl3pPr>
+            <a:lvl4pPr>
+              <a:defRPr sz="1400"/>
+            </a:lvl4pPr>
+            <a:lvl5pPr>
+              <a:defRPr sz="1400"/>
+            </a:lvl5pPr>
+            <a:lvl6pPr>
+              <a:defRPr sz="1400"/>
+            </a:lvl6pPr>
+            <a:lvl7pPr>
+              <a:defRPr sz="1400"/>
+            </a:lvl7pPr>
+            <a:lvl8pPr>
+              <a:defRPr sz="1400"/>
+            </a:lvl8pPr>
+            <a:lvl9pPr>
+              <a:defRPr sz="1400"/>
+            </a:lvl9pPr>
           </a:lstStyle>
           <a:p>
+            <a:pPr lvl="0"/>
             <a:r>
               <a:rPr lang="zh-CN" altLang="en-US"/>
-              <a:t>单击此处编辑母版标题样式</a:t>
-            </a:r>
-          </a:p>
-        </p:txBody>
-      </p:sp>
-      <p:sp>
-        <p:nvSpPr>
-          <p:cNvPr id="3" name="内容占位符 2">
-            <a:extLst>
-              <a:ext uri="{FF2B5EF4-FFF2-40B4-BE49-F238E27FC236}">
-                <a16:creationId xmlns:a16="http://schemas.microsoft.com/office/drawing/2014/main" id="{0BFACA46-6FA9-4A6B-94C5-CDBFEB01F702}"/>
-              </a:ext>
-            </a:extLst>
-          </p:cNvPr>
-          <p:cNvSpPr>
-            <a:spLocks noGrp="1"/>
-          </p:cNvSpPr>
-          <p:nvPr>
-            <p:ph idx="1"/>
+              <a:t>单击此处编辑母版文本样式</a:t>
+            </a:r>
+          </a:p>
+          <a:p>
+            <a:pPr lvl="1"/>
+            <a:r>
+              <a:rPr lang="zh-CN" altLang="en-US"/>
+              <a:t>二级</a:t>
+            </a:r>
+          </a:p>
+          <a:p>
+            <a:pPr lvl="2"/>
+            <a:r>
+              <a:rPr lang="zh-CN" altLang="en-US"/>
+              <a:t>三级</a:t>
+            </a:r>
+          </a:p>
+          <a:p>
+            <a:pPr lvl="3"/>
+            <a:r>
+              <a:rPr lang="zh-CN" altLang="en-US"/>
+              <a:t>四级</a:t>
+            </a:r>
+          </a:p>
+          <a:p>
+            <a:pPr lvl="4"/>
+            <a:r>
+              <a:rPr lang="zh-CN" altLang="en-US"/>
+              <a:t>五级</a:t>
+            </a:r>
+            <a:endParaRPr lang="en-US" dirty="0"/>
+          </a:p>
+        </p:txBody>
+      </p:sp>
+      <p:sp>
+        <p:nvSpPr>
+          <p:cNvPr id="4" name="Text Placeholder 3"/>
+          <p:cNvSpPr>
+            <a:spLocks noGrp="1"/>
+          </p:cNvSpPr>
+          <p:nvPr>
+            <p:ph type="body" sz="half" idx="2"/>
           </p:nvPr>
         </p:nvSpPr>
         <p:spPr>
           <a:xfrm>
-            <a:off x="5183188" y="987425"/>
-            <a:ext cx="6172200" cy="4873625"/>
+            <a:off x="1484312" y="2971800"/>
+            <a:ext cx="3549121" cy="1828800"/>
           </a:xfrm>
         </p:spPr>
         <p:txBody>
-          <a:bodyPr/>
+          <a:bodyPr>
+            <a:normAutofit/>
+          </a:bodyPr>
           <a:lstStyle>
-            <a:lvl1pPr>
-              <a:defRPr sz="3200"/>
-            </a:lvl1pPr>
-            <a:lvl2pPr>
-              <a:defRPr sz="2800"/>
-            </a:lvl2pPr>
-            <a:lvl3pPr>
-              <a:defRPr sz="2400"/>
-            </a:lvl3pPr>
-            <a:lvl4pPr>
-              <a:defRPr sz="2000"/>
-            </a:lvl4pPr>
-            <a:lvl5pPr>
-              <a:defRPr sz="2000"/>
-            </a:lvl5pPr>
-            <a:lvl6pPr>
-              <a:defRPr sz="2000"/>
-            </a:lvl6pPr>
-            <a:lvl7pPr>
-              <a:defRPr sz="2000"/>
-            </a:lvl7pPr>
-            <a:lvl8pPr>
-              <a:defRPr sz="2000"/>
-            </a:lvl8pPr>
-            <a:lvl9pPr>
-              <a:defRPr sz="2000"/>
-            </a:lvl9pPr>
-          </a:lstStyle>
-          <a:p>
-            <a:pPr lvl="0"/>
-            <a:r>
-              <a:rPr lang="zh-CN" altLang="en-US"/>
-              <a:t>单击此处编辑母版文本样式</a:t>
-            </a:r>
-          </a:p>
-          <a:p>
-            <a:pPr lvl="1"/>
-            <a:r>
-              <a:rPr lang="zh-CN" altLang="en-US"/>
-              <a:t>二级</a:t>
-            </a:r>
-          </a:p>
-          <a:p>
-            <a:pPr lvl="2"/>
-            <a:r>
-              <a:rPr lang="zh-CN" altLang="en-US"/>
-              <a:t>三级</a:t>
-            </a:r>
-          </a:p>
-          <a:p>
-            <a:pPr lvl="3"/>
-            <a:r>
-              <a:rPr lang="zh-CN" altLang="en-US"/>
-              <a:t>四级</a:t>
-            </a:r>
-          </a:p>
-          <a:p>
-            <a:pPr lvl="4"/>
-            <a:r>
-              <a:rPr lang="zh-CN" altLang="en-US"/>
-              <a:t>五级</a:t>
-            </a:r>
-          </a:p>
-        </p:txBody>
-      </p:sp>
-      <p:sp>
-        <p:nvSpPr>
-          <p:cNvPr id="4" name="文本占位符 3">
-            <a:extLst>
-              <a:ext uri="{FF2B5EF4-FFF2-40B4-BE49-F238E27FC236}">
-                <a16:creationId xmlns:a16="http://schemas.microsoft.com/office/drawing/2014/main" id="{01BA281B-D0F7-4C2E-B7B1-B5CFF974DA0A}"/>
-              </a:ext>
-            </a:extLst>
-          </p:cNvPr>
-          <p:cNvSpPr>
-            <a:spLocks noGrp="1"/>
-          </p:cNvSpPr>
-          <p:nvPr>
-            <p:ph type="body" sz="half" idx="2"/>
-          </p:nvPr>
-        </p:nvSpPr>
-        <p:spPr>
-          <a:xfrm>
-            <a:off x="839788" y="2057400"/>
-            <a:ext cx="3932237" cy="3811588"/>
-          </a:xfrm>
-        </p:spPr>
-        <p:txBody>
-          <a:bodyPr/>
-          <a:lstStyle>
-            <a:lvl1pPr marL="0" indent="0">
+            <a:lvl1pPr marL="0" indent="0" algn="ctr">
               <a:buNone/>
               <a:defRPr sz="1600"/>
             </a:lvl1pPr>
             <a:lvl2pPr marL="457200" indent="0">
               <a:buNone/>
-              <a:defRPr sz="1400"/>
+              <a:defRPr sz="1200"/>
             </a:lvl2pPr>
             <a:lvl3pPr marL="914400" indent="0">
               <a:buNone/>
-              <a:defRPr sz="1200"/>
+              <a:defRPr sz="1000"/>
             </a:lvl3pPr>
             <a:lvl4pPr marL="1371600" indent="0">
               <a:buNone/>
-              <a:defRPr sz="1000"/>
+              <a:defRPr sz="900"/>
             </a:lvl4pPr>
             <a:lvl5pPr marL="1828800" indent="0">
               <a:buNone/>
-              <a:defRPr sz="1000"/>
+              <a:defRPr sz="900"/>
             </a:lvl5pPr>
             <a:lvl6pPr marL="2286000" indent="0">
               <a:buNone/>
-              <a:defRPr sz="1000"/>
+              <a:defRPr sz="900"/>
             </a:lvl6pPr>
             <a:lvl7pPr marL="2743200" indent="0">
               <a:buNone/>
-              <a:defRPr sz="1000"/>
+              <a:defRPr sz="900"/>
             </a:lvl7pPr>
             <a:lvl8pPr marL="3200400" indent="0">
               <a:buNone/>
-              <a:defRPr sz="1000"/>
+              <a:defRPr sz="900"/>
             </a:lvl8pPr>
             <a:lvl9pPr marL="3657600" indent="0">
               <a:buNone/>
-              <a:defRPr sz="1000"/>
+              <a:defRPr sz="900"/>
             </a:lvl9pPr>
           </a:lstStyle>
           <a:p>
@@ -2370,13 +4781,7 @@
       </p:sp>
       <p:sp>
         <p:nvSpPr>
-          <p:cNvPr id="5" name="日期占位符 4">
-            <a:extLst>
-              <a:ext uri="{FF2B5EF4-FFF2-40B4-BE49-F238E27FC236}">
-                <a16:creationId xmlns:a16="http://schemas.microsoft.com/office/drawing/2014/main" id="{3D2725D4-E6CE-4195-B37A-8351F3E5F5FA}"/>
-              </a:ext>
-            </a:extLst>
-          </p:cNvPr>
+          <p:cNvPr id="5" name="Date Placeholder 4"/>
           <p:cNvSpPr>
             <a:spLocks noGrp="1"/>
           </p:cNvSpPr>
@@ -2399,13 +4804,7 @@
       </p:sp>
       <p:sp>
         <p:nvSpPr>
-          <p:cNvPr id="6" name="页脚占位符 5">
-            <a:extLst>
-              <a:ext uri="{FF2B5EF4-FFF2-40B4-BE49-F238E27FC236}">
-                <a16:creationId xmlns:a16="http://schemas.microsoft.com/office/drawing/2014/main" id="{EFAA7E92-AE04-48E9-8D8C-85AEEE32DBFC}"/>
-              </a:ext>
-            </a:extLst>
-          </p:cNvPr>
+          <p:cNvPr id="6" name="Footer Placeholder 5"/>
           <p:cNvSpPr>
             <a:spLocks noGrp="1"/>
           </p:cNvSpPr>
@@ -2424,13 +4823,7 @@
       </p:sp>
       <p:sp>
         <p:nvSpPr>
-          <p:cNvPr id="7" name="灯片编号占位符 6">
-            <a:extLst>
-              <a:ext uri="{FF2B5EF4-FFF2-40B4-BE49-F238E27FC236}">
-                <a16:creationId xmlns:a16="http://schemas.microsoft.com/office/drawing/2014/main" id="{CA514639-EA4D-46B9-9A66-23C5B8168FF2}"/>
-              </a:ext>
-            </a:extLst>
-          </p:cNvPr>
+          <p:cNvPr id="7" name="Slide Number Placeholder 6"/>
           <p:cNvSpPr>
             <a:spLocks noGrp="1"/>
           </p:cNvSpPr>
@@ -2454,7 +4847,7 @@
     </p:spTree>
     <p:extLst>
       <p:ext uri="{BB962C8B-B14F-4D97-AF65-F5344CB8AC3E}">
-        <p14:creationId xmlns:p14="http://schemas.microsoft.com/office/powerpoint/2010/main" val="3441492378"/>
+        <p14:creationId xmlns:p14="http://schemas.microsoft.com/office/powerpoint/2010/main" val="2304447854"/>
       </p:ext>
     </p:extLst>
   </p:cSld>
@@ -2483,13 +4876,7 @@
       </p:grpSpPr>
       <p:sp>
         <p:nvSpPr>
-          <p:cNvPr id="2" name="标题 1">
-            <a:extLst>
-              <a:ext uri="{FF2B5EF4-FFF2-40B4-BE49-F238E27FC236}">
-                <a16:creationId xmlns:a16="http://schemas.microsoft.com/office/drawing/2014/main" id="{FF4B71A9-9460-4BEF-9E73-25AF6A21E105}"/>
-              </a:ext>
-            </a:extLst>
-          </p:cNvPr>
+          <p:cNvPr id="2" name="Title 1"/>
           <p:cNvSpPr>
             <a:spLocks noGrp="1"/>
           </p:cNvSpPr>
@@ -2499,15 +4886,17 @@
         </p:nvSpPr>
         <p:spPr>
           <a:xfrm>
-            <a:off x="839788" y="457200"/>
-            <a:ext cx="3932237" cy="1600200"/>
+            <a:off x="1482724" y="1752599"/>
+            <a:ext cx="5426158" cy="1371600"/>
           </a:xfrm>
         </p:spPr>
         <p:txBody>
-          <a:bodyPr anchor="b"/>
+          <a:bodyPr anchor="b">
+            <a:normAutofit/>
+          </a:bodyPr>
           <a:lstStyle>
-            <a:lvl1pPr>
-              <a:defRPr sz="3200"/>
+            <a:lvl1pPr algn="ctr">
+              <a:defRPr sz="2800" b="0"/>
             </a:lvl1pPr>
           </a:lstStyle>
           <a:p>
@@ -2515,20 +4904,15 @@
               <a:rPr lang="zh-CN" altLang="en-US"/>
               <a:t>单击此处编辑母版标题样式</a:t>
             </a:r>
-          </a:p>
-        </p:txBody>
-      </p:sp>
-      <p:sp>
-        <p:nvSpPr>
-          <p:cNvPr id="3" name="图片占位符 2">
-            <a:extLst>
-              <a:ext uri="{FF2B5EF4-FFF2-40B4-BE49-F238E27FC236}">
-                <a16:creationId xmlns:a16="http://schemas.microsoft.com/office/drawing/2014/main" id="{3B38771B-6016-434D-A364-EEE8A7021C60}"/>
-              </a:ext>
-            </a:extLst>
-          </p:cNvPr>
-          <p:cNvSpPr>
-            <a:spLocks noGrp="1"/>
+            <a:endParaRPr lang="en-US" dirty="0"/>
+          </a:p>
+        </p:txBody>
+      </p:sp>
+      <p:sp>
+        <p:nvSpPr>
+          <p:cNvPr id="14" name="Picture Placeholder 2"/>
+          <p:cNvSpPr>
+            <a:spLocks noGrp="1" noChangeAspect="1"/>
           </p:cNvSpPr>
           <p:nvPr>
             <p:ph type="pic" idx="1"/>
@@ -2536,118 +4920,148 @@
         </p:nvSpPr>
         <p:spPr>
           <a:xfrm>
-            <a:off x="5183188" y="987425"/>
-            <a:ext cx="6172200" cy="4873625"/>
+            <a:off x="7594682" y="914400"/>
+            <a:ext cx="3280974" cy="4572000"/>
           </a:xfrm>
+          <a:prstGeom prst="roundRect">
+            <a:avLst>
+              <a:gd name="adj" fmla="val 4280"/>
+            </a:avLst>
+          </a:prstGeom>
+          <a:ln w="38100">
+            <a:gradFill flip="none" rotWithShape="1">
+              <a:gsLst>
+                <a:gs pos="0">
+                  <a:schemeClr val="bg2"/>
+                </a:gs>
+                <a:gs pos="100000">
+                  <a:schemeClr val="bg2">
+                    <a:lumMod val="75000"/>
+                  </a:schemeClr>
+                </a:gs>
+              </a:gsLst>
+              <a:lin ang="5400000" scaled="0"/>
+              <a:tileRect/>
+            </a:gradFill>
+          </a:ln>
+          <a:effectLst>
+            <a:innerShdw blurRad="57150" dist="38100" dir="14460000">
+              <a:srgbClr val="000000">
+                <a:alpha val="70000"/>
+              </a:srgbClr>
+            </a:innerShdw>
+          </a:effectLst>
         </p:spPr>
         <p:txBody>
-          <a:bodyPr/>
+          <a:bodyPr anchor="t">
+            <a:normAutofit/>
+          </a:bodyPr>
           <a:lstStyle>
-            <a:lvl1pPr marL="0" indent="0">
-              <a:buNone/>
-              <a:defRPr sz="3200"/>
-            </a:lvl1pPr>
-            <a:lvl2pPr marL="457200" indent="0">
-              <a:buNone/>
-              <a:defRPr sz="2800"/>
-            </a:lvl2pPr>
-            <a:lvl3pPr marL="914400" indent="0">
-              <a:buNone/>
-              <a:defRPr sz="2400"/>
-            </a:lvl3pPr>
-            <a:lvl4pPr marL="1371600" indent="0">
-              <a:buNone/>
-              <a:defRPr sz="2000"/>
-            </a:lvl4pPr>
-            <a:lvl5pPr marL="1828800" indent="0">
-              <a:buNone/>
-              <a:defRPr sz="2000"/>
-            </a:lvl5pPr>
-            <a:lvl6pPr marL="2286000" indent="0">
-              <a:buNone/>
-              <a:defRPr sz="2000"/>
-            </a:lvl6pPr>
-            <a:lvl7pPr marL="2743200" indent="0">
-              <a:buNone/>
-              <a:defRPr sz="2000"/>
-            </a:lvl7pPr>
-            <a:lvl8pPr marL="3200400" indent="0">
-              <a:buNone/>
-              <a:defRPr sz="2000"/>
-            </a:lvl8pPr>
-            <a:lvl9pPr marL="3657600" indent="0">
-              <a:buNone/>
-              <a:defRPr sz="2000"/>
-            </a:lvl9pPr>
-          </a:lstStyle>
-          <a:p>
-            <a:endParaRPr lang="zh-CN" altLang="en-US"/>
-          </a:p>
-        </p:txBody>
-      </p:sp>
-      <p:sp>
-        <p:nvSpPr>
-          <p:cNvPr id="4" name="文本占位符 3">
-            <a:extLst>
-              <a:ext uri="{FF2B5EF4-FFF2-40B4-BE49-F238E27FC236}">
-                <a16:creationId xmlns:a16="http://schemas.microsoft.com/office/drawing/2014/main" id="{B3C9D0B5-BF1F-4837-B157-75974F628FB8}"/>
-              </a:ext>
-            </a:extLst>
-          </p:cNvPr>
-          <p:cNvSpPr>
-            <a:spLocks noGrp="1"/>
-          </p:cNvSpPr>
-          <p:nvPr>
-            <p:ph type="body" sz="half" idx="2"/>
-          </p:nvPr>
-        </p:nvSpPr>
-        <p:spPr>
-          <a:xfrm>
-            <a:off x="839788" y="2057400"/>
-            <a:ext cx="3932237" cy="3811588"/>
-          </a:xfrm>
-        </p:spPr>
-        <p:txBody>
-          <a:bodyPr/>
-          <a:lstStyle>
-            <a:lvl1pPr marL="0" indent="0">
+            <a:lvl1pPr marL="0" indent="0" algn="ctr">
               <a:buNone/>
               <a:defRPr sz="1600"/>
             </a:lvl1pPr>
             <a:lvl2pPr marL="457200" indent="0">
               <a:buNone/>
-              <a:defRPr sz="1400"/>
+              <a:defRPr sz="1600"/>
             </a:lvl2pPr>
             <a:lvl3pPr marL="914400" indent="0">
               <a:buNone/>
-              <a:defRPr sz="1200"/>
+              <a:defRPr sz="1600"/>
             </a:lvl3pPr>
             <a:lvl4pPr marL="1371600" indent="0">
               <a:buNone/>
-              <a:defRPr sz="1000"/>
+              <a:defRPr sz="1600"/>
             </a:lvl4pPr>
             <a:lvl5pPr marL="1828800" indent="0">
               <a:buNone/>
-              <a:defRPr sz="1000"/>
+              <a:defRPr sz="1600"/>
             </a:lvl5pPr>
             <a:lvl6pPr marL="2286000" indent="0">
               <a:buNone/>
-              <a:defRPr sz="1000"/>
+              <a:defRPr sz="1600"/>
             </a:lvl6pPr>
             <a:lvl7pPr marL="2743200" indent="0">
               <a:buNone/>
-              <a:defRPr sz="1000"/>
+              <a:defRPr sz="1600"/>
             </a:lvl7pPr>
             <a:lvl8pPr marL="3200400" indent="0">
               <a:buNone/>
-              <a:defRPr sz="1000"/>
+              <a:defRPr sz="1600"/>
             </a:lvl8pPr>
             <a:lvl9pPr marL="3657600" indent="0">
               <a:buNone/>
-              <a:defRPr sz="1000"/>
+              <a:defRPr sz="1600"/>
             </a:lvl9pPr>
           </a:lstStyle>
           <a:p>
+            <a:r>
+              <a:rPr lang="zh-CN" altLang="en-US"/>
+              <a:t>单击图标添加图片</a:t>
+            </a:r>
+            <a:endParaRPr lang="en-US" dirty="0"/>
+          </a:p>
+        </p:txBody>
+      </p:sp>
+      <p:sp>
+        <p:nvSpPr>
+          <p:cNvPr id="4" name="Text Placeholder 3"/>
+          <p:cNvSpPr>
+            <a:spLocks noGrp="1"/>
+          </p:cNvSpPr>
+          <p:nvPr>
+            <p:ph type="body" sz="half" idx="2"/>
+          </p:nvPr>
+        </p:nvSpPr>
+        <p:spPr>
+          <a:xfrm>
+            <a:off x="1482724" y="3124199"/>
+            <a:ext cx="5426158" cy="1828800"/>
+          </a:xfrm>
+        </p:spPr>
+        <p:txBody>
+          <a:bodyPr>
+            <a:normAutofit/>
+          </a:bodyPr>
+          <a:lstStyle>
+            <a:lvl1pPr marL="0" indent="0" algn="ctr">
+              <a:buNone/>
+              <a:defRPr sz="1800"/>
+            </a:lvl1pPr>
+            <a:lvl2pPr marL="457200" indent="0">
+              <a:buNone/>
+              <a:defRPr sz="1200"/>
+            </a:lvl2pPr>
+            <a:lvl3pPr marL="914400" indent="0">
+              <a:buNone/>
+              <a:defRPr sz="1000"/>
+            </a:lvl3pPr>
+            <a:lvl4pPr marL="1371600" indent="0">
+              <a:buNone/>
+              <a:defRPr sz="900"/>
+            </a:lvl4pPr>
+            <a:lvl5pPr marL="1828800" indent="0">
+              <a:buNone/>
+              <a:defRPr sz="900"/>
+            </a:lvl5pPr>
+            <a:lvl6pPr marL="2286000" indent="0">
+              <a:buNone/>
+              <a:defRPr sz="900"/>
+            </a:lvl6pPr>
+            <a:lvl7pPr marL="2743200" indent="0">
+              <a:buNone/>
+              <a:defRPr sz="900"/>
+            </a:lvl7pPr>
+            <a:lvl8pPr marL="3200400" indent="0">
+              <a:buNone/>
+              <a:defRPr sz="900"/>
+            </a:lvl8pPr>
+            <a:lvl9pPr marL="3657600" indent="0">
+              <a:buNone/>
+              <a:defRPr sz="900"/>
+            </a:lvl9pPr>
+          </a:lstStyle>
+          <a:p>
             <a:pPr lvl="0"/>
             <a:r>
               <a:rPr lang="zh-CN" altLang="en-US"/>
@@ -2658,13 +5072,7 @@
       </p:sp>
       <p:sp>
         <p:nvSpPr>
-          <p:cNvPr id="5" name="日期占位符 4">
-            <a:extLst>
-              <a:ext uri="{FF2B5EF4-FFF2-40B4-BE49-F238E27FC236}">
-                <a16:creationId xmlns:a16="http://schemas.microsoft.com/office/drawing/2014/main" id="{E0897793-0CCE-4018-A5C6-78B794BC7BEB}"/>
-              </a:ext>
-            </a:extLst>
-          </p:cNvPr>
+          <p:cNvPr id="5" name="Date Placeholder 4"/>
           <p:cNvSpPr>
             <a:spLocks noGrp="1"/>
           </p:cNvSpPr>
@@ -2687,13 +5095,7 @@
       </p:sp>
       <p:sp>
         <p:nvSpPr>
-          <p:cNvPr id="6" name="页脚占位符 5">
-            <a:extLst>
-              <a:ext uri="{FF2B5EF4-FFF2-40B4-BE49-F238E27FC236}">
-                <a16:creationId xmlns:a16="http://schemas.microsoft.com/office/drawing/2014/main" id="{B440AE8F-33E7-4D69-BB63-62DEB185F967}"/>
-              </a:ext>
-            </a:extLst>
-          </p:cNvPr>
+          <p:cNvPr id="6" name="Footer Placeholder 5"/>
           <p:cNvSpPr>
             <a:spLocks noGrp="1"/>
           </p:cNvSpPr>
@@ -2712,13 +5114,7 @@
       </p:sp>
       <p:sp>
         <p:nvSpPr>
-          <p:cNvPr id="7" name="灯片编号占位符 6">
-            <a:extLst>
-              <a:ext uri="{FF2B5EF4-FFF2-40B4-BE49-F238E27FC236}">
-                <a16:creationId xmlns:a16="http://schemas.microsoft.com/office/drawing/2014/main" id="{1A1E7A8F-C129-44A9-917F-D12C3649EA9F}"/>
-              </a:ext>
-            </a:extLst>
-          </p:cNvPr>
+          <p:cNvPr id="7" name="Slide Number Placeholder 6"/>
           <p:cNvSpPr>
             <a:spLocks noGrp="1"/>
           </p:cNvSpPr>
@@ -2742,7 +5138,7 @@
     </p:spTree>
     <p:extLst>
       <p:ext uri="{BB962C8B-B14F-4D97-AF65-F5344CB8AC3E}">
-        <p14:creationId xmlns:p14="http://schemas.microsoft.com/office/powerpoint/2010/main" val="2441068501"/>
+        <p14:creationId xmlns:p14="http://schemas.microsoft.com/office/powerpoint/2010/main" val="3968532324"/>
       </p:ext>
     </p:extLst>
   </p:cSld>
@@ -2756,8 +5152,8 @@
 <p:sldMaster xmlns:a="http://schemas.openxmlformats.org/drawingml/2006/main" xmlns:r="http://schemas.openxmlformats.org/officeDocument/2006/relationships" xmlns:p="http://schemas.openxmlformats.org/presentationml/2006/main">
   <p:cSld>
     <p:bg>
-      <p:bgRef idx="1001">
-        <a:schemeClr val="bg1"/>
+      <p:bgRef idx="1003">
+        <a:schemeClr val="bg2"/>
       </p:bgRef>
     </p:bg>
     <p:spTree>
@@ -2774,15 +5170,325 @@
           <a:chExt cx="0" cy="0"/>
         </a:xfrm>
       </p:grpSpPr>
-      <p:sp>
-        <p:nvSpPr>
-          <p:cNvPr id="2" name="标题占位符 1">
-            <a:extLst>
-              <a:ext uri="{FF2B5EF4-FFF2-40B4-BE49-F238E27FC236}">
-                <a16:creationId xmlns:a16="http://schemas.microsoft.com/office/drawing/2014/main" id="{C728792B-80BC-40E2-9937-805820A985E1}"/>
-              </a:ext>
-            </a:extLst>
-          </p:cNvPr>
+      <p:grpSp>
+        <p:nvGrpSpPr>
+          <p:cNvPr id="7" name="Group 6"/>
+          <p:cNvGrpSpPr/>
+          <p:nvPr/>
+        </p:nvGrpSpPr>
+        <p:grpSpPr>
+          <a:xfrm>
+            <a:off x="150812" y="0"/>
+            <a:ext cx="2436813" cy="6858001"/>
+            <a:chOff x="1320800" y="0"/>
+            <a:chExt cx="2436813" cy="6858001"/>
+          </a:xfrm>
+        </p:grpSpPr>
+        <p:sp>
+          <p:nvSpPr>
+            <p:cNvPr id="8" name="Freeform 6"/>
+            <p:cNvSpPr/>
+            <p:nvPr/>
+          </p:nvSpPr>
+          <p:spPr bwMode="auto">
+            <a:xfrm>
+              <a:off x="1627188" y="0"/>
+              <a:ext cx="1122363" cy="5329238"/>
+            </a:xfrm>
+            <a:custGeom>
+              <a:avLst/>
+              <a:gdLst/>
+              <a:ahLst/>
+              <a:cxnLst/>
+              <a:rect l="0" t="0" r="r" b="b"/>
+              <a:pathLst>
+                <a:path w="707" h="3357">
+                  <a:moveTo>
+                    <a:pt x="0" y="3330"/>
+                  </a:moveTo>
+                  <a:lnTo>
+                    <a:pt x="156" y="3357"/>
+                  </a:lnTo>
+                  <a:lnTo>
+                    <a:pt x="707" y="0"/>
+                  </a:lnTo>
+                  <a:lnTo>
+                    <a:pt x="547" y="0"/>
+                  </a:lnTo>
+                  <a:lnTo>
+                    <a:pt x="0" y="3330"/>
+                  </a:lnTo>
+                  <a:close/>
+                </a:path>
+              </a:pathLst>
+            </a:custGeom>
+            <a:solidFill>
+              <a:schemeClr val="accent1"/>
+            </a:solidFill>
+            <a:ln>
+              <a:noFill/>
+            </a:ln>
+          </p:spPr>
+        </p:sp>
+        <p:sp>
+          <p:nvSpPr>
+            <p:cNvPr id="9" name="Freeform 7"/>
+            <p:cNvSpPr/>
+            <p:nvPr/>
+          </p:nvSpPr>
+          <p:spPr bwMode="auto">
+            <a:xfrm>
+              <a:off x="1320800" y="0"/>
+              <a:ext cx="1117600" cy="5276850"/>
+            </a:xfrm>
+            <a:custGeom>
+              <a:avLst/>
+              <a:gdLst/>
+              <a:ahLst/>
+              <a:cxnLst/>
+              <a:rect l="0" t="0" r="r" b="b"/>
+              <a:pathLst>
+                <a:path w="704" h="3324">
+                  <a:moveTo>
+                    <a:pt x="704" y="0"/>
+                  </a:moveTo>
+                  <a:lnTo>
+                    <a:pt x="545" y="0"/>
+                  </a:lnTo>
+                  <a:lnTo>
+                    <a:pt x="0" y="3300"/>
+                  </a:lnTo>
+                  <a:lnTo>
+                    <a:pt x="157" y="3324"/>
+                  </a:lnTo>
+                  <a:lnTo>
+                    <a:pt x="704" y="0"/>
+                  </a:lnTo>
+                  <a:close/>
+                </a:path>
+              </a:pathLst>
+            </a:custGeom>
+            <a:solidFill>
+              <a:schemeClr val="tx1">
+                <a:lumMod val="65000"/>
+                <a:lumOff val="35000"/>
+              </a:schemeClr>
+            </a:solidFill>
+            <a:ln>
+              <a:noFill/>
+            </a:ln>
+          </p:spPr>
+        </p:sp>
+        <p:sp>
+          <p:nvSpPr>
+            <p:cNvPr id="10" name="Freeform 8"/>
+            <p:cNvSpPr/>
+            <p:nvPr/>
+          </p:nvSpPr>
+          <p:spPr bwMode="auto">
+            <a:xfrm>
+              <a:off x="1320800" y="5238750"/>
+              <a:ext cx="1228725" cy="1619250"/>
+            </a:xfrm>
+            <a:custGeom>
+              <a:avLst/>
+              <a:gdLst/>
+              <a:ahLst/>
+              <a:cxnLst/>
+              <a:rect l="0" t="0" r="r" b="b"/>
+              <a:pathLst>
+                <a:path w="774" h="1020">
+                  <a:moveTo>
+                    <a:pt x="0" y="0"/>
+                  </a:moveTo>
+                  <a:lnTo>
+                    <a:pt x="740" y="1020"/>
+                  </a:lnTo>
+                  <a:lnTo>
+                    <a:pt x="774" y="1020"/>
+                  </a:lnTo>
+                  <a:lnTo>
+                    <a:pt x="0" y="0"/>
+                  </a:lnTo>
+                  <a:close/>
+                </a:path>
+              </a:pathLst>
+            </a:custGeom>
+            <a:solidFill>
+              <a:schemeClr val="tx1">
+                <a:lumMod val="85000"/>
+                <a:lumOff val="15000"/>
+              </a:schemeClr>
+            </a:solidFill>
+            <a:ln>
+              <a:noFill/>
+            </a:ln>
+          </p:spPr>
+        </p:sp>
+        <p:sp>
+          <p:nvSpPr>
+            <p:cNvPr id="11" name="Freeform 9"/>
+            <p:cNvSpPr/>
+            <p:nvPr/>
+          </p:nvSpPr>
+          <p:spPr bwMode="auto">
+            <a:xfrm>
+              <a:off x="1627188" y="5291138"/>
+              <a:ext cx="1495425" cy="1566863"/>
+            </a:xfrm>
+            <a:custGeom>
+              <a:avLst/>
+              <a:gdLst/>
+              <a:ahLst/>
+              <a:cxnLst/>
+              <a:rect l="0" t="0" r="r" b="b"/>
+              <a:pathLst>
+                <a:path w="942" h="987">
+                  <a:moveTo>
+                    <a:pt x="0" y="0"/>
+                  </a:moveTo>
+                  <a:lnTo>
+                    <a:pt x="909" y="987"/>
+                  </a:lnTo>
+                  <a:lnTo>
+                    <a:pt x="942" y="987"/>
+                  </a:lnTo>
+                  <a:lnTo>
+                    <a:pt x="0" y="0"/>
+                  </a:lnTo>
+                  <a:close/>
+                </a:path>
+              </a:pathLst>
+            </a:custGeom>
+            <a:solidFill>
+              <a:schemeClr val="accent1">
+                <a:lumMod val="50000"/>
+              </a:schemeClr>
+            </a:solidFill>
+            <a:ln>
+              <a:noFill/>
+            </a:ln>
+          </p:spPr>
+        </p:sp>
+        <p:sp>
+          <p:nvSpPr>
+            <p:cNvPr id="12" name="Freeform 10"/>
+            <p:cNvSpPr/>
+            <p:nvPr/>
+          </p:nvSpPr>
+          <p:spPr bwMode="auto">
+            <a:xfrm>
+              <a:off x="1627188" y="5286375"/>
+              <a:ext cx="2130425" cy="1571625"/>
+            </a:xfrm>
+            <a:custGeom>
+              <a:avLst/>
+              <a:gdLst/>
+              <a:ahLst/>
+              <a:cxnLst/>
+              <a:rect l="0" t="0" r="r" b="b"/>
+              <a:pathLst>
+                <a:path w="1342" h="990">
+                  <a:moveTo>
+                    <a:pt x="0" y="3"/>
+                  </a:moveTo>
+                  <a:lnTo>
+                    <a:pt x="942" y="990"/>
+                  </a:lnTo>
+                  <a:lnTo>
+                    <a:pt x="1342" y="990"/>
+                  </a:lnTo>
+                  <a:lnTo>
+                    <a:pt x="156" y="27"/>
+                  </a:lnTo>
+                  <a:lnTo>
+                    <a:pt x="0" y="0"/>
+                  </a:lnTo>
+                  <a:lnTo>
+                    <a:pt x="0" y="3"/>
+                  </a:lnTo>
+                  <a:close/>
+                </a:path>
+              </a:pathLst>
+            </a:custGeom>
+            <a:solidFill>
+              <a:schemeClr val="accent1">
+                <a:lumMod val="75000"/>
+              </a:schemeClr>
+            </a:solidFill>
+            <a:ln>
+              <a:noFill/>
+            </a:ln>
+          </p:spPr>
+        </p:sp>
+        <p:sp>
+          <p:nvSpPr>
+            <p:cNvPr id="13" name="Freeform 11"/>
+            <p:cNvSpPr/>
+            <p:nvPr/>
+          </p:nvSpPr>
+          <p:spPr bwMode="auto">
+            <a:xfrm>
+              <a:off x="1320800" y="5238750"/>
+              <a:ext cx="1695450" cy="1619250"/>
+            </a:xfrm>
+            <a:custGeom>
+              <a:avLst/>
+              <a:gdLst/>
+              <a:ahLst/>
+              <a:cxnLst/>
+              <a:rect l="0" t="0" r="r" b="b"/>
+              <a:pathLst>
+                <a:path w="1068" h="1020">
+                  <a:moveTo>
+                    <a:pt x="1068" y="1020"/>
+                  </a:moveTo>
+                  <a:lnTo>
+                    <a:pt x="184" y="60"/>
+                  </a:lnTo>
+                  <a:lnTo>
+                    <a:pt x="154" y="27"/>
+                  </a:lnTo>
+                  <a:lnTo>
+                    <a:pt x="157" y="27"/>
+                  </a:lnTo>
+                  <a:lnTo>
+                    <a:pt x="157" y="24"/>
+                  </a:lnTo>
+                  <a:lnTo>
+                    <a:pt x="154" y="24"/>
+                  </a:lnTo>
+                  <a:lnTo>
+                    <a:pt x="0" y="0"/>
+                  </a:lnTo>
+                  <a:lnTo>
+                    <a:pt x="0" y="0"/>
+                  </a:lnTo>
+                  <a:lnTo>
+                    <a:pt x="774" y="1020"/>
+                  </a:lnTo>
+                  <a:lnTo>
+                    <a:pt x="1068" y="1020"/>
+                  </a:lnTo>
+                  <a:close/>
+                </a:path>
+              </a:pathLst>
+            </a:custGeom>
+            <a:solidFill>
+              <a:schemeClr val="tx1">
+                <a:lumMod val="75000"/>
+                <a:lumOff val="25000"/>
+              </a:schemeClr>
+            </a:solidFill>
+            <a:ln>
+              <a:noFill/>
+            </a:ln>
+          </p:spPr>
+        </p:sp>
+      </p:grpSp>
+      <p:sp>
+        <p:nvSpPr>
+          <p:cNvPr id="2" name="Title Placeholder 1"/>
           <p:cNvSpPr>
             <a:spLocks noGrp="1"/>
           </p:cNvSpPr>
@@ -2792,8 +5498,42 @@
         </p:nvSpPr>
         <p:spPr>
           <a:xfrm>
-            <a:off x="838200" y="365125"/>
-            <a:ext cx="10515600" cy="1325563"/>
+            <a:off x="1484311" y="685800"/>
+            <a:ext cx="10018713" cy="1752599"/>
+          </a:xfrm>
+          <a:prstGeom prst="rect">
+            <a:avLst/>
+          </a:prstGeom>
+          <a:effectLst/>
+        </p:spPr>
+        <p:txBody>
+          <a:bodyPr vert="horz" lIns="91440" tIns="45720" rIns="91440" bIns="45720" rtlCol="0" anchor="ctr">
+            <a:normAutofit/>
+          </a:bodyPr>
+          <a:lstStyle/>
+          <a:p>
+            <a:r>
+              <a:rPr lang="zh-CN" altLang="en-US"/>
+              <a:t>单击此处编辑母版标题样式</a:t>
+            </a:r>
+            <a:endParaRPr lang="en-US" dirty="0"/>
+          </a:p>
+        </p:txBody>
+      </p:sp>
+      <p:sp>
+        <p:nvSpPr>
+          <p:cNvPr id="3" name="Text Placeholder 2"/>
+          <p:cNvSpPr>
+            <a:spLocks noGrp="1"/>
+          </p:cNvSpPr>
+          <p:nvPr>
+            <p:ph type="body" idx="1"/>
+          </p:nvPr>
+        </p:nvSpPr>
+        <p:spPr>
+          <a:xfrm>
+            <a:off x="1484310" y="2666999"/>
+            <a:ext cx="10018713" cy="3124201"/>
           </a:xfrm>
           <a:prstGeom prst="rect">
             <a:avLst/>
@@ -2805,100 +5545,98 @@
           </a:bodyPr>
           <a:lstStyle/>
           <a:p>
+            <a:pPr lvl="0"/>
             <a:r>
               <a:rPr lang="zh-CN" altLang="en-US"/>
-              <a:t>单击此处编辑母版标题样式</a:t>
-            </a:r>
-          </a:p>
-        </p:txBody>
-      </p:sp>
-      <p:sp>
-        <p:nvSpPr>
-          <p:cNvPr id="3" name="文本占位符 2">
-            <a:extLst>
-              <a:ext uri="{FF2B5EF4-FFF2-40B4-BE49-F238E27FC236}">
-                <a16:creationId xmlns:a16="http://schemas.microsoft.com/office/drawing/2014/main" id="{002177B5-2D3E-4442-BDBB-6887432A9501}"/>
-              </a:ext>
-            </a:extLst>
-          </p:cNvPr>
-          <p:cNvSpPr>
-            <a:spLocks noGrp="1"/>
-          </p:cNvSpPr>
-          <p:nvPr>
-            <p:ph type="body" idx="1"/>
+              <a:t>单击此处编辑母版文本样式</a:t>
+            </a:r>
+          </a:p>
+          <a:p>
+            <a:pPr lvl="1"/>
+            <a:r>
+              <a:rPr lang="zh-CN" altLang="en-US"/>
+              <a:t>二级</a:t>
+            </a:r>
+          </a:p>
+          <a:p>
+            <a:pPr lvl="2"/>
+            <a:r>
+              <a:rPr lang="zh-CN" altLang="en-US"/>
+              <a:t>三级</a:t>
+            </a:r>
+          </a:p>
+          <a:p>
+            <a:pPr lvl="3"/>
+            <a:r>
+              <a:rPr lang="zh-CN" altLang="en-US"/>
+              <a:t>四级</a:t>
+            </a:r>
+          </a:p>
+          <a:p>
+            <a:pPr lvl="4"/>
+            <a:r>
+              <a:rPr lang="zh-CN" altLang="en-US"/>
+              <a:t>五级</a:t>
+            </a:r>
+            <a:endParaRPr lang="en-US" dirty="0"/>
+          </a:p>
+        </p:txBody>
+      </p:sp>
+      <p:sp>
+        <p:nvSpPr>
+          <p:cNvPr id="4" name="Date Placeholder 3"/>
+          <p:cNvSpPr>
+            <a:spLocks noGrp="1"/>
+          </p:cNvSpPr>
+          <p:nvPr>
+            <p:ph type="dt" sz="half" idx="2"/>
           </p:nvPr>
         </p:nvSpPr>
         <p:spPr>
           <a:xfrm>
-            <a:off x="838200" y="1825625"/>
-            <a:ext cx="10515600" cy="4351338"/>
+            <a:off x="9732656" y="5883275"/>
+            <a:ext cx="1143000" cy="365125"/>
           </a:xfrm>
           <a:prstGeom prst="rect">
             <a:avLst/>
           </a:prstGeom>
         </p:spPr>
         <p:txBody>
-          <a:bodyPr vert="horz" lIns="91440" tIns="45720" rIns="91440" bIns="45720" rtlCol="0">
-            <a:normAutofit/>
-          </a:bodyPr>
-          <a:lstStyle/>
-          <a:p>
-            <a:pPr lvl="0"/>
-            <a:r>
-              <a:rPr lang="zh-CN" altLang="en-US"/>
-              <a:t>单击此处编辑母版文本样式</a:t>
-            </a:r>
-          </a:p>
-          <a:p>
-            <a:pPr lvl="1"/>
-            <a:r>
-              <a:rPr lang="zh-CN" altLang="en-US"/>
-              <a:t>二级</a:t>
-            </a:r>
-          </a:p>
-          <a:p>
-            <a:pPr lvl="2"/>
-            <a:r>
-              <a:rPr lang="zh-CN" altLang="en-US"/>
-              <a:t>三级</a:t>
-            </a:r>
-          </a:p>
-          <a:p>
-            <a:pPr lvl="3"/>
-            <a:r>
-              <a:rPr lang="zh-CN" altLang="en-US"/>
-              <a:t>四级</a:t>
-            </a:r>
-          </a:p>
-          <a:p>
-            <a:pPr lvl="4"/>
-            <a:r>
-              <a:rPr lang="zh-CN" altLang="en-US"/>
-              <a:t>五级</a:t>
-            </a:r>
-          </a:p>
-        </p:txBody>
-      </p:sp>
-      <p:sp>
-        <p:nvSpPr>
-          <p:cNvPr id="4" name="日期占位符 3">
-            <a:extLst>
-              <a:ext uri="{FF2B5EF4-FFF2-40B4-BE49-F238E27FC236}">
-                <a16:creationId xmlns:a16="http://schemas.microsoft.com/office/drawing/2014/main" id="{AE3C3C39-9B85-4091-BFFC-B042243EEF35}"/>
-              </a:ext>
-            </a:extLst>
-          </p:cNvPr>
-          <p:cNvSpPr>
-            <a:spLocks noGrp="1"/>
-          </p:cNvSpPr>
-          <p:nvPr>
-            <p:ph type="dt" sz="half" idx="2"/>
+          <a:bodyPr vert="horz" lIns="91440" tIns="45720" rIns="91440" bIns="45720" rtlCol="0" anchor="ctr"/>
+          <a:lstStyle>
+            <a:lvl1pPr algn="r">
+              <a:defRPr sz="1000" b="0" i="0">
+                <a:solidFill>
+                  <a:schemeClr val="tx1"/>
+                </a:solidFill>
+                <a:effectLst/>
+                <a:latin typeface="+mn-lt"/>
+              </a:defRPr>
+            </a:lvl1pPr>
+          </a:lstStyle>
+          <a:p>
+            <a:fld id="{D5BA07B5-18E0-40AA-8D5D-F3414D5F25C6}" type="datetimeFigureOut">
+              <a:rPr lang="zh-CN" altLang="en-US" smtClean="0"/>
+              <a:t>2019/5/23</a:t>
+            </a:fld>
+            <a:endParaRPr lang="zh-CN" altLang="en-US"/>
+          </a:p>
+        </p:txBody>
+      </p:sp>
+      <p:sp>
+        <p:nvSpPr>
+          <p:cNvPr id="5" name="Footer Placeholder 4"/>
+          <p:cNvSpPr>
+            <a:spLocks noGrp="1"/>
+          </p:cNvSpPr>
+          <p:nvPr>
+            <p:ph type="ftr" sz="quarter" idx="3"/>
           </p:nvPr>
         </p:nvSpPr>
         <p:spPr>
           <a:xfrm>
-            <a:off x="838200" y="6356350"/>
-            <a:ext cx="2743200" cy="365125"/>
+            <a:off x="2572279" y="5883275"/>
+            <a:ext cx="7084177" cy="365125"/>
           </a:xfrm>
           <a:prstGeom prst="rect">
             <a:avLst/>
@@ -2908,44 +5646,34 @@
           <a:bodyPr vert="horz" lIns="91440" tIns="45720" rIns="91440" bIns="45720" rtlCol="0" anchor="ctr"/>
           <a:lstStyle>
             <a:lvl1pPr algn="l">
-              <a:defRPr sz="1200">
-                <a:solidFill>
-                  <a:schemeClr val="tx1">
-                    <a:tint val="75000"/>
-                  </a:schemeClr>
-                </a:solidFill>
+              <a:defRPr sz="1000" b="0" i="0">
+                <a:solidFill>
+                  <a:schemeClr val="tx1"/>
+                </a:solidFill>
+                <a:effectLst/>
+                <a:latin typeface="+mn-lt"/>
               </a:defRPr>
             </a:lvl1pPr>
           </a:lstStyle>
           <a:p>
-            <a:fld id="{D5BA07B5-18E0-40AA-8D5D-F3414D5F25C6}" type="datetimeFigureOut">
-              <a:rPr lang="zh-CN" altLang="en-US" smtClean="0"/>
-              <a:t>2019/5/23</a:t>
-            </a:fld>
             <a:endParaRPr lang="zh-CN" altLang="en-US"/>
           </a:p>
         </p:txBody>
       </p:sp>
       <p:sp>
         <p:nvSpPr>
-          <p:cNvPr id="5" name="页脚占位符 4">
-            <a:extLst>
-              <a:ext uri="{FF2B5EF4-FFF2-40B4-BE49-F238E27FC236}">
-                <a16:creationId xmlns:a16="http://schemas.microsoft.com/office/drawing/2014/main" id="{94607776-00B7-4AF9-9372-877D95538DFB}"/>
-              </a:ext>
-            </a:extLst>
-          </p:cNvPr>
-          <p:cNvSpPr>
-            <a:spLocks noGrp="1"/>
-          </p:cNvSpPr>
-          <p:nvPr>
-            <p:ph type="ftr" sz="quarter" idx="3"/>
+          <p:cNvPr id="6" name="Slide Number Placeholder 5"/>
+          <p:cNvSpPr>
+            <a:spLocks noGrp="1"/>
+          </p:cNvSpPr>
+          <p:nvPr>
+            <p:ph type="sldNum" sz="quarter" idx="4"/>
           </p:nvPr>
         </p:nvSpPr>
         <p:spPr>
           <a:xfrm>
-            <a:off x="4038600" y="6356350"/>
-            <a:ext cx="4114800" cy="365125"/>
+            <a:off x="10951856" y="5883275"/>
+            <a:ext cx="551167" cy="365125"/>
           </a:xfrm>
           <a:prstGeom prst="rect">
             <a:avLst/>
@@ -2954,56 +5682,13 @@
         <p:txBody>
           <a:bodyPr vert="horz" lIns="91440" tIns="45720" rIns="91440" bIns="45720" rtlCol="0" anchor="ctr"/>
           <a:lstStyle>
-            <a:lvl1pPr algn="ctr">
-              <a:defRPr sz="1200">
-                <a:solidFill>
-                  <a:schemeClr val="tx1">
-                    <a:tint val="75000"/>
-                  </a:schemeClr>
-                </a:solidFill>
-              </a:defRPr>
-            </a:lvl1pPr>
-          </a:lstStyle>
-          <a:p>
-            <a:endParaRPr lang="zh-CN" altLang="en-US"/>
-          </a:p>
-        </p:txBody>
-      </p:sp>
-      <p:sp>
-        <p:nvSpPr>
-          <p:cNvPr id="6" name="灯片编号占位符 5">
-            <a:extLst>
-              <a:ext uri="{FF2B5EF4-FFF2-40B4-BE49-F238E27FC236}">
-                <a16:creationId xmlns:a16="http://schemas.microsoft.com/office/drawing/2014/main" id="{4E4AF029-262C-41C0-AD42-DB566F4F7AE9}"/>
-              </a:ext>
-            </a:extLst>
-          </p:cNvPr>
-          <p:cNvSpPr>
-            <a:spLocks noGrp="1"/>
-          </p:cNvSpPr>
-          <p:nvPr>
-            <p:ph type="sldNum" sz="quarter" idx="4"/>
-          </p:nvPr>
-        </p:nvSpPr>
-        <p:spPr>
-          <a:xfrm>
-            <a:off x="8610600" y="6356350"/>
-            <a:ext cx="2743200" cy="365125"/>
-          </a:xfrm>
-          <a:prstGeom prst="rect">
-            <a:avLst/>
-          </a:prstGeom>
-        </p:spPr>
-        <p:txBody>
-          <a:bodyPr vert="horz" lIns="91440" tIns="45720" rIns="91440" bIns="45720" rtlCol="0" anchor="ctr"/>
-          <a:lstStyle>
             <a:lvl1pPr algn="r">
-              <a:defRPr sz="1200">
-                <a:solidFill>
-                  <a:schemeClr val="tx1">
-                    <a:tint val="75000"/>
-                  </a:schemeClr>
-                </a:solidFill>
+              <a:defRPr sz="1000" b="0" i="0">
+                <a:solidFill>
+                  <a:schemeClr val="tx1"/>
+                </a:solidFill>
+                <a:effectLst/>
+                <a:latin typeface="+mn-lt"/>
               </a:defRPr>
             </a:lvl1pPr>
           </a:lstStyle>
@@ -3019,55 +5704,340 @@
     </p:spTree>
     <p:extLst>
       <p:ext uri="{BB962C8B-B14F-4D97-AF65-F5344CB8AC3E}">
-        <p14:creationId xmlns:p14="http://schemas.microsoft.com/office/powerpoint/2010/main" val="2025225117"/>
+        <p14:creationId xmlns:p14="http://schemas.microsoft.com/office/powerpoint/2010/main" val="283101285"/>
       </p:ext>
     </p:extLst>
   </p:cSld>
   <p:clrMap bg1="lt1" tx1="dk1" bg2="lt2" tx2="dk2" accent1="accent1" accent2="accent2" accent3="accent3" accent4="accent4" accent5="accent5" accent6="accent6" hlink="hlink" folHlink="folHlink"/>
   <p:sldLayoutIdLst>
-    <p:sldLayoutId id="2147483649" r:id="rId1"/>
-    <p:sldLayoutId id="2147483650" r:id="rId2"/>
-    <p:sldLayoutId id="2147483651" r:id="rId3"/>
-    <p:sldLayoutId id="2147483652" r:id="rId4"/>
-    <p:sldLayoutId id="2147483653" r:id="rId5"/>
-    <p:sldLayoutId id="2147483654" r:id="rId6"/>
-    <p:sldLayoutId id="2147483655" r:id="rId7"/>
-    <p:sldLayoutId id="2147483656" r:id="rId8"/>
-    <p:sldLayoutId id="2147483657" r:id="rId9"/>
-    <p:sldLayoutId id="2147483658" r:id="rId10"/>
-    <p:sldLayoutId id="2147483659" r:id="rId11"/>
+    <p:sldLayoutId id="2147483661" r:id="rId1"/>
+    <p:sldLayoutId id="2147483662" r:id="rId2"/>
+    <p:sldLayoutId id="2147483663" r:id="rId3"/>
+    <p:sldLayoutId id="2147483664" r:id="rId4"/>
+    <p:sldLayoutId id="2147483665" r:id="rId5"/>
+    <p:sldLayoutId id="2147483666" r:id="rId6"/>
+    <p:sldLayoutId id="2147483667" r:id="rId7"/>
+    <p:sldLayoutId id="2147483668" r:id="rId8"/>
+    <p:sldLayoutId id="2147483669" r:id="rId9"/>
+    <p:sldLayoutId id="2147483670" r:id="rId10"/>
+    <p:sldLayoutId id="2147483671" r:id="rId11"/>
+    <p:sldLayoutId id="2147483672" r:id="rId12"/>
+    <p:sldLayoutId id="2147483673" r:id="rId13"/>
+    <p:sldLayoutId id="2147483674" r:id="rId14"/>
+    <p:sldLayoutId id="2147483675" r:id="rId15"/>
+    <p:sldLayoutId id="2147483676" r:id="rId16"/>
+    <p:sldLayoutId id="2147483677" r:id="rId17"/>
   </p:sldLayoutIdLst>
   <p:txStyles>
     <p:titleStyle>
-      <a:lvl1pPr algn="l" defTabSz="914400" rtl="0" eaLnBrk="1" latinLnBrk="0" hangingPunct="1">
-        <a:lnSpc>
-          <a:spcPct val="90000"/>
-        </a:lnSpc>
+      <a:lvl1pPr algn="ctr" defTabSz="457200" rtl="0" eaLnBrk="1" latinLnBrk="0" hangingPunct="1">
         <a:spcBef>
           <a:spcPct val="0"/>
         </a:spcBef>
         <a:buNone/>
-        <a:defRPr sz="4400" kern="1200">
+        <a:defRPr sz="4000" kern="1200" cap="none">
+          <a:ln w="3175" cmpd="sng">
+            <a:noFill/>
+          </a:ln>
           <a:solidFill>
             <a:schemeClr val="tx1"/>
           </a:solidFill>
+          <a:effectLst/>
           <a:latin typeface="+mj-lt"/>
           <a:ea typeface="+mj-ea"/>
           <a:cs typeface="+mj-cs"/>
         </a:defRPr>
       </a:lvl1pPr>
+      <a:lvl2pPr eaLnBrk="1" hangingPunct="1">
+        <a:defRPr>
+          <a:solidFill>
+            <a:schemeClr val="tx2"/>
+          </a:solidFill>
+        </a:defRPr>
+      </a:lvl2pPr>
+      <a:lvl3pPr eaLnBrk="1" hangingPunct="1">
+        <a:defRPr>
+          <a:solidFill>
+            <a:schemeClr val="tx2"/>
+          </a:solidFill>
+        </a:defRPr>
+      </a:lvl3pPr>
+      <a:lvl4pPr eaLnBrk="1" hangingPunct="1">
+        <a:defRPr>
+          <a:solidFill>
+            <a:schemeClr val="tx2"/>
+          </a:solidFill>
+        </a:defRPr>
+      </a:lvl4pPr>
+      <a:lvl5pPr eaLnBrk="1" hangingPunct="1">
+        <a:defRPr>
+          <a:solidFill>
+            <a:schemeClr val="tx2"/>
+          </a:solidFill>
+        </a:defRPr>
+      </a:lvl5pPr>
+      <a:lvl6pPr eaLnBrk="1" hangingPunct="1">
+        <a:defRPr>
+          <a:solidFill>
+            <a:schemeClr val="tx2"/>
+          </a:solidFill>
+        </a:defRPr>
+      </a:lvl6pPr>
+      <a:lvl7pPr eaLnBrk="1" hangingPunct="1">
+        <a:defRPr>
+          <a:solidFill>
+            <a:schemeClr val="tx2"/>
+          </a:solidFill>
+        </a:defRPr>
+      </a:lvl7pPr>
+      <a:lvl8pPr eaLnBrk="1" hangingPunct="1">
+        <a:defRPr>
+          <a:solidFill>
+            <a:schemeClr val="tx2"/>
+          </a:solidFill>
+        </a:defRPr>
+      </a:lvl8pPr>
+      <a:lvl9pPr eaLnBrk="1" hangingPunct="1">
+        <a:defRPr>
+          <a:solidFill>
+            <a:schemeClr val="tx2"/>
+          </a:solidFill>
+        </a:defRPr>
+      </a:lvl9pPr>
     </p:titleStyle>
     <p:bodyStyle>
-      <a:lvl1pPr marL="228600" indent="-228600" algn="l" defTabSz="914400" rtl="0" eaLnBrk="1" latinLnBrk="0" hangingPunct="1">
-        <a:lnSpc>
-          <a:spcPct val="90000"/>
-        </a:lnSpc>
+      <a:lvl1pPr marL="285750" indent="-285750" algn="l" defTabSz="457200" rtl="0" eaLnBrk="1" latinLnBrk="0" hangingPunct="1">
         <a:spcBef>
-          <a:spcPts val="1000"/>
+          <a:spcPct val="20000"/>
         </a:spcBef>
-        <a:buFont typeface="Arial" panose="020B0604020202020204" pitchFamily="34" charset="0"/>
+        <a:spcAft>
+          <a:spcPts val="600"/>
+        </a:spcAft>
+        <a:buClr>
+          <a:schemeClr val="accent1">
+            <a:lumMod val="75000"/>
+          </a:schemeClr>
+        </a:buClr>
+        <a:buSzPct val="145000"/>
+        <a:buFont typeface="Arial"/>
         <a:buChar char="•"/>
-        <a:defRPr sz="2800" kern="1200">
+        <a:defRPr sz="2400" kern="1200" cap="none">
+          <a:solidFill>
+            <a:schemeClr val="tx1"/>
+          </a:solidFill>
+          <a:effectLst/>
+          <a:latin typeface="+mn-lt"/>
+          <a:ea typeface="+mn-ea"/>
+          <a:cs typeface="+mn-cs"/>
+        </a:defRPr>
+      </a:lvl1pPr>
+      <a:lvl2pPr marL="742950" indent="-285750" algn="l" defTabSz="457200" rtl="0" eaLnBrk="1" latinLnBrk="0" hangingPunct="1">
+        <a:spcBef>
+          <a:spcPct val="20000"/>
+        </a:spcBef>
+        <a:spcAft>
+          <a:spcPts val="600"/>
+        </a:spcAft>
+        <a:buClr>
+          <a:schemeClr val="accent1">
+            <a:lumMod val="75000"/>
+          </a:schemeClr>
+        </a:buClr>
+        <a:buSzPct val="145000"/>
+        <a:buFont typeface="Arial"/>
+        <a:buChar char="•"/>
+        <a:defRPr sz="2000" kern="1200" cap="none">
+          <a:solidFill>
+            <a:schemeClr val="tx1"/>
+          </a:solidFill>
+          <a:effectLst/>
+          <a:latin typeface="+mn-lt"/>
+          <a:ea typeface="+mn-ea"/>
+          <a:cs typeface="+mn-cs"/>
+        </a:defRPr>
+      </a:lvl2pPr>
+      <a:lvl3pPr marL="1200150" indent="-285750" algn="l" defTabSz="457200" rtl="0" eaLnBrk="1" latinLnBrk="0" hangingPunct="1">
+        <a:spcBef>
+          <a:spcPct val="20000"/>
+        </a:spcBef>
+        <a:spcAft>
+          <a:spcPts val="600"/>
+        </a:spcAft>
+        <a:buClr>
+          <a:schemeClr val="accent1">
+            <a:lumMod val="75000"/>
+          </a:schemeClr>
+        </a:buClr>
+        <a:buSzPct val="145000"/>
+        <a:buFont typeface="Arial"/>
+        <a:buChar char="•"/>
+        <a:defRPr sz="1800" kern="1200" cap="none">
+          <a:solidFill>
+            <a:schemeClr val="tx1"/>
+          </a:solidFill>
+          <a:effectLst/>
+          <a:latin typeface="+mn-lt"/>
+          <a:ea typeface="+mn-ea"/>
+          <a:cs typeface="+mn-cs"/>
+        </a:defRPr>
+      </a:lvl3pPr>
+      <a:lvl4pPr marL="1543050" indent="-171450" algn="l" defTabSz="457200" rtl="0" eaLnBrk="1" latinLnBrk="0" hangingPunct="1">
+        <a:spcBef>
+          <a:spcPct val="20000"/>
+        </a:spcBef>
+        <a:spcAft>
+          <a:spcPts val="600"/>
+        </a:spcAft>
+        <a:buClr>
+          <a:schemeClr val="accent1">
+            <a:lumMod val="75000"/>
+          </a:schemeClr>
+        </a:buClr>
+        <a:buSzPct val="145000"/>
+        <a:buFont typeface="Arial"/>
+        <a:buChar char="•"/>
+        <a:defRPr sz="1600" kern="1200" cap="none">
+          <a:solidFill>
+            <a:schemeClr val="tx1"/>
+          </a:solidFill>
+          <a:effectLst/>
+          <a:latin typeface="+mn-lt"/>
+          <a:ea typeface="+mn-ea"/>
+          <a:cs typeface="+mn-cs"/>
+        </a:defRPr>
+      </a:lvl4pPr>
+      <a:lvl5pPr marL="2000250" indent="-171450" algn="l" defTabSz="457200" rtl="0" eaLnBrk="1" latinLnBrk="0" hangingPunct="1">
+        <a:spcBef>
+          <a:spcPct val="20000"/>
+        </a:spcBef>
+        <a:spcAft>
+          <a:spcPts val="600"/>
+        </a:spcAft>
+        <a:buClr>
+          <a:schemeClr val="accent1">
+            <a:lumMod val="75000"/>
+          </a:schemeClr>
+        </a:buClr>
+        <a:buSzPct val="145000"/>
+        <a:buFont typeface="Arial"/>
+        <a:buChar char="•"/>
+        <a:defRPr sz="1400" kern="1200" cap="none">
+          <a:solidFill>
+            <a:schemeClr val="tx1"/>
+          </a:solidFill>
+          <a:effectLst/>
+          <a:latin typeface="+mn-lt"/>
+          <a:ea typeface="+mn-ea"/>
+          <a:cs typeface="+mn-cs"/>
+        </a:defRPr>
+      </a:lvl5pPr>
+      <a:lvl6pPr marL="2514600" indent="-228600" algn="l" defTabSz="457200" rtl="0" eaLnBrk="1" latinLnBrk="0" hangingPunct="1">
+        <a:spcBef>
+          <a:spcPct val="20000"/>
+        </a:spcBef>
+        <a:spcAft>
+          <a:spcPts val="600"/>
+        </a:spcAft>
+        <a:buClr>
+          <a:schemeClr val="accent1">
+            <a:lumMod val="75000"/>
+          </a:schemeClr>
+        </a:buClr>
+        <a:buSzPct val="145000"/>
+        <a:buFont typeface="Arial"/>
+        <a:buChar char="•"/>
+        <a:defRPr sz="1400" kern="1200" cap="none">
+          <a:solidFill>
+            <a:schemeClr val="tx1"/>
+          </a:solidFill>
+          <a:effectLst/>
+          <a:latin typeface="+mn-lt"/>
+          <a:ea typeface="+mn-ea"/>
+          <a:cs typeface="+mn-cs"/>
+        </a:defRPr>
+      </a:lvl6pPr>
+      <a:lvl7pPr marL="2971800" indent="-228600" algn="l" defTabSz="457200" rtl="0" eaLnBrk="1" latinLnBrk="0" hangingPunct="1">
+        <a:spcBef>
+          <a:spcPct val="20000"/>
+        </a:spcBef>
+        <a:spcAft>
+          <a:spcPts val="600"/>
+        </a:spcAft>
+        <a:buClr>
+          <a:schemeClr val="accent1">
+            <a:lumMod val="75000"/>
+          </a:schemeClr>
+        </a:buClr>
+        <a:buSzPct val="145000"/>
+        <a:buFont typeface="Arial"/>
+        <a:buChar char="•"/>
+        <a:defRPr sz="1400" kern="1200" cap="none">
+          <a:solidFill>
+            <a:schemeClr val="tx1"/>
+          </a:solidFill>
+          <a:effectLst/>
+          <a:latin typeface="+mn-lt"/>
+          <a:ea typeface="+mn-ea"/>
+          <a:cs typeface="+mn-cs"/>
+        </a:defRPr>
+      </a:lvl7pPr>
+      <a:lvl8pPr marL="3429000" indent="-228600" algn="l" defTabSz="457200" rtl="0" eaLnBrk="1" latinLnBrk="0" hangingPunct="1">
+        <a:spcBef>
+          <a:spcPct val="20000"/>
+        </a:spcBef>
+        <a:spcAft>
+          <a:spcPts val="600"/>
+        </a:spcAft>
+        <a:buClr>
+          <a:schemeClr val="accent1">
+            <a:lumMod val="75000"/>
+          </a:schemeClr>
+        </a:buClr>
+        <a:buSzPct val="145000"/>
+        <a:buFont typeface="Arial"/>
+        <a:buChar char="•"/>
+        <a:defRPr sz="1400" kern="1200" cap="none">
+          <a:solidFill>
+            <a:schemeClr val="tx1"/>
+          </a:solidFill>
+          <a:effectLst/>
+          <a:latin typeface="+mn-lt"/>
+          <a:ea typeface="+mn-ea"/>
+          <a:cs typeface="+mn-cs"/>
+        </a:defRPr>
+      </a:lvl8pPr>
+      <a:lvl9pPr marL="3886200" indent="-228600" algn="l" defTabSz="457200" rtl="0" eaLnBrk="1" latinLnBrk="0" hangingPunct="1">
+        <a:spcBef>
+          <a:spcPct val="20000"/>
+        </a:spcBef>
+        <a:spcAft>
+          <a:spcPts val="600"/>
+        </a:spcAft>
+        <a:buClr>
+          <a:schemeClr val="accent1">
+            <a:lumMod val="75000"/>
+          </a:schemeClr>
+        </a:buClr>
+        <a:buSzPct val="145000"/>
+        <a:buFont typeface="Arial"/>
+        <a:buChar char="•"/>
+        <a:defRPr sz="1400" kern="1200" cap="none">
+          <a:solidFill>
+            <a:schemeClr val="tx1"/>
+          </a:solidFill>
+          <a:effectLst/>
+          <a:latin typeface="+mn-lt"/>
+          <a:ea typeface="+mn-ea"/>
+          <a:cs typeface="+mn-cs"/>
+        </a:defRPr>
+      </a:lvl9pPr>
+    </p:bodyStyle>
+    <p:otherStyle>
+      <a:defPPr>
+        <a:defRPr lang="en-US"/>
+      </a:defPPr>
+      <a:lvl1pPr marL="0" algn="l" defTabSz="457200" rtl="0" eaLnBrk="1" latinLnBrk="0" hangingPunct="1">
+        <a:defRPr sz="1800" kern="1200">
           <a:solidFill>
             <a:schemeClr val="tx1"/>
           </a:solidFill>
@@ -3076,16 +6046,8 @@
           <a:cs typeface="+mn-cs"/>
         </a:defRPr>
       </a:lvl1pPr>
-      <a:lvl2pPr marL="685800" indent="-228600" algn="l" defTabSz="914400" rtl="0" eaLnBrk="1" latinLnBrk="0" hangingPunct="1">
-        <a:lnSpc>
-          <a:spcPct val="90000"/>
-        </a:lnSpc>
-        <a:spcBef>
-          <a:spcPts val="500"/>
-        </a:spcBef>
-        <a:buFont typeface="Arial" panose="020B0604020202020204" pitchFamily="34" charset="0"/>
-        <a:buChar char="•"/>
-        <a:defRPr sz="2400" kern="1200">
+      <a:lvl2pPr marL="457200" algn="l" defTabSz="457200" rtl="0" eaLnBrk="1" latinLnBrk="0" hangingPunct="1">
+        <a:defRPr sz="1800" kern="1200">
           <a:solidFill>
             <a:schemeClr val="tx1"/>
           </a:solidFill>
@@ -3094,16 +6056,8 @@
           <a:cs typeface="+mn-cs"/>
         </a:defRPr>
       </a:lvl2pPr>
-      <a:lvl3pPr marL="1143000" indent="-228600" algn="l" defTabSz="914400" rtl="0" eaLnBrk="1" latinLnBrk="0" hangingPunct="1">
-        <a:lnSpc>
-          <a:spcPct val="90000"/>
-        </a:lnSpc>
-        <a:spcBef>
-          <a:spcPts val="500"/>
-        </a:spcBef>
-        <a:buFont typeface="Arial" panose="020B0604020202020204" pitchFamily="34" charset="0"/>
-        <a:buChar char="•"/>
-        <a:defRPr sz="2000" kern="1200">
+      <a:lvl3pPr marL="914400" algn="l" defTabSz="457200" rtl="0" eaLnBrk="1" latinLnBrk="0" hangingPunct="1">
+        <a:defRPr sz="1800" kern="1200">
           <a:solidFill>
             <a:schemeClr val="tx1"/>
           </a:solidFill>
@@ -3112,15 +6066,7 @@
           <a:cs typeface="+mn-cs"/>
         </a:defRPr>
       </a:lvl3pPr>
-      <a:lvl4pPr marL="1600200" indent="-228600" algn="l" defTabSz="914400" rtl="0" eaLnBrk="1" latinLnBrk="0" hangingPunct="1">
-        <a:lnSpc>
-          <a:spcPct val="90000"/>
-        </a:lnSpc>
-        <a:spcBef>
-          <a:spcPts val="500"/>
-        </a:spcBef>
-        <a:buFont typeface="Arial" panose="020B0604020202020204" pitchFamily="34" charset="0"/>
-        <a:buChar char="•"/>
+      <a:lvl4pPr marL="1371600" algn="l" defTabSz="457200" rtl="0" eaLnBrk="1" latinLnBrk="0" hangingPunct="1">
         <a:defRPr sz="1800" kern="1200">
           <a:solidFill>
             <a:schemeClr val="tx1"/>
@@ -3130,15 +6076,7 @@
           <a:cs typeface="+mn-cs"/>
         </a:defRPr>
       </a:lvl4pPr>
-      <a:lvl5pPr marL="2057400" indent="-228600" algn="l" defTabSz="914400" rtl="0" eaLnBrk="1" latinLnBrk="0" hangingPunct="1">
-        <a:lnSpc>
-          <a:spcPct val="90000"/>
-        </a:lnSpc>
-        <a:spcBef>
-          <a:spcPts val="500"/>
-        </a:spcBef>
-        <a:buFont typeface="Arial" panose="020B0604020202020204" pitchFamily="34" charset="0"/>
-        <a:buChar char="•"/>
+      <a:lvl5pPr marL="1828800" algn="l" defTabSz="457200" rtl="0" eaLnBrk="1" latinLnBrk="0" hangingPunct="1">
         <a:defRPr sz="1800" kern="1200">
           <a:solidFill>
             <a:schemeClr val="tx1"/>
@@ -3148,15 +6086,7 @@
           <a:cs typeface="+mn-cs"/>
         </a:defRPr>
       </a:lvl5pPr>
-      <a:lvl6pPr marL="2514600" indent="-228600" algn="l" defTabSz="914400" rtl="0" eaLnBrk="1" latinLnBrk="0" hangingPunct="1">
-        <a:lnSpc>
-          <a:spcPct val="90000"/>
-        </a:lnSpc>
-        <a:spcBef>
-          <a:spcPts val="500"/>
-        </a:spcBef>
-        <a:buFont typeface="Arial" panose="020B0604020202020204" pitchFamily="34" charset="0"/>
-        <a:buChar char="•"/>
+      <a:lvl6pPr marL="2286000" algn="l" defTabSz="457200" rtl="0" eaLnBrk="1" latinLnBrk="0" hangingPunct="1">
         <a:defRPr sz="1800" kern="1200">
           <a:solidFill>
             <a:schemeClr val="tx1"/>
@@ -3166,15 +6096,7 @@
           <a:cs typeface="+mn-cs"/>
         </a:defRPr>
       </a:lvl6pPr>
-      <a:lvl7pPr marL="2971800" indent="-228600" algn="l" defTabSz="914400" rtl="0" eaLnBrk="1" latinLnBrk="0" hangingPunct="1">
-        <a:lnSpc>
-          <a:spcPct val="90000"/>
-        </a:lnSpc>
-        <a:spcBef>
-          <a:spcPts val="500"/>
-        </a:spcBef>
-        <a:buFont typeface="Arial" panose="020B0604020202020204" pitchFamily="34" charset="0"/>
-        <a:buChar char="•"/>
+      <a:lvl7pPr marL="2743200" algn="l" defTabSz="457200" rtl="0" eaLnBrk="1" latinLnBrk="0" hangingPunct="1">
         <a:defRPr sz="1800" kern="1200">
           <a:solidFill>
             <a:schemeClr val="tx1"/>
@@ -3184,15 +6106,7 @@
           <a:cs typeface="+mn-cs"/>
         </a:defRPr>
       </a:lvl7pPr>
-      <a:lvl8pPr marL="3429000" indent="-228600" algn="l" defTabSz="914400" rtl="0" eaLnBrk="1" latinLnBrk="0" hangingPunct="1">
-        <a:lnSpc>
-          <a:spcPct val="90000"/>
-        </a:lnSpc>
-        <a:spcBef>
-          <a:spcPts val="500"/>
-        </a:spcBef>
-        <a:buFont typeface="Arial" panose="020B0604020202020204" pitchFamily="34" charset="0"/>
-        <a:buChar char="•"/>
+      <a:lvl8pPr marL="3200400" algn="l" defTabSz="457200" rtl="0" eaLnBrk="1" latinLnBrk="0" hangingPunct="1">
         <a:defRPr sz="1800" kern="1200">
           <a:solidFill>
             <a:schemeClr val="tx1"/>
@@ -3202,110 +6116,7 @@
           <a:cs typeface="+mn-cs"/>
         </a:defRPr>
       </a:lvl8pPr>
-      <a:lvl9pPr marL="3886200" indent="-228600" algn="l" defTabSz="914400" rtl="0" eaLnBrk="1" latinLnBrk="0" hangingPunct="1">
-        <a:lnSpc>
-          <a:spcPct val="90000"/>
-        </a:lnSpc>
-        <a:spcBef>
-          <a:spcPts val="500"/>
-        </a:spcBef>
-        <a:buFont typeface="Arial" panose="020B0604020202020204" pitchFamily="34" charset="0"/>
-        <a:buChar char="•"/>
-        <a:defRPr sz="1800" kern="1200">
-          <a:solidFill>
-            <a:schemeClr val="tx1"/>
-          </a:solidFill>
-          <a:latin typeface="+mn-lt"/>
-          <a:ea typeface="+mn-ea"/>
-          <a:cs typeface="+mn-cs"/>
-        </a:defRPr>
-      </a:lvl9pPr>
-    </p:bodyStyle>
-    <p:otherStyle>
-      <a:defPPr>
-        <a:defRPr lang="zh-CN"/>
-      </a:defPPr>
-      <a:lvl1pPr marL="0" algn="l" defTabSz="914400" rtl="0" eaLnBrk="1" latinLnBrk="0" hangingPunct="1">
-        <a:defRPr sz="1800" kern="1200">
-          <a:solidFill>
-            <a:schemeClr val="tx1"/>
-          </a:solidFill>
-          <a:latin typeface="+mn-lt"/>
-          <a:ea typeface="+mn-ea"/>
-          <a:cs typeface="+mn-cs"/>
-        </a:defRPr>
-      </a:lvl1pPr>
-      <a:lvl2pPr marL="457200" algn="l" defTabSz="914400" rtl="0" eaLnBrk="1" latinLnBrk="0" hangingPunct="1">
-        <a:defRPr sz="1800" kern="1200">
-          <a:solidFill>
-            <a:schemeClr val="tx1"/>
-          </a:solidFill>
-          <a:latin typeface="+mn-lt"/>
-          <a:ea typeface="+mn-ea"/>
-          <a:cs typeface="+mn-cs"/>
-        </a:defRPr>
-      </a:lvl2pPr>
-      <a:lvl3pPr marL="914400" algn="l" defTabSz="914400" rtl="0" eaLnBrk="1" latinLnBrk="0" hangingPunct="1">
-        <a:defRPr sz="1800" kern="1200">
-          <a:solidFill>
-            <a:schemeClr val="tx1"/>
-          </a:solidFill>
-          <a:latin typeface="+mn-lt"/>
-          <a:ea typeface="+mn-ea"/>
-          <a:cs typeface="+mn-cs"/>
-        </a:defRPr>
-      </a:lvl3pPr>
-      <a:lvl4pPr marL="1371600" algn="l" defTabSz="914400" rtl="0" eaLnBrk="1" latinLnBrk="0" hangingPunct="1">
-        <a:defRPr sz="1800" kern="1200">
-          <a:solidFill>
-            <a:schemeClr val="tx1"/>
-          </a:solidFill>
-          <a:latin typeface="+mn-lt"/>
-          <a:ea typeface="+mn-ea"/>
-          <a:cs typeface="+mn-cs"/>
-        </a:defRPr>
-      </a:lvl4pPr>
-      <a:lvl5pPr marL="1828800" algn="l" defTabSz="914400" rtl="0" eaLnBrk="1" latinLnBrk="0" hangingPunct="1">
-        <a:defRPr sz="1800" kern="1200">
-          <a:solidFill>
-            <a:schemeClr val="tx1"/>
-          </a:solidFill>
-          <a:latin typeface="+mn-lt"/>
-          <a:ea typeface="+mn-ea"/>
-          <a:cs typeface="+mn-cs"/>
-        </a:defRPr>
-      </a:lvl5pPr>
-      <a:lvl6pPr marL="2286000" algn="l" defTabSz="914400" rtl="0" eaLnBrk="1" latinLnBrk="0" hangingPunct="1">
-        <a:defRPr sz="1800" kern="1200">
-          <a:solidFill>
-            <a:schemeClr val="tx1"/>
-          </a:solidFill>
-          <a:latin typeface="+mn-lt"/>
-          <a:ea typeface="+mn-ea"/>
-          <a:cs typeface="+mn-cs"/>
-        </a:defRPr>
-      </a:lvl6pPr>
-      <a:lvl7pPr marL="2743200" algn="l" defTabSz="914400" rtl="0" eaLnBrk="1" latinLnBrk="0" hangingPunct="1">
-        <a:defRPr sz="1800" kern="1200">
-          <a:solidFill>
-            <a:schemeClr val="tx1"/>
-          </a:solidFill>
-          <a:latin typeface="+mn-lt"/>
-          <a:ea typeface="+mn-ea"/>
-          <a:cs typeface="+mn-cs"/>
-        </a:defRPr>
-      </a:lvl7pPr>
-      <a:lvl8pPr marL="3200400" algn="l" defTabSz="914400" rtl="0" eaLnBrk="1" latinLnBrk="0" hangingPunct="1">
-        <a:defRPr sz="1800" kern="1200">
-          <a:solidFill>
-            <a:schemeClr val="tx1"/>
-          </a:solidFill>
-          <a:latin typeface="+mn-lt"/>
-          <a:ea typeface="+mn-ea"/>
-          <a:cs typeface="+mn-cs"/>
-        </a:defRPr>
-      </a:lvl8pPr>
-      <a:lvl9pPr marL="3657600" algn="l" defTabSz="914400" rtl="0" eaLnBrk="1" latinLnBrk="0" hangingPunct="1">
+      <a:lvl9pPr marL="3657600" algn="l" defTabSz="457200" rtl="0" eaLnBrk="1" latinLnBrk="0" hangingPunct="1">
         <a:defRPr sz="1800" kern="1200">
           <a:solidFill>
             <a:schemeClr val="tx1"/>
@@ -3506,7 +6317,12 @@
             <p:ph type="title"/>
           </p:nvPr>
         </p:nvSpPr>
-        <p:spPr/>
+        <p:spPr>
+          <a:xfrm>
+            <a:off x="1678763" y="484554"/>
+            <a:ext cx="10018713" cy="914399"/>
+          </a:xfrm>
+        </p:spPr>
         <p:txBody>
           <a:bodyPr/>
           <a:lstStyle/>
@@ -3608,8 +6424,8 @@
         </p:blipFill>
         <p:spPr>
           <a:xfrm>
-            <a:off x="494522" y="2624064"/>
-            <a:ext cx="11202955" cy="4233936"/>
+            <a:off x="1330669" y="1660850"/>
+            <a:ext cx="10714902" cy="4049486"/>
           </a:xfrm>
           <a:prstGeom prst="rect">
             <a:avLst/>
@@ -4417,7 +7233,9 @@
         </p:nvSpPr>
         <p:spPr/>
         <p:txBody>
-          <a:bodyPr/>
+          <a:bodyPr>
+            <a:normAutofit fontScale="92500"/>
+          </a:bodyPr>
           <a:lstStyle/>
           <a:p>
             <a:pPr marL="0" indent="0">
@@ -4563,7 +7381,9 @@
         </p:nvSpPr>
         <p:spPr/>
         <p:txBody>
-          <a:bodyPr/>
+          <a:bodyPr>
+            <a:normAutofit fontScale="92500"/>
+          </a:bodyPr>
           <a:lstStyle/>
           <a:p>
             <a:pPr marL="0" indent="0">
@@ -4843,7 +7663,12 @@
             <p:ph type="title"/>
           </p:nvPr>
         </p:nvSpPr>
-        <p:spPr/>
+        <p:spPr>
+          <a:xfrm>
+            <a:off x="1521633" y="0"/>
+            <a:ext cx="10018713" cy="1752599"/>
+          </a:xfrm>
+        </p:spPr>
         <p:txBody>
           <a:bodyPr/>
           <a:lstStyle/>
@@ -4885,8 +7710,8 @@
         </p:blipFill>
         <p:spPr>
           <a:xfrm>
-            <a:off x="276356" y="1690688"/>
-            <a:ext cx="11639288" cy="4364733"/>
+            <a:off x="1521633" y="1866123"/>
+            <a:ext cx="10425013" cy="3909380"/>
           </a:xfrm>
         </p:spPr>
       </p:pic>
@@ -5032,9 +7857,9 @@
 </file>
 
 <file path=ppt/theme/theme1.xml><?xml version="1.0" encoding="utf-8"?>
-<a:theme xmlns:a="http://schemas.openxmlformats.org/drawingml/2006/main" name="Office 主题​​">
+<a:theme xmlns:a="http://schemas.openxmlformats.org/drawingml/2006/main" name="视差">
   <a:themeElements>
-    <a:clrScheme name="Office">
+    <a:clrScheme name="视差">
       <a:dk1>
         <a:sysClr val="windowText" lastClr="000000"/>
       </a:dk1>
@@ -5042,100 +7867,48 @@
         <a:sysClr val="window" lastClr="FFFFFF"/>
       </a:lt1>
       <a:dk2>
-        <a:srgbClr val="44546A"/>
+        <a:srgbClr val="212121"/>
       </a:dk2>
       <a:lt2>
-        <a:srgbClr val="E7E6E6"/>
+        <a:srgbClr val="CDD0D1"/>
       </a:lt2>
       <a:accent1>
-        <a:srgbClr val="4472C4"/>
+        <a:srgbClr val="30ACEC"/>
       </a:accent1>
       <a:accent2>
-        <a:srgbClr val="ED7D31"/>
+        <a:srgbClr val="80C34F"/>
       </a:accent2>
       <a:accent3>
-        <a:srgbClr val="A5A5A5"/>
+        <a:srgbClr val="E29D3E"/>
       </a:accent3>
       <a:accent4>
-        <a:srgbClr val="FFC000"/>
+        <a:srgbClr val="D64A3B"/>
       </a:accent4>
       <a:accent5>
-        <a:srgbClr val="5B9BD5"/>
+        <a:srgbClr val="D64787"/>
       </a:accent5>
       <a:accent6>
-        <a:srgbClr val="70AD47"/>
+        <a:srgbClr val="A666E1"/>
       </a:accent6>
       <a:hlink>
-        <a:srgbClr val="0563C1"/>
+        <a:srgbClr val="3085ED"/>
       </a:hlink>
       <a:folHlink>
-        <a:srgbClr val="954F72"/>
+        <a:srgbClr val="82B6F4"/>
       </a:folHlink>
     </a:clrScheme>
-    <a:fontScheme name="Office">
+    <a:fontScheme name="视差">
       <a:majorFont>
-        <a:latin typeface="等线 Light" panose="020F0302020204030204"/>
+        <a:latin typeface="Corbel" panose="020B0503020204020204"/>
         <a:ea typeface=""/>
         <a:cs typeface=""/>
-        <a:font script="Jpan" typeface="游ゴシック Light"/>
-        <a:font script="Hang" typeface="맑은 고딕"/>
-        <a:font script="Hans" typeface="等线 Light"/>
+        <a:font script="Jpan" typeface="HGｺﾞｼｯｸM"/>
+        <a:font script="Hang" typeface="HY엽서L"/>
+        <a:font script="Hans" typeface="华文楷体"/>
         <a:font script="Hant" typeface="新細明體"/>
-        <a:font script="Arab" typeface="Times New Roman"/>
-        <a:font script="Hebr" typeface="Times New Roman"/>
-        <a:font script="Thai" typeface="Angsana New"/>
-        <a:font script="Ethi" typeface="Nyala"/>
-        <a:font script="Beng" typeface="Vrinda"/>
-        <a:font script="Gujr" typeface="Shruti"/>
-        <a:font script="Khmr" typeface="MoolBoran"/>
-        <a:font script="Knda" typeface="Tunga"/>
-        <a:font script="Guru" typeface="Raavi"/>
-        <a:font script="Cans" typeface="Euphemia"/>
-        <a:font script="Cher" typeface="Plantagenet Cherokee"/>
-        <a:font script="Yiii" typeface="Microsoft Yi Baiti"/>
-        <a:font script="Tibt" typeface="Microsoft Himalaya"/>
-        <a:font script="Thaa" typeface="MV Boli"/>
-        <a:font script="Deva" typeface="Mangal"/>
-        <a:font script="Telu" typeface="Gautami"/>
-        <a:font script="Taml" typeface="Latha"/>
-        <a:font script="Syrc" typeface="Estrangelo Edessa"/>
-        <a:font script="Orya" typeface="Kalinga"/>
-        <a:font script="Mlym" typeface="Kartika"/>
-        <a:font script="Laoo" typeface="DokChampa"/>
-        <a:font script="Sinh" typeface="Iskoola Pota"/>
-        <a:font script="Mong" typeface="Mongolian Baiti"/>
-        <a:font script="Viet" typeface="Times New Roman"/>
-        <a:font script="Uigh" typeface="Microsoft Uighur"/>
-        <a:font script="Geor" typeface="Sylfaen"/>
-        <a:font script="Armn" typeface="Arial"/>
-        <a:font script="Bugi" typeface="Leelawadee UI"/>
-        <a:font script="Bopo" typeface="Microsoft JhengHei"/>
-        <a:font script="Java" typeface="Javanese Text"/>
-        <a:font script="Lisu" typeface="Segoe UI"/>
-        <a:font script="Mymr" typeface="Myanmar Text"/>
-        <a:font script="Nkoo" typeface="Ebrima"/>
-        <a:font script="Olck" typeface="Nirmala UI"/>
-        <a:font script="Osma" typeface="Ebrima"/>
-        <a:font script="Phag" typeface="Phagspa"/>
-        <a:font script="Syrn" typeface="Estrangelo Edessa"/>
-        <a:font script="Syrj" typeface="Estrangelo Edessa"/>
-        <a:font script="Syre" typeface="Estrangelo Edessa"/>
-        <a:font script="Sora" typeface="Nirmala UI"/>
-        <a:font script="Tale" typeface="Microsoft Tai Le"/>
-        <a:font script="Talu" typeface="Microsoft New Tai Lue"/>
-        <a:font script="Tfng" typeface="Ebrima"/>
-      </a:majorFont>
-      <a:minorFont>
-        <a:latin typeface="等线" panose="020F0502020204030204"/>
-        <a:ea typeface=""/>
-        <a:cs typeface=""/>
-        <a:font script="Jpan" typeface="游ゴシック"/>
-        <a:font script="Hang" typeface="맑은 고딕"/>
-        <a:font script="Hans" typeface="等线"/>
-        <a:font script="Hant" typeface="新細明體"/>
-        <a:font script="Arab" typeface="Arial"/>
-        <a:font script="Hebr" typeface="Arial"/>
-        <a:font script="Thai" typeface="Cordia New"/>
+        <a:font script="Arab" typeface="Tahoma"/>
+        <a:font script="Hebr" typeface="Miriam"/>
+        <a:font script="Thai" typeface="DilleniaUPC"/>
         <a:font script="Ethi" typeface="Nyala"/>
         <a:font script="Beng" typeface="Vrinda"/>
         <a:font script="Gujr" typeface="Shruti"/>
@@ -5159,26 +7932,44 @@
         <a:font script="Viet" typeface="Arial"/>
         <a:font script="Uigh" typeface="Microsoft Uighur"/>
         <a:font script="Geor" typeface="Sylfaen"/>
-        <a:font script="Armn" typeface="Arial"/>
-        <a:font script="Bugi" typeface="Leelawadee UI"/>
-        <a:font script="Bopo" typeface="Microsoft JhengHei"/>
-        <a:font script="Java" typeface="Javanese Text"/>
-        <a:font script="Lisu" typeface="Segoe UI"/>
-        <a:font script="Mymr" typeface="Myanmar Text"/>
-        <a:font script="Nkoo" typeface="Ebrima"/>
-        <a:font script="Olck" typeface="Nirmala UI"/>
-        <a:font script="Osma" typeface="Ebrima"/>
-        <a:font script="Phag" typeface="Phagspa"/>
-        <a:font script="Syrn" typeface="Estrangelo Edessa"/>
-        <a:font script="Syrj" typeface="Estrangelo Edessa"/>
-        <a:font script="Syre" typeface="Estrangelo Edessa"/>
-        <a:font script="Sora" typeface="Nirmala UI"/>
-        <a:font script="Tale" typeface="Microsoft Tai Le"/>
-        <a:font script="Talu" typeface="Microsoft New Tai Lue"/>
-        <a:font script="Tfng" typeface="Ebrima"/>
+      </a:majorFont>
+      <a:minorFont>
+        <a:latin typeface="Corbel" panose="020B0503020204020204"/>
+        <a:ea typeface=""/>
+        <a:cs typeface=""/>
+        <a:font script="Jpan" typeface="HGｺﾞｼｯｸM"/>
+        <a:font script="Hang" typeface="HY엽서L"/>
+        <a:font script="Hans" typeface="华文楷体"/>
+        <a:font script="Hant" typeface="新細明體"/>
+        <a:font script="Arab" typeface="Tahoma"/>
+        <a:font script="Hebr" typeface="Miriam"/>
+        <a:font script="Thai" typeface="DilleniaUPC"/>
+        <a:font script="Ethi" typeface="Nyala"/>
+        <a:font script="Beng" typeface="Vrinda"/>
+        <a:font script="Gujr" typeface="Shruti"/>
+        <a:font script="Khmr" typeface="DaunPenh"/>
+        <a:font script="Knda" typeface="Tunga"/>
+        <a:font script="Guru" typeface="Raavi"/>
+        <a:font script="Cans" typeface="Euphemia"/>
+        <a:font script="Cher" typeface="Plantagenet Cherokee"/>
+        <a:font script="Yiii" typeface="Microsoft Yi Baiti"/>
+        <a:font script="Tibt" typeface="Microsoft Himalaya"/>
+        <a:font script="Thaa" typeface="MV Boli"/>
+        <a:font script="Deva" typeface="Mangal"/>
+        <a:font script="Telu" typeface="Gautami"/>
+        <a:font script="Taml" typeface="Latha"/>
+        <a:font script="Syrc" typeface="Estrangelo Edessa"/>
+        <a:font script="Orya" typeface="Kalinga"/>
+        <a:font script="Mlym" typeface="Kartika"/>
+        <a:font script="Laoo" typeface="DokChampa"/>
+        <a:font script="Sinh" typeface="Iskoola Pota"/>
+        <a:font script="Mong" typeface="Mongolian Baiti"/>
+        <a:font script="Viet" typeface="Arial"/>
+        <a:font script="Uigh" typeface="Microsoft Uighur"/>
+        <a:font script="Geor" typeface="Sylfaen"/>
       </a:minorFont>
     </a:fontScheme>
-    <a:fmtScheme name="Office">
+    <a:fmtScheme name="视差">
       <a:fillStyleLst>
         <a:solidFill>
           <a:schemeClr val="phClr"/>
@@ -5187,23 +7978,13 @@
           <a:gsLst>
             <a:gs pos="0">
               <a:schemeClr val="phClr">
-                <a:lumMod val="110000"/>
-                <a:satMod val="105000"/>
-                <a:tint val="67000"/>
-              </a:schemeClr>
-            </a:gs>
-            <a:gs pos="50000">
-              <a:schemeClr val="phClr">
-                <a:lumMod val="105000"/>
-                <a:satMod val="103000"/>
-                <a:tint val="73000"/>
+                <a:tint val="60000"/>
+                <a:lumMod val="104000"/>
               </a:schemeClr>
             </a:gs>
             <a:gs pos="100000">
               <a:schemeClr val="phClr">
-                <a:lumMod val="105000"/>
-                <a:satMod val="109000"/>
-                <a:tint val="81000"/>
+                <a:tint val="84000"/>
               </a:schemeClr>
             </a:gs>
           </a:gsLst>
@@ -5213,50 +7994,42 @@
           <a:gsLst>
             <a:gs pos="0">
               <a:schemeClr val="phClr">
-                <a:satMod val="103000"/>
+                <a:tint val="96000"/>
                 <a:lumMod val="102000"/>
-                <a:tint val="94000"/>
-              </a:schemeClr>
-            </a:gs>
-            <a:gs pos="50000">
-              <a:schemeClr val="phClr">
-                <a:satMod val="110000"/>
-                <a:lumMod val="100000"/>
-                <a:shade val="100000"/>
               </a:schemeClr>
             </a:gs>
             <a:gs pos="100000">
               <a:schemeClr val="phClr">
-                <a:lumMod val="99000"/>
-                <a:satMod val="120000"/>
-                <a:shade val="78000"/>
+                <a:shade val="88000"/>
+                <a:lumMod val="94000"/>
               </a:schemeClr>
             </a:gs>
           </a:gsLst>
-          <a:lin ang="5400000" scaled="0"/>
+          <a:path path="circle">
+            <a:fillToRect l="50000" t="100000" r="100000" b="50000"/>
+          </a:path>
         </a:gradFill>
       </a:fillStyleLst>
       <a:lnStyleLst>
-        <a:ln w="6350" cap="flat" cmpd="sng" algn="ctr">
+        <a:ln w="9525" cap="rnd" cmpd="sng" algn="ctr">
+          <a:solidFill>
+            <a:schemeClr val="phClr">
+              <a:tint val="60000"/>
+            </a:schemeClr>
+          </a:solidFill>
+          <a:prstDash val="solid"/>
+        </a:ln>
+        <a:ln w="15875" cap="rnd" cmpd="sng" algn="ctr">
           <a:solidFill>
             <a:schemeClr val="phClr"/>
           </a:solidFill>
           <a:prstDash val="solid"/>
-          <a:miter lim="800000"/>
         </a:ln>
-        <a:ln w="12700" cap="flat" cmpd="sng" algn="ctr">
+        <a:ln w="22225" cap="rnd" cmpd="sng" algn="ctr">
           <a:solidFill>
             <a:schemeClr val="phClr"/>
           </a:solidFill>
           <a:prstDash val="solid"/>
-          <a:miter lim="800000"/>
-        </a:ln>
-        <a:ln w="19050" cap="flat" cmpd="sng" algn="ctr">
-          <a:solidFill>
-            <a:schemeClr val="phClr"/>
-          </a:solidFill>
-          <a:prstDash val="solid"/>
-          <a:miter lim="800000"/>
         </a:ln>
       </a:lnStyleLst>
       <a:effectStyleLst>
@@ -5264,55 +8037,68 @@
           <a:effectLst/>
         </a:effectStyle>
         <a:effectStyle>
-          <a:effectLst/>
+          <a:effectLst>
+            <a:reflection blurRad="12700" stA="26000" endPos="32000" dist="12700" dir="5400000" sy="-100000" rotWithShape="0"/>
+          </a:effectLst>
         </a:effectStyle>
         <a:effectStyle>
           <a:effectLst>
-            <a:outerShdw blurRad="57150" dist="19050" dir="5400000" algn="ctr" rotWithShape="0">
+            <a:outerShdw blurRad="38100" dist="25400" dir="5400000" rotWithShape="0">
               <a:srgbClr val="000000">
-                <a:alpha val="63000"/>
+                <a:alpha val="64000"/>
               </a:srgbClr>
             </a:outerShdw>
           </a:effectLst>
+          <a:scene3d>
+            <a:camera prst="orthographicFront">
+              <a:rot lat="0" lon="0" rev="0"/>
+            </a:camera>
+            <a:lightRig rig="threePt" dir="tl">
+              <a:rot lat="0" lon="0" rev="1200000"/>
+            </a:lightRig>
+          </a:scene3d>
+          <a:sp3d>
+            <a:bevelT w="25400" h="12700"/>
+          </a:sp3d>
         </a:effectStyle>
       </a:effectStyleLst>
       <a:bgFillStyleLst>
         <a:solidFill>
           <a:schemeClr val="phClr"/>
         </a:solidFill>
-        <a:solidFill>
-          <a:schemeClr val="phClr">
-            <a:tint val="95000"/>
-            <a:satMod val="170000"/>
-          </a:schemeClr>
-        </a:solidFill>
         <a:gradFill rotWithShape="1">
           <a:gsLst>
             <a:gs pos="0">
               <a:schemeClr val="phClr">
-                <a:tint val="93000"/>
-                <a:satMod val="150000"/>
-                <a:shade val="98000"/>
-                <a:lumMod val="102000"/>
-              </a:schemeClr>
-            </a:gs>
-            <a:gs pos="50000">
-              <a:schemeClr val="phClr">
-                <a:tint val="98000"/>
-                <a:satMod val="130000"/>
-                <a:shade val="90000"/>
-                <a:lumMod val="103000"/>
+                <a:tint val="90000"/>
+                <a:lumMod val="110000"/>
               </a:schemeClr>
             </a:gs>
             <a:gs pos="100000">
               <a:schemeClr val="phClr">
-                <a:shade val="63000"/>
-                <a:satMod val="120000"/>
+                <a:shade val="64000"/>
+                <a:lumMod val="98000"/>
               </a:schemeClr>
             </a:gs>
           </a:gsLst>
           <a:lin ang="5400000" scaled="0"/>
         </a:gradFill>
+        <a:blipFill rotWithShape="1">
+          <a:blip xmlns:r="http://schemas.openxmlformats.org/officeDocument/2006/relationships" r:embed="rId1">
+            <a:duotone>
+              <a:schemeClr val="phClr">
+                <a:shade val="76000"/>
+                <a:satMod val="180000"/>
+              </a:schemeClr>
+              <a:schemeClr val="phClr">
+                <a:tint val="80000"/>
+                <a:satMod val="120000"/>
+                <a:lumMod val="180000"/>
+              </a:schemeClr>
+            </a:duotone>
+          </a:blip>
+          <a:stretch/>
+        </a:blipFill>
       </a:bgFillStyleLst>
     </a:fmtScheme>
   </a:themeElements>
@@ -5320,7 +8106,7 @@
   <a:extraClrSchemeLst/>
   <a:extLst>
     <a:ext uri="{05A4C25C-085E-4340-85A3-A5531E510DB2}">
-      <thm15:themeFamily xmlns:thm15="http://schemas.microsoft.com/office/thememl/2012/main" name="Office Theme" id="{62F939B6-93AF-4DB8-9C6B-D6C7DFDC589F}" vid="{4A3C46E8-61CC-4603-A589-7422A47A8E4A}"/>
+      <thm15:themeFamily xmlns:thm15="http://schemas.microsoft.com/office/thememl/2012/main" name="Parallax" id="{3388167B-A2EB-4685-9635-1831D9AEF8C4}" vid="{4F7A876A-7598-49CA-AFC8-8EDA2551E4A7}"/>
     </a:ext>
   </a:extLst>
 </a:theme>

--- a/201905/5-25分享.pptx
+++ b/201905/5-25分享.pptx
@@ -17,6 +17,14 @@
     <p:sldId id="266" r:id="rId11"/>
     <p:sldId id="267" r:id="rId12"/>
     <p:sldId id="258" r:id="rId13"/>
+    <p:sldId id="268" r:id="rId14"/>
+    <p:sldId id="269" r:id="rId15"/>
+    <p:sldId id="270" r:id="rId16"/>
+    <p:sldId id="271" r:id="rId17"/>
+    <p:sldId id="272" r:id="rId18"/>
+    <p:sldId id="273" r:id="rId19"/>
+    <p:sldId id="274" r:id="rId20"/>
+    <p:sldId id="275" r:id="rId21"/>
   </p:sldIdLst>
   <p:sldSz cx="12192000" cy="6858000"/>
   <p:notesSz cx="6858000" cy="9144000"/>
@@ -625,7 +633,7 @@
           <a:p>
             <a:fld id="{D5BA07B5-18E0-40AA-8D5D-F3414D5F25C6}" type="datetimeFigureOut">
               <a:rPr lang="zh-CN" altLang="en-US" smtClean="0"/>
-              <a:t>2019/5/23</a:t>
+              <a:t>2019/5/27</a:t>
             </a:fld>
             <a:endParaRPr lang="zh-CN" altLang="en-US"/>
           </a:p>
@@ -921,7 +929,7 @@
           <a:p>
             <a:fld id="{D5BA07B5-18E0-40AA-8D5D-F3414D5F25C6}" type="datetimeFigureOut">
               <a:rPr lang="zh-CN" altLang="en-US" smtClean="0"/>
-              <a:t>2019/5/23</a:t>
+              <a:t>2019/5/27</a:t>
             </a:fld>
             <a:endParaRPr lang="zh-CN" altLang="en-US"/>
           </a:p>
@@ -1169,7 +1177,7 @@
           <a:p>
             <a:fld id="{D5BA07B5-18E0-40AA-8D5D-F3414D5F25C6}" type="datetimeFigureOut">
               <a:rPr lang="zh-CN" altLang="en-US" smtClean="0"/>
-              <a:t>2019/5/23</a:t>
+              <a:t>2019/5/27</a:t>
             </a:fld>
             <a:endParaRPr lang="zh-CN" altLang="en-US"/>
           </a:p>
@@ -1709,7 +1717,7 @@
           <a:p>
             <a:fld id="{D5BA07B5-18E0-40AA-8D5D-F3414D5F25C6}" type="datetimeFigureOut">
               <a:rPr lang="zh-CN" altLang="en-US" smtClean="0"/>
-              <a:t>2019/5/23</a:t>
+              <a:t>2019/5/27</a:t>
             </a:fld>
             <a:endParaRPr lang="zh-CN" altLang="en-US"/>
           </a:p>
@@ -1957,7 +1965,7 @@
           <a:p>
             <a:fld id="{D5BA07B5-18E0-40AA-8D5D-F3414D5F25C6}" type="datetimeFigureOut">
               <a:rPr lang="zh-CN" altLang="en-US" smtClean="0"/>
-              <a:t>2019/5/23</a:t>
+              <a:t>2019/5/27</a:t>
             </a:fld>
             <a:endParaRPr lang="zh-CN" altLang="en-US"/>
           </a:p>
@@ -2489,7 +2497,7 @@
           <a:p>
             <a:fld id="{D5BA07B5-18E0-40AA-8D5D-F3414D5F25C6}" type="datetimeFigureOut">
               <a:rPr lang="zh-CN" altLang="en-US" smtClean="0"/>
-              <a:t>2019/5/23</a:t>
+              <a:t>2019/5/27</a:t>
             </a:fld>
             <a:endParaRPr lang="zh-CN" altLang="en-US"/>
           </a:p>
@@ -2786,7 +2794,7 @@
           <a:p>
             <a:fld id="{D5BA07B5-18E0-40AA-8D5D-F3414D5F25C6}" type="datetimeFigureOut">
               <a:rPr lang="zh-CN" altLang="en-US" smtClean="0"/>
-              <a:t>2019/5/23</a:t>
+              <a:t>2019/5/27</a:t>
             </a:fld>
             <a:endParaRPr lang="zh-CN" altLang="en-US"/>
           </a:p>
@@ -2960,7 +2968,7 @@
           <a:p>
             <a:fld id="{D5BA07B5-18E0-40AA-8D5D-F3414D5F25C6}" type="datetimeFigureOut">
               <a:rPr lang="zh-CN" altLang="en-US" smtClean="0"/>
-              <a:t>2019/5/23</a:t>
+              <a:t>2019/5/27</a:t>
             </a:fld>
             <a:endParaRPr lang="zh-CN" altLang="en-US"/>
           </a:p>
@@ -3140,7 +3148,7 @@
           <a:p>
             <a:fld id="{D5BA07B5-18E0-40AA-8D5D-F3414D5F25C6}" type="datetimeFigureOut">
               <a:rPr lang="zh-CN" altLang="en-US" smtClean="0"/>
-              <a:t>2019/5/23</a:t>
+              <a:t>2019/5/27</a:t>
             </a:fld>
             <a:endParaRPr lang="zh-CN" altLang="en-US"/>
           </a:p>
@@ -3310,7 +3318,7 @@
           <a:p>
             <a:fld id="{D5BA07B5-18E0-40AA-8D5D-F3414D5F25C6}" type="datetimeFigureOut">
               <a:rPr lang="zh-CN" altLang="en-US" smtClean="0"/>
-              <a:t>2019/5/23</a:t>
+              <a:t>2019/5/27</a:t>
             </a:fld>
             <a:endParaRPr lang="zh-CN" altLang="en-US"/>
           </a:p>
@@ -3561,7 +3569,7 @@
           <a:p>
             <a:fld id="{D5BA07B5-18E0-40AA-8D5D-F3414D5F25C6}" type="datetimeFigureOut">
               <a:rPr lang="zh-CN" altLang="en-US" smtClean="0"/>
-              <a:t>2019/5/23</a:t>
+              <a:t>2019/5/27</a:t>
             </a:fld>
             <a:endParaRPr lang="zh-CN" altLang="en-US"/>
           </a:p>
@@ -3858,7 +3866,7 @@
           <a:p>
             <a:fld id="{D5BA07B5-18E0-40AA-8D5D-F3414D5F25C6}" type="datetimeFigureOut">
               <a:rPr lang="zh-CN" altLang="en-US" smtClean="0"/>
-              <a:t>2019/5/23</a:t>
+              <a:t>2019/5/27</a:t>
             </a:fld>
             <a:endParaRPr lang="zh-CN" altLang="en-US"/>
           </a:p>
@@ -4300,7 +4308,7 @@
           <a:p>
             <a:fld id="{D5BA07B5-18E0-40AA-8D5D-F3414D5F25C6}" type="datetimeFigureOut">
               <a:rPr lang="zh-CN" altLang="en-US" smtClean="0"/>
-              <a:t>2019/5/23</a:t>
+              <a:t>2019/5/27</a:t>
             </a:fld>
             <a:endParaRPr lang="zh-CN" altLang="en-US"/>
           </a:p>
@@ -4418,7 +4426,7 @@
           <a:p>
             <a:fld id="{D5BA07B5-18E0-40AA-8D5D-F3414D5F25C6}" type="datetimeFigureOut">
               <a:rPr lang="zh-CN" altLang="en-US" smtClean="0"/>
-              <a:t>2019/5/23</a:t>
+              <a:t>2019/5/27</a:t>
             </a:fld>
             <a:endParaRPr lang="zh-CN" altLang="en-US"/>
           </a:p>
@@ -4513,7 +4521,7 @@
           <a:p>
             <a:fld id="{D5BA07B5-18E0-40AA-8D5D-F3414D5F25C6}" type="datetimeFigureOut">
               <a:rPr lang="zh-CN" altLang="en-US" smtClean="0"/>
-              <a:t>2019/5/23</a:t>
+              <a:t>2019/5/27</a:t>
             </a:fld>
             <a:endParaRPr lang="zh-CN" altLang="en-US"/>
           </a:p>
@@ -4796,7 +4804,7 @@
           <a:p>
             <a:fld id="{D5BA07B5-18E0-40AA-8D5D-F3414D5F25C6}" type="datetimeFigureOut">
               <a:rPr lang="zh-CN" altLang="en-US" smtClean="0"/>
-              <a:t>2019/5/23</a:t>
+              <a:t>2019/5/27</a:t>
             </a:fld>
             <a:endParaRPr lang="zh-CN" altLang="en-US"/>
           </a:p>
@@ -5087,7 +5095,7 @@
           <a:p>
             <a:fld id="{D5BA07B5-18E0-40AA-8D5D-F3414D5F25C6}" type="datetimeFigureOut">
               <a:rPr lang="zh-CN" altLang="en-US" smtClean="0"/>
-              <a:t>2019/5/23</a:t>
+              <a:t>2019/5/27</a:t>
             </a:fld>
             <a:endParaRPr lang="zh-CN" altLang="en-US"/>
           </a:p>
@@ -5617,7 +5625,7 @@
           <a:p>
             <a:fld id="{D5BA07B5-18E0-40AA-8D5D-F3414D5F25C6}" type="datetimeFigureOut">
               <a:rPr lang="zh-CN" altLang="en-US" smtClean="0"/>
-              <a:t>2019/5/23</a:t>
+              <a:t>2019/5/27</a:t>
             </a:fld>
             <a:endParaRPr lang="zh-CN" altLang="en-US"/>
           </a:p>
@@ -6616,15 +6624,7 @@
             </a:r>
             <a:r>
               <a:rPr lang="en-US" altLang="zh-CN" sz="4000" dirty="0"/>
-              <a:t>WhatsApp(IM</a:t>
-            </a:r>
-            <a:r>
-              <a:rPr lang="zh-CN" altLang="en-US" sz="4000" dirty="0"/>
-              <a:t>应用</a:t>
-            </a:r>
-            <a:r>
-              <a:rPr lang="en-US" altLang="zh-CN" sz="4000" dirty="0"/>
-              <a:t>)</a:t>
+              <a:t>WhatsApp</a:t>
             </a:r>
             <a:r>
               <a:rPr lang="zh-CN" altLang="en-US" sz="4000" dirty="0"/>
@@ -6636,7 +6636,7 @@
             </a:r>
             <a:r>
               <a:rPr lang="zh-CN" altLang="en-US" sz="4000" dirty="0"/>
-              <a:t>的大学生参与到考试实行质量指标中</a:t>
+              <a:t>的大学生参与到有关考试锻炼的小问题中去</a:t>
             </a:r>
             <a:endParaRPr lang="zh-CN" altLang="en-US" dirty="0"/>
           </a:p>
@@ -6705,6 +6705,864 @@
     <p:extLst>
       <p:ext uri="{BB962C8B-B14F-4D97-AF65-F5344CB8AC3E}">
         <p14:creationId xmlns:p14="http://schemas.microsoft.com/office/powerpoint/2010/main" val="1353471084"/>
+      </p:ext>
+    </p:extLst>
+  </p:cSld>
+  <p:clrMapOvr>
+    <a:masterClrMapping/>
+  </p:clrMapOvr>
+</p:sld>
+</file>
+
+<file path=ppt/slides/slide13.xml><?xml version="1.0" encoding="utf-8"?>
+<p:sld xmlns:a="http://schemas.openxmlformats.org/drawingml/2006/main" xmlns:r="http://schemas.openxmlformats.org/officeDocument/2006/relationships" xmlns:p="http://schemas.openxmlformats.org/presentationml/2006/main">
+  <p:cSld>
+    <p:spTree>
+      <p:nvGrpSpPr>
+        <p:cNvPr id="1" name=""/>
+        <p:cNvGrpSpPr/>
+        <p:nvPr/>
+      </p:nvGrpSpPr>
+      <p:grpSpPr>
+        <a:xfrm>
+          <a:off x="0" y="0"/>
+          <a:ext cx="0" cy="0"/>
+          <a:chOff x="0" y="0"/>
+          <a:chExt cx="0" cy="0"/>
+        </a:xfrm>
+      </p:grpSpPr>
+      <p:sp>
+        <p:nvSpPr>
+          <p:cNvPr id="2" name="标题 1">
+            <a:extLst>
+              <a:ext uri="{FF2B5EF4-FFF2-40B4-BE49-F238E27FC236}">
+                <a16:creationId xmlns:a16="http://schemas.microsoft.com/office/drawing/2014/main" id="{AB6BE671-1BC4-406C-837E-69FC2EC812C3}"/>
+              </a:ext>
+            </a:extLst>
+          </p:cNvPr>
+          <p:cNvSpPr>
+            <a:spLocks noGrp="1"/>
+          </p:cNvSpPr>
+          <p:nvPr>
+            <p:ph type="title"/>
+          </p:nvPr>
+        </p:nvSpPr>
+        <p:spPr/>
+        <p:txBody>
+          <a:bodyPr/>
+          <a:lstStyle/>
+          <a:p>
+            <a:r>
+              <a:rPr lang="zh-CN" altLang="en-US" dirty="0"/>
+              <a:t>问题的背景</a:t>
+            </a:r>
+          </a:p>
+        </p:txBody>
+      </p:sp>
+      <p:sp>
+        <p:nvSpPr>
+          <p:cNvPr id="3" name="内容占位符 2">
+            <a:extLst>
+              <a:ext uri="{FF2B5EF4-FFF2-40B4-BE49-F238E27FC236}">
+                <a16:creationId xmlns:a16="http://schemas.microsoft.com/office/drawing/2014/main" id="{DE82886B-CCA9-45C8-9D18-6E3AA46A930D}"/>
+              </a:ext>
+            </a:extLst>
+          </p:cNvPr>
+          <p:cNvSpPr>
+            <a:spLocks noGrp="1"/>
+          </p:cNvSpPr>
+          <p:nvPr>
+            <p:ph idx="1"/>
+          </p:nvPr>
+        </p:nvSpPr>
+        <p:spPr/>
+        <p:txBody>
+          <a:bodyPr/>
+          <a:lstStyle/>
+          <a:p>
+            <a:pPr marL="0" indent="0">
+              <a:buNone/>
+            </a:pPr>
+            <a:r>
+              <a:rPr lang="zh-CN" altLang="en-US" dirty="0"/>
+              <a:t>在一个非洲西部的国家</a:t>
+            </a:r>
+            <a:r>
+              <a:rPr lang="en-US" altLang="zh-CN" dirty="0"/>
+              <a:t>(</a:t>
+            </a:r>
+            <a:r>
+              <a:rPr lang="en-US" altLang="zh-CN" b="1" dirty="0"/>
+              <a:t>Cameroon,</a:t>
+            </a:r>
+            <a:r>
+              <a:rPr lang="zh-CN" altLang="en-US" b="1" dirty="0"/>
+              <a:t>喀麦隆</a:t>
+            </a:r>
+            <a:r>
+              <a:rPr lang="en-US" altLang="zh-CN" dirty="0"/>
+              <a:t>), </a:t>
+            </a:r>
+            <a:r>
+              <a:rPr lang="zh-CN" altLang="en-US" dirty="0"/>
+              <a:t>学生的学士学位考试缺乏学习资料</a:t>
+            </a:r>
+            <a:r>
+              <a:rPr lang="en-US" altLang="zh-CN" dirty="0"/>
+              <a:t>, </a:t>
+            </a:r>
+            <a:r>
+              <a:rPr lang="zh-CN" altLang="en-US" dirty="0"/>
+              <a:t>这个实验试图通过短信或者</a:t>
+            </a:r>
+            <a:r>
+              <a:rPr lang="en-US" altLang="zh-CN" dirty="0"/>
+              <a:t>WhatsApp</a:t>
+            </a:r>
+            <a:r>
+              <a:rPr lang="zh-CN" altLang="en-US" dirty="0"/>
+              <a:t>来向学生推送一些学习相关的问题和资料</a:t>
+            </a:r>
+            <a:r>
+              <a:rPr lang="en-US" altLang="zh-CN" dirty="0"/>
+              <a:t>, </a:t>
+            </a:r>
+            <a:r>
+              <a:rPr lang="zh-CN" altLang="en-US" dirty="0"/>
+              <a:t>唤起学生的学习意识并通过这些重复问题来帮助学生复习和更好的记住学过的知识</a:t>
+            </a:r>
+            <a:r>
+              <a:rPr lang="en-US" altLang="zh-CN" dirty="0"/>
+              <a:t>.</a:t>
+            </a:r>
+            <a:endParaRPr lang="zh-CN" altLang="en-US" dirty="0"/>
+          </a:p>
+        </p:txBody>
+      </p:sp>
+    </p:spTree>
+    <p:extLst>
+      <p:ext uri="{BB962C8B-B14F-4D97-AF65-F5344CB8AC3E}">
+        <p14:creationId xmlns:p14="http://schemas.microsoft.com/office/powerpoint/2010/main" val="982114221"/>
+      </p:ext>
+    </p:extLst>
+  </p:cSld>
+  <p:clrMapOvr>
+    <a:masterClrMapping/>
+  </p:clrMapOvr>
+</p:sld>
+</file>
+
+<file path=ppt/slides/slide14.xml><?xml version="1.0" encoding="utf-8"?>
+<p:sld xmlns:a="http://schemas.openxmlformats.org/drawingml/2006/main" xmlns:r="http://schemas.openxmlformats.org/officeDocument/2006/relationships" xmlns:p="http://schemas.openxmlformats.org/presentationml/2006/main">
+  <p:cSld>
+    <p:spTree>
+      <p:nvGrpSpPr>
+        <p:cNvPr id="1" name=""/>
+        <p:cNvGrpSpPr/>
+        <p:nvPr/>
+      </p:nvGrpSpPr>
+      <p:grpSpPr>
+        <a:xfrm>
+          <a:off x="0" y="0"/>
+          <a:ext cx="0" cy="0"/>
+          <a:chOff x="0" y="0"/>
+          <a:chExt cx="0" cy="0"/>
+        </a:xfrm>
+      </p:grpSpPr>
+      <p:sp>
+        <p:nvSpPr>
+          <p:cNvPr id="2" name="标题 1">
+            <a:extLst>
+              <a:ext uri="{FF2B5EF4-FFF2-40B4-BE49-F238E27FC236}">
+                <a16:creationId xmlns:a16="http://schemas.microsoft.com/office/drawing/2014/main" id="{8213F17A-BB3D-46A2-BD13-35D4E55B9E64}"/>
+              </a:ext>
+            </a:extLst>
+          </p:cNvPr>
+          <p:cNvSpPr>
+            <a:spLocks noGrp="1"/>
+          </p:cNvSpPr>
+          <p:nvPr>
+            <p:ph type="title"/>
+          </p:nvPr>
+        </p:nvSpPr>
+        <p:spPr/>
+        <p:txBody>
+          <a:bodyPr/>
+          <a:lstStyle/>
+          <a:p>
+            <a:r>
+              <a:rPr lang="zh-CN" altLang="en-US" dirty="0"/>
+              <a:t>实验的概要</a:t>
+            </a:r>
+          </a:p>
+        </p:txBody>
+      </p:sp>
+      <p:sp>
+        <p:nvSpPr>
+          <p:cNvPr id="3" name="内容占位符 2">
+            <a:extLst>
+              <a:ext uri="{FF2B5EF4-FFF2-40B4-BE49-F238E27FC236}">
+                <a16:creationId xmlns:a16="http://schemas.microsoft.com/office/drawing/2014/main" id="{05A5B0CB-CFDB-414C-B777-20F0D292278C}"/>
+              </a:ext>
+            </a:extLst>
+          </p:cNvPr>
+          <p:cNvSpPr>
+            <a:spLocks noGrp="1"/>
+          </p:cNvSpPr>
+          <p:nvPr>
+            <p:ph idx="1"/>
+          </p:nvPr>
+        </p:nvSpPr>
+        <p:spPr/>
+        <p:txBody>
+          <a:bodyPr/>
+          <a:lstStyle/>
+          <a:p>
+            <a:pPr marL="0" indent="0">
+              <a:buNone/>
+            </a:pPr>
+            <a:r>
+              <a:rPr lang="zh-CN" altLang="en-US" dirty="0"/>
+              <a:t>时间</a:t>
+            </a:r>
+            <a:r>
+              <a:rPr lang="en-US" altLang="zh-CN" dirty="0"/>
+              <a:t>: </a:t>
+            </a:r>
+            <a:r>
+              <a:rPr lang="zh-CN" altLang="en-US" dirty="0"/>
+              <a:t>考试前的独立学习月</a:t>
+            </a:r>
+            <a:endParaRPr lang="en-US" altLang="zh-CN" dirty="0"/>
+          </a:p>
+          <a:p>
+            <a:pPr marL="0" indent="0">
+              <a:buNone/>
+            </a:pPr>
+            <a:r>
+              <a:rPr lang="zh-CN" altLang="en-US" dirty="0"/>
+              <a:t>参与人</a:t>
+            </a:r>
+            <a:r>
+              <a:rPr lang="en-US" altLang="zh-CN" dirty="0"/>
+              <a:t>: 3 schools, 546 students</a:t>
+            </a:r>
+          </a:p>
+          <a:p>
+            <a:pPr marL="0" indent="0">
+              <a:buNone/>
+            </a:pPr>
+            <a:r>
+              <a:rPr lang="zh-CN" altLang="en-US" dirty="0"/>
+              <a:t>地点</a:t>
+            </a:r>
+            <a:r>
+              <a:rPr lang="en-US" altLang="zh-CN" dirty="0"/>
+              <a:t>:</a:t>
+            </a:r>
+            <a:r>
+              <a:rPr lang="zh-CN" altLang="en-US" dirty="0"/>
+              <a:t>非洲西部的国家</a:t>
+            </a:r>
+            <a:r>
+              <a:rPr lang="en-US" altLang="zh-CN" dirty="0"/>
+              <a:t>(</a:t>
+            </a:r>
+            <a:r>
+              <a:rPr lang="en-US" altLang="zh-CN" b="1" dirty="0"/>
+              <a:t>Cameroon,</a:t>
+            </a:r>
+            <a:r>
+              <a:rPr lang="zh-CN" altLang="en-US" b="1" dirty="0"/>
+              <a:t>喀麦隆</a:t>
+            </a:r>
+            <a:r>
+              <a:rPr lang="en-US" altLang="zh-CN" dirty="0"/>
+              <a:t>)</a:t>
+            </a:r>
+          </a:p>
+          <a:p>
+            <a:pPr marL="0" indent="0">
+              <a:buNone/>
+            </a:pPr>
+            <a:endParaRPr lang="zh-CN" altLang="en-US" dirty="0"/>
+          </a:p>
+        </p:txBody>
+      </p:sp>
+    </p:spTree>
+    <p:extLst>
+      <p:ext uri="{BB962C8B-B14F-4D97-AF65-F5344CB8AC3E}">
+        <p14:creationId xmlns:p14="http://schemas.microsoft.com/office/powerpoint/2010/main" val="835703668"/>
+      </p:ext>
+    </p:extLst>
+  </p:cSld>
+  <p:clrMapOvr>
+    <a:masterClrMapping/>
+  </p:clrMapOvr>
+</p:sld>
+</file>
+
+<file path=ppt/slides/slide15.xml><?xml version="1.0" encoding="utf-8"?>
+<p:sld xmlns:a="http://schemas.openxmlformats.org/drawingml/2006/main" xmlns:r="http://schemas.openxmlformats.org/officeDocument/2006/relationships" xmlns:p="http://schemas.openxmlformats.org/presentationml/2006/main">
+  <p:cSld>
+    <p:spTree>
+      <p:nvGrpSpPr>
+        <p:cNvPr id="1" name=""/>
+        <p:cNvGrpSpPr/>
+        <p:nvPr/>
+      </p:nvGrpSpPr>
+      <p:grpSpPr>
+        <a:xfrm>
+          <a:off x="0" y="0"/>
+          <a:ext cx="0" cy="0"/>
+          <a:chOff x="0" y="0"/>
+          <a:chExt cx="0" cy="0"/>
+        </a:xfrm>
+      </p:grpSpPr>
+      <p:sp>
+        <p:nvSpPr>
+          <p:cNvPr id="2" name="标题 1">
+            <a:extLst>
+              <a:ext uri="{FF2B5EF4-FFF2-40B4-BE49-F238E27FC236}">
+                <a16:creationId xmlns:a16="http://schemas.microsoft.com/office/drawing/2014/main" id="{83B8A310-9A79-446A-93F3-38D6ACB484B5}"/>
+              </a:ext>
+            </a:extLst>
+          </p:cNvPr>
+          <p:cNvSpPr>
+            <a:spLocks noGrp="1"/>
+          </p:cNvSpPr>
+          <p:nvPr>
+            <p:ph type="title"/>
+          </p:nvPr>
+        </p:nvSpPr>
+        <p:spPr/>
+        <p:txBody>
+          <a:bodyPr/>
+          <a:lstStyle/>
+          <a:p>
+            <a:r>
+              <a:rPr lang="zh-CN" altLang="en-US" dirty="0"/>
+              <a:t>实验结果</a:t>
+            </a:r>
+          </a:p>
+        </p:txBody>
+      </p:sp>
+      <p:sp>
+        <p:nvSpPr>
+          <p:cNvPr id="3" name="内容占位符 2">
+            <a:extLst>
+              <a:ext uri="{FF2B5EF4-FFF2-40B4-BE49-F238E27FC236}">
+                <a16:creationId xmlns:a16="http://schemas.microsoft.com/office/drawing/2014/main" id="{F2C84290-A061-496A-8378-B647168FB8FC}"/>
+              </a:ext>
+            </a:extLst>
+          </p:cNvPr>
+          <p:cNvSpPr>
+            <a:spLocks noGrp="1"/>
+          </p:cNvSpPr>
+          <p:nvPr>
+            <p:ph idx="1"/>
+          </p:nvPr>
+        </p:nvSpPr>
+        <p:spPr/>
+        <p:txBody>
+          <a:bodyPr/>
+          <a:lstStyle/>
+          <a:p>
+            <a:r>
+              <a:rPr lang="zh-CN" altLang="en-US" dirty="0"/>
+              <a:t>实验问题的回答率受到信任度的影响</a:t>
+            </a:r>
+            <a:endParaRPr lang="en-US" altLang="zh-CN" dirty="0"/>
+          </a:p>
+          <a:p>
+            <a:r>
+              <a:rPr lang="zh-CN" altLang="en-US" dirty="0"/>
+              <a:t>父母对于智能手机的观念也会影响参与率</a:t>
+            </a:r>
+            <a:endParaRPr lang="en-US" altLang="zh-CN" dirty="0"/>
+          </a:p>
+          <a:p>
+            <a:r>
+              <a:rPr lang="zh-CN" altLang="en-US" dirty="0"/>
+              <a:t>总结了将来设计课外教学干涉系统需要注意的问题</a:t>
+            </a:r>
+          </a:p>
+        </p:txBody>
+      </p:sp>
+    </p:spTree>
+    <p:extLst>
+      <p:ext uri="{BB962C8B-B14F-4D97-AF65-F5344CB8AC3E}">
+        <p14:creationId xmlns:p14="http://schemas.microsoft.com/office/powerpoint/2010/main" val="1773716162"/>
+      </p:ext>
+    </p:extLst>
+  </p:cSld>
+  <p:clrMapOvr>
+    <a:masterClrMapping/>
+  </p:clrMapOvr>
+</p:sld>
+</file>
+
+<file path=ppt/slides/slide16.xml><?xml version="1.0" encoding="utf-8"?>
+<p:sld xmlns:a="http://schemas.openxmlformats.org/drawingml/2006/main" xmlns:r="http://schemas.openxmlformats.org/officeDocument/2006/relationships" xmlns:p="http://schemas.openxmlformats.org/presentationml/2006/main">
+  <p:cSld>
+    <p:spTree>
+      <p:nvGrpSpPr>
+        <p:cNvPr id="1" name=""/>
+        <p:cNvGrpSpPr/>
+        <p:nvPr/>
+      </p:nvGrpSpPr>
+      <p:grpSpPr>
+        <a:xfrm>
+          <a:off x="0" y="0"/>
+          <a:ext cx="0" cy="0"/>
+          <a:chOff x="0" y="0"/>
+          <a:chExt cx="0" cy="0"/>
+        </a:xfrm>
+      </p:grpSpPr>
+      <p:sp>
+        <p:nvSpPr>
+          <p:cNvPr id="2" name="标题 1">
+            <a:extLst>
+              <a:ext uri="{FF2B5EF4-FFF2-40B4-BE49-F238E27FC236}">
+                <a16:creationId xmlns:a16="http://schemas.microsoft.com/office/drawing/2014/main" id="{518BFB38-E592-4CE5-AF6C-CD5A2BA161CA}"/>
+              </a:ext>
+            </a:extLst>
+          </p:cNvPr>
+          <p:cNvSpPr>
+            <a:spLocks noGrp="1"/>
+          </p:cNvSpPr>
+          <p:nvPr>
+            <p:ph type="title"/>
+          </p:nvPr>
+        </p:nvSpPr>
+        <p:spPr/>
+        <p:txBody>
+          <a:bodyPr/>
+          <a:lstStyle/>
+          <a:p>
+            <a:r>
+              <a:rPr lang="zh-CN" altLang="en-US" dirty="0"/>
+              <a:t>实验过程</a:t>
+            </a:r>
+          </a:p>
+        </p:txBody>
+      </p:sp>
+      <p:sp>
+        <p:nvSpPr>
+          <p:cNvPr id="3" name="内容占位符 2">
+            <a:extLst>
+              <a:ext uri="{FF2B5EF4-FFF2-40B4-BE49-F238E27FC236}">
+                <a16:creationId xmlns:a16="http://schemas.microsoft.com/office/drawing/2014/main" id="{26160497-16B9-4B40-9BC5-4BCB19B4DBCD}"/>
+              </a:ext>
+            </a:extLst>
+          </p:cNvPr>
+          <p:cNvSpPr>
+            <a:spLocks noGrp="1"/>
+          </p:cNvSpPr>
+          <p:nvPr>
+            <p:ph idx="1"/>
+          </p:nvPr>
+        </p:nvSpPr>
+        <p:spPr/>
+        <p:txBody>
+          <a:bodyPr/>
+          <a:lstStyle/>
+          <a:p>
+            <a:r>
+              <a:rPr lang="zh-CN" altLang="en-US" dirty="0"/>
+              <a:t>准备阶段</a:t>
+            </a:r>
+            <a:r>
+              <a:rPr lang="en-US" altLang="zh-CN" dirty="0"/>
+              <a:t>: </a:t>
+            </a:r>
+            <a:r>
+              <a:rPr lang="zh-CN" altLang="en-US" dirty="0"/>
+              <a:t>招募参加的学生</a:t>
+            </a:r>
+            <a:r>
+              <a:rPr lang="en-US" altLang="zh-CN" dirty="0"/>
+              <a:t>, </a:t>
+            </a:r>
+            <a:r>
+              <a:rPr lang="zh-CN" altLang="en-US" dirty="0"/>
+              <a:t>收集学生信息和联系方式以便推送问题到学生的手机上</a:t>
+            </a:r>
+            <a:r>
+              <a:rPr lang="en-US" altLang="zh-CN" dirty="0"/>
+              <a:t>, </a:t>
+            </a:r>
+            <a:r>
+              <a:rPr lang="zh-CN" altLang="en-US" dirty="0"/>
+              <a:t>签署许可等</a:t>
+            </a:r>
+          </a:p>
+        </p:txBody>
+      </p:sp>
+    </p:spTree>
+    <p:extLst>
+      <p:ext uri="{BB962C8B-B14F-4D97-AF65-F5344CB8AC3E}">
+        <p14:creationId xmlns:p14="http://schemas.microsoft.com/office/powerpoint/2010/main" val="866355157"/>
+      </p:ext>
+    </p:extLst>
+  </p:cSld>
+  <p:clrMapOvr>
+    <a:masterClrMapping/>
+  </p:clrMapOvr>
+</p:sld>
+</file>
+
+<file path=ppt/slides/slide17.xml><?xml version="1.0" encoding="utf-8"?>
+<p:sld xmlns:a="http://schemas.openxmlformats.org/drawingml/2006/main" xmlns:r="http://schemas.openxmlformats.org/officeDocument/2006/relationships" xmlns:p="http://schemas.openxmlformats.org/presentationml/2006/main">
+  <p:cSld>
+    <p:spTree>
+      <p:nvGrpSpPr>
+        <p:cNvPr id="1" name=""/>
+        <p:cNvGrpSpPr/>
+        <p:nvPr/>
+      </p:nvGrpSpPr>
+      <p:grpSpPr>
+        <a:xfrm>
+          <a:off x="0" y="0"/>
+          <a:ext cx="0" cy="0"/>
+          <a:chOff x="0" y="0"/>
+          <a:chExt cx="0" cy="0"/>
+        </a:xfrm>
+      </p:grpSpPr>
+      <p:sp>
+        <p:nvSpPr>
+          <p:cNvPr id="2" name="标题 1">
+            <a:extLst>
+              <a:ext uri="{FF2B5EF4-FFF2-40B4-BE49-F238E27FC236}">
+                <a16:creationId xmlns:a16="http://schemas.microsoft.com/office/drawing/2014/main" id="{0FF2FB7D-8E27-4D66-BC6F-692F0BFB53D5}"/>
+              </a:ext>
+            </a:extLst>
+          </p:cNvPr>
+          <p:cNvSpPr>
+            <a:spLocks noGrp="1"/>
+          </p:cNvSpPr>
+          <p:nvPr>
+            <p:ph type="title"/>
+          </p:nvPr>
+        </p:nvSpPr>
+        <p:spPr/>
+        <p:txBody>
+          <a:bodyPr/>
+          <a:lstStyle/>
+          <a:p>
+            <a:r>
+              <a:rPr lang="zh-CN" altLang="en-US" dirty="0"/>
+              <a:t>实验过程</a:t>
+            </a:r>
+          </a:p>
+        </p:txBody>
+      </p:sp>
+      <p:sp>
+        <p:nvSpPr>
+          <p:cNvPr id="3" name="内容占位符 2">
+            <a:extLst>
+              <a:ext uri="{FF2B5EF4-FFF2-40B4-BE49-F238E27FC236}">
+                <a16:creationId xmlns:a16="http://schemas.microsoft.com/office/drawing/2014/main" id="{4DA132F4-BEFC-4A16-80FF-74EED1D1BD24}"/>
+              </a:ext>
+            </a:extLst>
+          </p:cNvPr>
+          <p:cNvSpPr>
+            <a:spLocks noGrp="1"/>
+          </p:cNvSpPr>
+          <p:nvPr>
+            <p:ph idx="1"/>
+          </p:nvPr>
+        </p:nvSpPr>
+        <p:spPr/>
+        <p:txBody>
+          <a:bodyPr/>
+          <a:lstStyle/>
+          <a:p>
+            <a:r>
+              <a:rPr lang="zh-CN" altLang="en-US" dirty="0"/>
+              <a:t>实验阶段</a:t>
+            </a:r>
+            <a:r>
+              <a:rPr lang="en-US" altLang="zh-CN" dirty="0"/>
+              <a:t>:  </a:t>
+            </a:r>
+            <a:r>
+              <a:rPr lang="zh-CN" altLang="en-US" dirty="0"/>
+              <a:t>每隔一段时间发送一组</a:t>
+            </a:r>
+            <a:r>
+              <a:rPr lang="en-US" altLang="zh-CN" dirty="0"/>
+              <a:t>(3</a:t>
+            </a:r>
+            <a:r>
+              <a:rPr lang="zh-CN" altLang="en-US" dirty="0"/>
+              <a:t>个</a:t>
+            </a:r>
+            <a:r>
+              <a:rPr lang="en-US" altLang="zh-CN" dirty="0"/>
+              <a:t>)</a:t>
+            </a:r>
+            <a:r>
+              <a:rPr lang="zh-CN" altLang="en-US" dirty="0"/>
+              <a:t>问题到学生的手机</a:t>
+            </a:r>
+            <a:r>
+              <a:rPr lang="en-US" altLang="zh-CN" dirty="0"/>
+              <a:t>, </a:t>
+            </a:r>
+            <a:r>
+              <a:rPr lang="zh-CN" altLang="en-US" dirty="0"/>
+              <a:t>学生回答一个问题才能看到下一个问题</a:t>
+            </a:r>
+            <a:r>
+              <a:rPr lang="en-US" altLang="zh-CN" dirty="0"/>
+              <a:t>, 3</a:t>
+            </a:r>
+            <a:r>
+              <a:rPr lang="zh-CN" altLang="en-US" dirty="0"/>
+              <a:t>个问题全部回答完成之后</a:t>
+            </a:r>
+            <a:r>
+              <a:rPr lang="en-US" altLang="zh-CN" dirty="0"/>
+              <a:t>, </a:t>
+            </a:r>
+            <a:r>
+              <a:rPr lang="zh-CN" altLang="en-US" dirty="0"/>
+              <a:t>可以看到所有问题的答案和反馈</a:t>
+            </a:r>
+          </a:p>
+        </p:txBody>
+      </p:sp>
+    </p:spTree>
+    <p:extLst>
+      <p:ext uri="{BB962C8B-B14F-4D97-AF65-F5344CB8AC3E}">
+        <p14:creationId xmlns:p14="http://schemas.microsoft.com/office/powerpoint/2010/main" val="3911755665"/>
+      </p:ext>
+    </p:extLst>
+  </p:cSld>
+  <p:clrMapOvr>
+    <a:masterClrMapping/>
+  </p:clrMapOvr>
+</p:sld>
+</file>
+
+<file path=ppt/slides/slide18.xml><?xml version="1.0" encoding="utf-8"?>
+<p:sld xmlns:a="http://schemas.openxmlformats.org/drawingml/2006/main" xmlns:r="http://schemas.openxmlformats.org/officeDocument/2006/relationships" xmlns:p="http://schemas.openxmlformats.org/presentationml/2006/main">
+  <p:cSld>
+    <p:spTree>
+      <p:nvGrpSpPr>
+        <p:cNvPr id="1" name=""/>
+        <p:cNvGrpSpPr/>
+        <p:nvPr/>
+      </p:nvGrpSpPr>
+      <p:grpSpPr>
+        <a:xfrm>
+          <a:off x="0" y="0"/>
+          <a:ext cx="0" cy="0"/>
+          <a:chOff x="0" y="0"/>
+          <a:chExt cx="0" cy="0"/>
+        </a:xfrm>
+      </p:grpSpPr>
+      <p:sp>
+        <p:nvSpPr>
+          <p:cNvPr id="2" name="标题 1">
+            <a:extLst>
+              <a:ext uri="{FF2B5EF4-FFF2-40B4-BE49-F238E27FC236}">
+                <a16:creationId xmlns:a16="http://schemas.microsoft.com/office/drawing/2014/main" id="{7AFAFD1B-794D-4D06-9FB6-7212BE8AB141}"/>
+              </a:ext>
+            </a:extLst>
+          </p:cNvPr>
+          <p:cNvSpPr>
+            <a:spLocks noGrp="1"/>
+          </p:cNvSpPr>
+          <p:nvPr>
+            <p:ph type="title"/>
+          </p:nvPr>
+        </p:nvSpPr>
+        <p:spPr/>
+        <p:txBody>
+          <a:bodyPr/>
+          <a:lstStyle/>
+          <a:p>
+            <a:r>
+              <a:rPr lang="zh-CN" altLang="en-US" dirty="0"/>
+              <a:t>实验过程</a:t>
+            </a:r>
+          </a:p>
+        </p:txBody>
+      </p:sp>
+      <p:sp>
+        <p:nvSpPr>
+          <p:cNvPr id="3" name="内容占位符 2">
+            <a:extLst>
+              <a:ext uri="{FF2B5EF4-FFF2-40B4-BE49-F238E27FC236}">
+                <a16:creationId xmlns:a16="http://schemas.microsoft.com/office/drawing/2014/main" id="{A4FD4DC4-D251-4628-B243-FDA5C2FDF506}"/>
+              </a:ext>
+            </a:extLst>
+          </p:cNvPr>
+          <p:cNvSpPr>
+            <a:spLocks noGrp="1"/>
+          </p:cNvSpPr>
+          <p:nvPr>
+            <p:ph idx="1"/>
+          </p:nvPr>
+        </p:nvSpPr>
+        <p:spPr/>
+        <p:txBody>
+          <a:bodyPr/>
+          <a:lstStyle/>
+          <a:p>
+            <a:r>
+              <a:rPr lang="zh-CN" altLang="en-US" dirty="0"/>
+              <a:t>分析阶段</a:t>
+            </a:r>
+            <a:r>
+              <a:rPr lang="en-US" altLang="zh-CN" dirty="0"/>
+              <a:t>:  </a:t>
+            </a:r>
+            <a:r>
+              <a:rPr lang="zh-CN" altLang="en-US" dirty="0"/>
+              <a:t>对学生的问题回答率和参与率等指标进行分析</a:t>
+            </a:r>
+            <a:r>
+              <a:rPr lang="en-US" altLang="zh-CN" dirty="0"/>
+              <a:t>, </a:t>
+            </a:r>
+            <a:r>
+              <a:rPr lang="zh-CN" altLang="en-US" dirty="0"/>
+              <a:t>分析出影响参与率的因素并总结系统改进方法</a:t>
+            </a:r>
+          </a:p>
+        </p:txBody>
+      </p:sp>
+    </p:spTree>
+    <p:extLst>
+      <p:ext uri="{BB962C8B-B14F-4D97-AF65-F5344CB8AC3E}">
+        <p14:creationId xmlns:p14="http://schemas.microsoft.com/office/powerpoint/2010/main" val="918021755"/>
+      </p:ext>
+    </p:extLst>
+  </p:cSld>
+  <p:clrMapOvr>
+    <a:masterClrMapping/>
+  </p:clrMapOvr>
+</p:sld>
+</file>
+
+<file path=ppt/slides/slide19.xml><?xml version="1.0" encoding="utf-8"?>
+<p:sld xmlns:a="http://schemas.openxmlformats.org/drawingml/2006/main" xmlns:r="http://schemas.openxmlformats.org/officeDocument/2006/relationships" xmlns:p="http://schemas.openxmlformats.org/presentationml/2006/main">
+  <p:cSld>
+    <p:spTree>
+      <p:nvGrpSpPr>
+        <p:cNvPr id="1" name=""/>
+        <p:cNvGrpSpPr/>
+        <p:nvPr/>
+      </p:nvGrpSpPr>
+      <p:grpSpPr>
+        <a:xfrm>
+          <a:off x="0" y="0"/>
+          <a:ext cx="0" cy="0"/>
+          <a:chOff x="0" y="0"/>
+          <a:chExt cx="0" cy="0"/>
+        </a:xfrm>
+      </p:grpSpPr>
+      <p:sp>
+        <p:nvSpPr>
+          <p:cNvPr id="2" name="标题 1">
+            <a:extLst>
+              <a:ext uri="{FF2B5EF4-FFF2-40B4-BE49-F238E27FC236}">
+                <a16:creationId xmlns:a16="http://schemas.microsoft.com/office/drawing/2014/main" id="{FE0F9AC1-E718-4DFF-9C2C-E205FD807955}"/>
+              </a:ext>
+            </a:extLst>
+          </p:cNvPr>
+          <p:cNvSpPr>
+            <a:spLocks noGrp="1"/>
+          </p:cNvSpPr>
+          <p:nvPr>
+            <p:ph type="title"/>
+          </p:nvPr>
+        </p:nvSpPr>
+        <p:spPr/>
+        <p:txBody>
+          <a:bodyPr/>
+          <a:lstStyle/>
+          <a:p>
+            <a:r>
+              <a:rPr lang="zh-CN" altLang="en-US" dirty="0"/>
+              <a:t>实验总结</a:t>
+            </a:r>
+          </a:p>
+        </p:txBody>
+      </p:sp>
+      <p:sp>
+        <p:nvSpPr>
+          <p:cNvPr id="3" name="内容占位符 2">
+            <a:extLst>
+              <a:ext uri="{FF2B5EF4-FFF2-40B4-BE49-F238E27FC236}">
+                <a16:creationId xmlns:a16="http://schemas.microsoft.com/office/drawing/2014/main" id="{56C75980-88EF-4C82-A93E-5BB6126A7863}"/>
+              </a:ext>
+            </a:extLst>
+          </p:cNvPr>
+          <p:cNvSpPr>
+            <a:spLocks noGrp="1"/>
+          </p:cNvSpPr>
+          <p:nvPr>
+            <p:ph idx="1"/>
+          </p:nvPr>
+        </p:nvSpPr>
+        <p:spPr/>
+        <p:txBody>
+          <a:bodyPr/>
+          <a:lstStyle/>
+          <a:p>
+            <a:r>
+              <a:rPr lang="zh-CN" altLang="en-US" dirty="0"/>
+              <a:t>信任</a:t>
+            </a:r>
+            <a:r>
+              <a:rPr lang="en-US" altLang="zh-CN" dirty="0"/>
+              <a:t>(</a:t>
+            </a:r>
+            <a:r>
+              <a:rPr lang="zh-CN" altLang="en-US" dirty="0"/>
+              <a:t>对信息发送方的信任和个人隐私安全的考虑</a:t>
+            </a:r>
+            <a:r>
+              <a:rPr lang="en-US" altLang="zh-CN" dirty="0"/>
+              <a:t>)</a:t>
+            </a:r>
+            <a:r>
+              <a:rPr lang="zh-CN" altLang="en-US" dirty="0"/>
+              <a:t>是影响参与率的一个关键因素</a:t>
+            </a:r>
+            <a:endParaRPr lang="en-US" altLang="zh-CN" dirty="0"/>
+          </a:p>
+          <a:p>
+            <a:r>
+              <a:rPr lang="zh-CN" altLang="en-US" dirty="0"/>
+              <a:t>父母和学生对于手机能否帮助学生更好的学习存在较大的分歧</a:t>
+            </a:r>
+            <a:r>
+              <a:rPr lang="en-US" altLang="zh-CN" dirty="0"/>
+              <a:t>, </a:t>
+            </a:r>
+            <a:r>
+              <a:rPr lang="zh-CN" altLang="en-US" dirty="0"/>
+              <a:t>有些父母会禁止学生使用智能手机</a:t>
+            </a:r>
+            <a:endParaRPr lang="en-US" altLang="zh-CN" dirty="0"/>
+          </a:p>
+          <a:p>
+            <a:r>
+              <a:rPr lang="zh-CN" altLang="en-US" dirty="0"/>
+              <a:t>总结基于手机来设计未来的教学干涉系统需要注意的问题</a:t>
+            </a:r>
+          </a:p>
+        </p:txBody>
+      </p:sp>
+    </p:spTree>
+    <p:extLst>
+      <p:ext uri="{BB962C8B-B14F-4D97-AF65-F5344CB8AC3E}">
+        <p14:creationId xmlns:p14="http://schemas.microsoft.com/office/powerpoint/2010/main" val="1861032999"/>
       </p:ext>
     </p:extLst>
   </p:cSld>
@@ -6817,6 +7675,116 @@
     <p:extLst>
       <p:ext uri="{BB962C8B-B14F-4D97-AF65-F5344CB8AC3E}">
         <p14:creationId xmlns:p14="http://schemas.microsoft.com/office/powerpoint/2010/main" val="1359192968"/>
+      </p:ext>
+    </p:extLst>
+  </p:cSld>
+  <p:clrMapOvr>
+    <a:masterClrMapping/>
+  </p:clrMapOvr>
+</p:sld>
+</file>
+
+<file path=ppt/slides/slide20.xml><?xml version="1.0" encoding="utf-8"?>
+<p:sld xmlns:a="http://schemas.openxmlformats.org/drawingml/2006/main" xmlns:r="http://schemas.openxmlformats.org/officeDocument/2006/relationships" xmlns:p="http://schemas.openxmlformats.org/presentationml/2006/main">
+  <p:cSld>
+    <p:spTree>
+      <p:nvGrpSpPr>
+        <p:cNvPr id="1" name=""/>
+        <p:cNvGrpSpPr/>
+        <p:nvPr/>
+      </p:nvGrpSpPr>
+      <p:grpSpPr>
+        <a:xfrm>
+          <a:off x="0" y="0"/>
+          <a:ext cx="0" cy="0"/>
+          <a:chOff x="0" y="0"/>
+          <a:chExt cx="0" cy="0"/>
+        </a:xfrm>
+      </p:grpSpPr>
+      <p:sp>
+        <p:nvSpPr>
+          <p:cNvPr id="2" name="标题 1">
+            <a:extLst>
+              <a:ext uri="{FF2B5EF4-FFF2-40B4-BE49-F238E27FC236}">
+                <a16:creationId xmlns:a16="http://schemas.microsoft.com/office/drawing/2014/main" id="{45047627-31CE-44DC-9289-83B54F181C9B}"/>
+              </a:ext>
+            </a:extLst>
+          </p:cNvPr>
+          <p:cNvSpPr>
+            <a:spLocks noGrp="1"/>
+          </p:cNvSpPr>
+          <p:nvPr>
+            <p:ph type="title"/>
+          </p:nvPr>
+        </p:nvSpPr>
+        <p:spPr/>
+        <p:txBody>
+          <a:bodyPr/>
+          <a:lstStyle/>
+          <a:p>
+            <a:r>
+              <a:rPr lang="zh-CN" altLang="en-US" dirty="0"/>
+              <a:t>实验缺陷</a:t>
+            </a:r>
+          </a:p>
+        </p:txBody>
+      </p:sp>
+      <p:sp>
+        <p:nvSpPr>
+          <p:cNvPr id="3" name="内容占位符 2">
+            <a:extLst>
+              <a:ext uri="{FF2B5EF4-FFF2-40B4-BE49-F238E27FC236}">
+                <a16:creationId xmlns:a16="http://schemas.microsoft.com/office/drawing/2014/main" id="{EEDAFD91-5476-46DA-AE58-EED6A487DFA3}"/>
+              </a:ext>
+            </a:extLst>
+          </p:cNvPr>
+          <p:cNvSpPr>
+            <a:spLocks noGrp="1"/>
+          </p:cNvSpPr>
+          <p:nvPr>
+            <p:ph idx="1"/>
+          </p:nvPr>
+        </p:nvSpPr>
+        <p:spPr/>
+        <p:txBody>
+          <a:bodyPr/>
+          <a:lstStyle/>
+          <a:p>
+            <a:r>
+              <a:rPr lang="zh-CN" altLang="en-US" dirty="0"/>
+              <a:t>仅仅收集了参与率这样的指标</a:t>
+            </a:r>
+            <a:r>
+              <a:rPr lang="en-US" altLang="zh-CN" dirty="0"/>
+              <a:t>, </a:t>
+            </a:r>
+            <a:r>
+              <a:rPr lang="zh-CN" altLang="en-US" dirty="0"/>
+              <a:t>分析了影响这些指标的因素</a:t>
+            </a:r>
+            <a:r>
+              <a:rPr lang="en-US" altLang="zh-CN" dirty="0"/>
+              <a:t>, </a:t>
+            </a:r>
+            <a:r>
+              <a:rPr lang="zh-CN" altLang="en-US" dirty="0"/>
+              <a:t>并没有比照这些指标对学生的考试通过率是否产生了影响</a:t>
+            </a:r>
+            <a:r>
+              <a:rPr lang="en-US" altLang="zh-CN" dirty="0"/>
+              <a:t>, </a:t>
+            </a:r>
+            <a:r>
+              <a:rPr lang="zh-CN" altLang="en-US" dirty="0"/>
+              <a:t>产生了多大的影响</a:t>
+            </a:r>
+          </a:p>
+        </p:txBody>
+      </p:sp>
+    </p:spTree>
+    <p:extLst>
+      <p:ext uri="{BB962C8B-B14F-4D97-AF65-F5344CB8AC3E}">
+        <p14:creationId xmlns:p14="http://schemas.microsoft.com/office/powerpoint/2010/main" val="3108472396"/>
       </p:ext>
     </p:extLst>
   </p:cSld>
